--- a/images/Analysis/c7plus-characterisation/c7plus-characterisation-images.pptx
+++ b/images/Analysis/c7plus-characterisation/c7plus-characterisation-images.pptx
@@ -1412,9 +1412,9 @@
           <c:layoutTarget val="inner"/>
           <c:xMode val="edge"/>
           <c:yMode val="edge"/>
-          <c:x val="0.1002368226975982"/>
+          <c:x val="0.11640151146855747"/>
           <c:y val="0.13737037037037036"/>
-          <c:w val="0.71306683446475028"/>
+          <c:w val="0.70935568759562673"/>
           <c:h val="0.69846923301254005"/>
         </c:manualLayout>
       </c:layout>
@@ -1422,10 +1422,335 @@
         <c:scatterStyle val="lineMarker"/>
         <c:varyColors val="0"/>
         <c:ser>
-          <c:idx val="0"/>
+          <c:idx val="1"/>
           <c:order val="0"/>
           <c:tx>
             <c:v>Paraffins</c:v>
+          </c:tx>
+          <c:spPr>
+            <a:ln w="31750" cap="rnd">
+              <a:solidFill>
+                <a:srgbClr val="C00000"/>
+              </a:solidFill>
+              <a:round/>
+            </a:ln>
+            <a:effectLst/>
+          </c:spPr>
+          <c:marker>
+            <c:symbol val="circle"/>
+            <c:size val="5"/>
+            <c:spPr>
+              <a:solidFill>
+                <a:srgbClr val="FF9999"/>
+              </a:solidFill>
+              <a:ln w="12700">
+                <a:solidFill>
+                  <a:srgbClr val="C00000"/>
+                </a:solidFill>
+              </a:ln>
+              <a:effectLst/>
+            </c:spPr>
+          </c:marker>
+          <c:xVal>
+            <c:numRef>
+              <c:f>Sheet1!$I$32:$I$76</c:f>
+              <c:numCache>
+                <c:formatCode>General</c:formatCode>
+                <c:ptCount val="45"/>
+                <c:pt idx="0">
+                  <c:v>6</c:v>
+                </c:pt>
+                <c:pt idx="1">
+                  <c:v>7</c:v>
+                </c:pt>
+                <c:pt idx="2">
+                  <c:v>8</c:v>
+                </c:pt>
+                <c:pt idx="3">
+                  <c:v>9</c:v>
+                </c:pt>
+                <c:pt idx="4">
+                  <c:v>10</c:v>
+                </c:pt>
+                <c:pt idx="5">
+                  <c:v>11</c:v>
+                </c:pt>
+                <c:pt idx="6">
+                  <c:v>12</c:v>
+                </c:pt>
+                <c:pt idx="7">
+                  <c:v>13</c:v>
+                </c:pt>
+                <c:pt idx="8">
+                  <c:v>14</c:v>
+                </c:pt>
+                <c:pt idx="9">
+                  <c:v>15</c:v>
+                </c:pt>
+                <c:pt idx="10">
+                  <c:v>16</c:v>
+                </c:pt>
+                <c:pt idx="11">
+                  <c:v>17</c:v>
+                </c:pt>
+                <c:pt idx="12">
+                  <c:v>18</c:v>
+                </c:pt>
+                <c:pt idx="13">
+                  <c:v>19</c:v>
+                </c:pt>
+                <c:pt idx="14">
+                  <c:v>20</c:v>
+                </c:pt>
+                <c:pt idx="15">
+                  <c:v>21</c:v>
+                </c:pt>
+                <c:pt idx="16">
+                  <c:v>22</c:v>
+                </c:pt>
+                <c:pt idx="17">
+                  <c:v>23</c:v>
+                </c:pt>
+                <c:pt idx="18">
+                  <c:v>24</c:v>
+                </c:pt>
+                <c:pt idx="19">
+                  <c:v>25</c:v>
+                </c:pt>
+                <c:pt idx="20">
+                  <c:v>26</c:v>
+                </c:pt>
+                <c:pt idx="21">
+                  <c:v>27</c:v>
+                </c:pt>
+                <c:pt idx="22">
+                  <c:v>28</c:v>
+                </c:pt>
+                <c:pt idx="23">
+                  <c:v>29</c:v>
+                </c:pt>
+                <c:pt idx="24">
+                  <c:v>30</c:v>
+                </c:pt>
+                <c:pt idx="25">
+                  <c:v>31</c:v>
+                </c:pt>
+                <c:pt idx="26">
+                  <c:v>32</c:v>
+                </c:pt>
+                <c:pt idx="27">
+                  <c:v>33</c:v>
+                </c:pt>
+                <c:pt idx="28">
+                  <c:v>34</c:v>
+                </c:pt>
+                <c:pt idx="29">
+                  <c:v>35</c:v>
+                </c:pt>
+                <c:pt idx="30">
+                  <c:v>36</c:v>
+                </c:pt>
+                <c:pt idx="31">
+                  <c:v>37</c:v>
+                </c:pt>
+                <c:pt idx="32">
+                  <c:v>38</c:v>
+                </c:pt>
+                <c:pt idx="33">
+                  <c:v>39</c:v>
+                </c:pt>
+                <c:pt idx="34">
+                  <c:v>40</c:v>
+                </c:pt>
+                <c:pt idx="35">
+                  <c:v>41</c:v>
+                </c:pt>
+                <c:pt idx="36">
+                  <c:v>42</c:v>
+                </c:pt>
+                <c:pt idx="37">
+                  <c:v>43</c:v>
+                </c:pt>
+                <c:pt idx="38">
+                  <c:v>44</c:v>
+                </c:pt>
+                <c:pt idx="39">
+                  <c:v>45</c:v>
+                </c:pt>
+                <c:pt idx="40">
+                  <c:v>46</c:v>
+                </c:pt>
+                <c:pt idx="41">
+                  <c:v>47</c:v>
+                </c:pt>
+                <c:pt idx="42">
+                  <c:v>48</c:v>
+                </c:pt>
+                <c:pt idx="43">
+                  <c:v>49</c:v>
+                </c:pt>
+                <c:pt idx="44">
+                  <c:v>50</c:v>
+                </c:pt>
+              </c:numCache>
+            </c:numRef>
+          </c:xVal>
+          <c:yVal>
+            <c:numRef>
+              <c:f>Sheet1!$O$32:$O$76</c:f>
+              <c:numCache>
+                <c:formatCode>0.0%</c:formatCode>
+                <c:ptCount val="45"/>
+                <c:pt idx="0">
+                  <c:v>0.80900000000000005</c:v>
+                </c:pt>
+                <c:pt idx="1">
+                  <c:v>0.67100000000000004</c:v>
+                </c:pt>
+                <c:pt idx="2">
+                  <c:v>0.58799999999999997</c:v>
+                </c:pt>
+                <c:pt idx="3">
+                  <c:v>0.51800000000000002</c:v>
+                </c:pt>
+                <c:pt idx="4">
+                  <c:v>0.46700000000000003</c:v>
+                </c:pt>
+                <c:pt idx="5">
+                  <c:v>0.42799999999999999</c:v>
+                </c:pt>
+                <c:pt idx="6">
+                  <c:v>0.39100000000000001</c:v>
+                </c:pt>
+                <c:pt idx="7">
+                  <c:v>0.35699999999999998</c:v>
+                </c:pt>
+                <c:pt idx="8">
+                  <c:v>0.32400000000000001</c:v>
+                </c:pt>
+                <c:pt idx="9">
+                  <c:v>0.69799999999999995</c:v>
+                </c:pt>
+                <c:pt idx="10">
+                  <c:v>0.69499999999999995</c:v>
+                </c:pt>
+                <c:pt idx="11">
+                  <c:v>0.68899999999999995</c:v>
+                </c:pt>
+                <c:pt idx="12">
+                  <c:v>0.68799999999999994</c:v>
+                </c:pt>
+                <c:pt idx="13">
+                  <c:v>0.68600000000000005</c:v>
+                </c:pt>
+                <c:pt idx="14">
+                  <c:v>0.68500000000000005</c:v>
+                </c:pt>
+                <c:pt idx="15">
+                  <c:v>0.68400000000000005</c:v>
+                </c:pt>
+                <c:pt idx="16">
+                  <c:v>0.64800000000000002</c:v>
+                </c:pt>
+                <c:pt idx="17">
+                  <c:v>0.63800000000000001</c:v>
+                </c:pt>
+                <c:pt idx="18">
+                  <c:v>0.63200000000000001</c:v>
+                </c:pt>
+                <c:pt idx="19">
+                  <c:v>0.628</c:v>
+                </c:pt>
+                <c:pt idx="20">
+                  <c:v>0.621</c:v>
+                </c:pt>
+                <c:pt idx="21">
+                  <c:v>0.61399999999999999</c:v>
+                </c:pt>
+                <c:pt idx="22">
+                  <c:v>0.61099999999999999</c:v>
+                </c:pt>
+                <c:pt idx="23">
+                  <c:v>0.60699999999999998</c:v>
+                </c:pt>
+                <c:pt idx="24">
+                  <c:v>0.60399999999999998</c:v>
+                </c:pt>
+                <c:pt idx="25">
+                  <c:v>0.59699999999999998</c:v>
+                </c:pt>
+                <c:pt idx="26">
+                  <c:v>0.59299999999999997</c:v>
+                </c:pt>
+                <c:pt idx="27">
+                  <c:v>0.59</c:v>
+                </c:pt>
+                <c:pt idx="28">
+                  <c:v>0.58899999999999997</c:v>
+                </c:pt>
+                <c:pt idx="29">
+                  <c:v>0.58599999999999997</c:v>
+                </c:pt>
+                <c:pt idx="30">
+                  <c:v>0.58599999999999997</c:v>
+                </c:pt>
+                <c:pt idx="31">
+                  <c:v>0.58199999999999996</c:v>
+                </c:pt>
+                <c:pt idx="32">
+                  <c:v>0.58199999999999996</c:v>
+                </c:pt>
+                <c:pt idx="33">
+                  <c:v>0.58299999999999996</c:v>
+                </c:pt>
+                <c:pt idx="34">
+                  <c:v>0.58199999999999996</c:v>
+                </c:pt>
+                <c:pt idx="35">
+                  <c:v>0.58299999999999996</c:v>
+                </c:pt>
+                <c:pt idx="36">
+                  <c:v>0.58599999999999997</c:v>
+                </c:pt>
+                <c:pt idx="37">
+                  <c:v>0.58599999999999997</c:v>
+                </c:pt>
+                <c:pt idx="38">
+                  <c:v>0.58699999999999997</c:v>
+                </c:pt>
+                <c:pt idx="39">
+                  <c:v>0.58730000000000004</c:v>
+                </c:pt>
+                <c:pt idx="40">
+                  <c:v>0.58730000000000004</c:v>
+                </c:pt>
+                <c:pt idx="41">
+                  <c:v>0.58730000000000004</c:v>
+                </c:pt>
+                <c:pt idx="42">
+                  <c:v>0.58730000000000004</c:v>
+                </c:pt>
+                <c:pt idx="43">
+                  <c:v>0.58730000000000004</c:v>
+                </c:pt>
+                <c:pt idx="44">
+                  <c:v>0.58730000000000004</c:v>
+                </c:pt>
+              </c:numCache>
+            </c:numRef>
+          </c:yVal>
+          <c:smooth val="0"/>
+          <c:extLst>
+            <c:ext xmlns:c16="http://schemas.microsoft.com/office/drawing/2014/chart" uri="{C3380CC4-5D6E-409C-BE32-E72D297353CC}">
+              <c16:uniqueId val="{00000000-2C3D-46AE-A52E-E214531E5C0E}"/>
+            </c:ext>
+          </c:extLst>
+        </c:ser>
+        <c:ser>
+          <c:idx val="0"/>
+          <c:order val="1"/>
+          <c:tx>
+            <c:v>Naphthenes</c:v>
           </c:tx>
           <c:spPr>
             <a:ln w="31750" cap="rnd">
@@ -1742,332 +2067,7 @@
           <c:smooth val="0"/>
           <c:extLst>
             <c:ext xmlns:c16="http://schemas.microsoft.com/office/drawing/2014/chart" uri="{C3380CC4-5D6E-409C-BE32-E72D297353CC}">
-              <c16:uniqueId val="{00000000-11EB-4395-A546-036DE7D930CB}"/>
-            </c:ext>
-          </c:extLst>
-        </c:ser>
-        <c:ser>
-          <c:idx val="1"/>
-          <c:order val="1"/>
-          <c:tx>
-            <c:v>Naphthenes</c:v>
-          </c:tx>
-          <c:spPr>
-            <a:ln w="31750" cap="rnd">
-              <a:solidFill>
-                <a:srgbClr val="C00000"/>
-              </a:solidFill>
-              <a:round/>
-            </a:ln>
-            <a:effectLst/>
-          </c:spPr>
-          <c:marker>
-            <c:symbol val="circle"/>
-            <c:size val="5"/>
-            <c:spPr>
-              <a:solidFill>
-                <a:srgbClr val="FF9999"/>
-              </a:solidFill>
-              <a:ln w="12700">
-                <a:solidFill>
-                  <a:srgbClr val="C00000"/>
-                </a:solidFill>
-              </a:ln>
-              <a:effectLst/>
-            </c:spPr>
-          </c:marker>
-          <c:xVal>
-            <c:numRef>
-              <c:f>Sheet1!$I$32:$I$76</c:f>
-              <c:numCache>
-                <c:formatCode>General</c:formatCode>
-                <c:ptCount val="45"/>
-                <c:pt idx="0">
-                  <c:v>6</c:v>
-                </c:pt>
-                <c:pt idx="1">
-                  <c:v>7</c:v>
-                </c:pt>
-                <c:pt idx="2">
-                  <c:v>8</c:v>
-                </c:pt>
-                <c:pt idx="3">
-                  <c:v>9</c:v>
-                </c:pt>
-                <c:pt idx="4">
-                  <c:v>10</c:v>
-                </c:pt>
-                <c:pt idx="5">
-                  <c:v>11</c:v>
-                </c:pt>
-                <c:pt idx="6">
-                  <c:v>12</c:v>
-                </c:pt>
-                <c:pt idx="7">
-                  <c:v>13</c:v>
-                </c:pt>
-                <c:pt idx="8">
-                  <c:v>14</c:v>
-                </c:pt>
-                <c:pt idx="9">
-                  <c:v>15</c:v>
-                </c:pt>
-                <c:pt idx="10">
-                  <c:v>16</c:v>
-                </c:pt>
-                <c:pt idx="11">
-                  <c:v>17</c:v>
-                </c:pt>
-                <c:pt idx="12">
-                  <c:v>18</c:v>
-                </c:pt>
-                <c:pt idx="13">
-                  <c:v>19</c:v>
-                </c:pt>
-                <c:pt idx="14">
-                  <c:v>20</c:v>
-                </c:pt>
-                <c:pt idx="15">
-                  <c:v>21</c:v>
-                </c:pt>
-                <c:pt idx="16">
-                  <c:v>22</c:v>
-                </c:pt>
-                <c:pt idx="17">
-                  <c:v>23</c:v>
-                </c:pt>
-                <c:pt idx="18">
-                  <c:v>24</c:v>
-                </c:pt>
-                <c:pt idx="19">
-                  <c:v>25</c:v>
-                </c:pt>
-                <c:pt idx="20">
-                  <c:v>26</c:v>
-                </c:pt>
-                <c:pt idx="21">
-                  <c:v>27</c:v>
-                </c:pt>
-                <c:pt idx="22">
-                  <c:v>28</c:v>
-                </c:pt>
-                <c:pt idx="23">
-                  <c:v>29</c:v>
-                </c:pt>
-                <c:pt idx="24">
-                  <c:v>30</c:v>
-                </c:pt>
-                <c:pt idx="25">
-                  <c:v>31</c:v>
-                </c:pt>
-                <c:pt idx="26">
-                  <c:v>32</c:v>
-                </c:pt>
-                <c:pt idx="27">
-                  <c:v>33</c:v>
-                </c:pt>
-                <c:pt idx="28">
-                  <c:v>34</c:v>
-                </c:pt>
-                <c:pt idx="29">
-                  <c:v>35</c:v>
-                </c:pt>
-                <c:pt idx="30">
-                  <c:v>36</c:v>
-                </c:pt>
-                <c:pt idx="31">
-                  <c:v>37</c:v>
-                </c:pt>
-                <c:pt idx="32">
-                  <c:v>38</c:v>
-                </c:pt>
-                <c:pt idx="33">
-                  <c:v>39</c:v>
-                </c:pt>
-                <c:pt idx="34">
-                  <c:v>40</c:v>
-                </c:pt>
-                <c:pt idx="35">
-                  <c:v>41</c:v>
-                </c:pt>
-                <c:pt idx="36">
-                  <c:v>42</c:v>
-                </c:pt>
-                <c:pt idx="37">
-                  <c:v>43</c:v>
-                </c:pt>
-                <c:pt idx="38">
-                  <c:v>44</c:v>
-                </c:pt>
-                <c:pt idx="39">
-                  <c:v>45</c:v>
-                </c:pt>
-                <c:pt idx="40">
-                  <c:v>46</c:v>
-                </c:pt>
-                <c:pt idx="41">
-                  <c:v>47</c:v>
-                </c:pt>
-                <c:pt idx="42">
-                  <c:v>48</c:v>
-                </c:pt>
-                <c:pt idx="43">
-                  <c:v>49</c:v>
-                </c:pt>
-                <c:pt idx="44">
-                  <c:v>50</c:v>
-                </c:pt>
-              </c:numCache>
-            </c:numRef>
-          </c:xVal>
-          <c:yVal>
-            <c:numRef>
-              <c:f>Sheet1!$O$32:$O$76</c:f>
-              <c:numCache>
-                <c:formatCode>0.0%</c:formatCode>
-                <c:ptCount val="45"/>
-                <c:pt idx="0">
-                  <c:v>0.80900000000000005</c:v>
-                </c:pt>
-                <c:pt idx="1">
-                  <c:v>0.67100000000000004</c:v>
-                </c:pt>
-                <c:pt idx="2">
-                  <c:v>0.58799999999999997</c:v>
-                </c:pt>
-                <c:pt idx="3">
-                  <c:v>0.51800000000000002</c:v>
-                </c:pt>
-                <c:pt idx="4">
-                  <c:v>0.46700000000000003</c:v>
-                </c:pt>
-                <c:pt idx="5">
-                  <c:v>0.42799999999999999</c:v>
-                </c:pt>
-                <c:pt idx="6">
-                  <c:v>0.39100000000000001</c:v>
-                </c:pt>
-                <c:pt idx="7">
-                  <c:v>0.35699999999999998</c:v>
-                </c:pt>
-                <c:pt idx="8">
-                  <c:v>0.32400000000000001</c:v>
-                </c:pt>
-                <c:pt idx="9">
-                  <c:v>0.69799999999999995</c:v>
-                </c:pt>
-                <c:pt idx="10">
-                  <c:v>0.69499999999999995</c:v>
-                </c:pt>
-                <c:pt idx="11">
-                  <c:v>0.68899999999999995</c:v>
-                </c:pt>
-                <c:pt idx="12">
-                  <c:v>0.68799999999999994</c:v>
-                </c:pt>
-                <c:pt idx="13">
-                  <c:v>0.68600000000000005</c:v>
-                </c:pt>
-                <c:pt idx="14">
-                  <c:v>0.68500000000000005</c:v>
-                </c:pt>
-                <c:pt idx="15">
-                  <c:v>0.68400000000000005</c:v>
-                </c:pt>
-                <c:pt idx="16">
-                  <c:v>0.64800000000000002</c:v>
-                </c:pt>
-                <c:pt idx="17">
-                  <c:v>0.63800000000000001</c:v>
-                </c:pt>
-                <c:pt idx="18">
-                  <c:v>0.63200000000000001</c:v>
-                </c:pt>
-                <c:pt idx="19">
-                  <c:v>0.628</c:v>
-                </c:pt>
-                <c:pt idx="20">
-                  <c:v>0.621</c:v>
-                </c:pt>
-                <c:pt idx="21">
-                  <c:v>0.61399999999999999</c:v>
-                </c:pt>
-                <c:pt idx="22">
-                  <c:v>0.61099999999999999</c:v>
-                </c:pt>
-                <c:pt idx="23">
-                  <c:v>0.60699999999999998</c:v>
-                </c:pt>
-                <c:pt idx="24">
-                  <c:v>0.60399999999999998</c:v>
-                </c:pt>
-                <c:pt idx="25">
-                  <c:v>0.59699999999999998</c:v>
-                </c:pt>
-                <c:pt idx="26">
-                  <c:v>0.59299999999999997</c:v>
-                </c:pt>
-                <c:pt idx="27">
-                  <c:v>0.59</c:v>
-                </c:pt>
-                <c:pt idx="28">
-                  <c:v>0.58899999999999997</c:v>
-                </c:pt>
-                <c:pt idx="29">
-                  <c:v>0.58599999999999997</c:v>
-                </c:pt>
-                <c:pt idx="30">
-                  <c:v>0.58599999999999997</c:v>
-                </c:pt>
-                <c:pt idx="31">
-                  <c:v>0.58199999999999996</c:v>
-                </c:pt>
-                <c:pt idx="32">
-                  <c:v>0.58199999999999996</c:v>
-                </c:pt>
-                <c:pt idx="33">
-                  <c:v>0.58299999999999996</c:v>
-                </c:pt>
-                <c:pt idx="34">
-                  <c:v>0.58199999999999996</c:v>
-                </c:pt>
-                <c:pt idx="35">
-                  <c:v>0.58299999999999996</c:v>
-                </c:pt>
-                <c:pt idx="36">
-                  <c:v>0.58599999999999997</c:v>
-                </c:pt>
-                <c:pt idx="37">
-                  <c:v>0.58599999999999997</c:v>
-                </c:pt>
-                <c:pt idx="38">
-                  <c:v>0.58699999999999997</c:v>
-                </c:pt>
-                <c:pt idx="39">
-                  <c:v>0.58730000000000004</c:v>
-                </c:pt>
-                <c:pt idx="40">
-                  <c:v>0.58730000000000004</c:v>
-                </c:pt>
-                <c:pt idx="41">
-                  <c:v>0.58730000000000004</c:v>
-                </c:pt>
-                <c:pt idx="42">
-                  <c:v>0.58730000000000004</c:v>
-                </c:pt>
-                <c:pt idx="43">
-                  <c:v>0.58730000000000004</c:v>
-                </c:pt>
-                <c:pt idx="44">
-                  <c:v>0.58730000000000004</c:v>
-                </c:pt>
-              </c:numCache>
-            </c:numRef>
-          </c:yVal>
-          <c:smooth val="0"/>
-          <c:extLst>
-            <c:ext xmlns:c16="http://schemas.microsoft.com/office/drawing/2014/chart" uri="{C3380CC4-5D6E-409C-BE32-E72D297353CC}">
-              <c16:uniqueId val="{00000001-11EB-4395-A546-036DE7D930CB}"/>
+              <c16:uniqueId val="{00000001-2C3D-46AE-A52E-E214531E5C0E}"/>
             </c:ext>
           </c:extLst>
         </c:ser>
@@ -2389,7 +2389,7 @@
           <c:smooth val="0"/>
           <c:extLst>
             <c:ext xmlns:c16="http://schemas.microsoft.com/office/drawing/2014/chart" uri="{C3380CC4-5D6E-409C-BE32-E72D297353CC}">
-              <c16:uniqueId val="{00000002-11EB-4395-A546-036DE7D930CB}"/>
+              <c16:uniqueId val="{00000002-2C3D-46AE-A52E-E214531E5C0E}"/>
             </c:ext>
           </c:extLst>
         </c:ser>
@@ -2573,7 +2573,7 @@
             <c:manualLayout>
               <c:xMode val="edge"/>
               <c:yMode val="edge"/>
-              <c:x val="3.9561305616537248E-3"/>
+              <c:x val="6.0667454430920562E-3"/>
               <c:y val="0.13558034412365122"/>
             </c:manualLayout>
           </c:layout>
@@ -2630,6 +2630,16 @@
     </c:plotArea>
     <c:legend>
       <c:legendPos val="r"/>
+      <c:layout>
+        <c:manualLayout>
+          <c:xMode val="edge"/>
+          <c:yMode val="edge"/>
+          <c:x val="0.83945286383766182"/>
+          <c:y val="0.45456401283172937"/>
+          <c:w val="0.15652491449611855"/>
+          <c:h val="0.18750131233595801"/>
+        </c:manualLayout>
+      </c:layout>
       <c:overlay val="0"/>
       <c:spPr>
         <a:noFill/>
@@ -8437,36 +8447,6 @@
           </a:graphicData>
         </a:graphic>
       </p:graphicFrame>
-      <p:graphicFrame>
-        <p:nvGraphicFramePr>
-          <p:cNvPr id="7" name="Chart 6">
-            <a:extLst>
-              <a:ext uri="{FF2B5EF4-FFF2-40B4-BE49-F238E27FC236}">
-                <a16:creationId xmlns:a16="http://schemas.microsoft.com/office/drawing/2014/main" id="{59787BA4-D6A4-4EE0-987F-6D0EB05AE6A2}"/>
-              </a:ext>
-            </a:extLst>
-          </p:cNvPr>
-          <p:cNvGraphicFramePr>
-            <a:graphicFrameLocks/>
-          </p:cNvGraphicFramePr>
-          <p:nvPr>
-            <p:extLst>
-              <p:ext uri="{D42A27DB-BD31-4B8C-83A1-F6EECF244321}">
-                <p14:modId xmlns:p14="http://schemas.microsoft.com/office/powerpoint/2010/main" val="18954255"/>
-              </p:ext>
-            </p:extLst>
-          </p:nvPr>
-        </p:nvGraphicFramePr>
-        <p:xfrm>
-          <a:off x="5771585" y="3429000"/>
-          <a:ext cx="6420415" cy="3429000"/>
-        </p:xfrm>
-        <a:graphic>
-          <a:graphicData uri="http://schemas.openxmlformats.org/drawingml/2006/chart">
-            <c:chart xmlns:c="http://schemas.openxmlformats.org/drawingml/2006/chart" xmlns:r="http://schemas.openxmlformats.org/officeDocument/2006/relationships" r:id="rId4"/>
-          </a:graphicData>
-        </a:graphic>
-      </p:graphicFrame>
       <p:pic>
         <p:nvPicPr>
           <p:cNvPr id="3" name="Picture 2">
@@ -8482,7 +8462,7 @@
           <p:nvPr/>
         </p:nvPicPr>
         <p:blipFill>
-          <a:blip r:embed="rId5"/>
+          <a:blip r:embed="rId4"/>
           <a:stretch>
             <a:fillRect/>
           </a:stretch>
@@ -8512,7 +8492,7 @@
           <p:nvPr/>
         </p:nvPicPr>
         <p:blipFill>
-          <a:blip r:embed="rId6"/>
+          <a:blip r:embed="rId5"/>
           <a:stretch>
             <a:fillRect/>
           </a:stretch>
@@ -8527,6 +8507,36 @@
           </a:prstGeom>
         </p:spPr>
       </p:pic>
+      <p:graphicFrame>
+        <p:nvGraphicFramePr>
+          <p:cNvPr id="2" name="Chart 1">
+            <a:extLst>
+              <a:ext uri="{FF2B5EF4-FFF2-40B4-BE49-F238E27FC236}">
+                <a16:creationId xmlns:a16="http://schemas.microsoft.com/office/drawing/2014/main" id="{59787BA4-D6A4-4EE0-987F-6D0EB05AE6A2}"/>
+              </a:ext>
+            </a:extLst>
+          </p:cNvPr>
+          <p:cNvGraphicFramePr>
+            <a:graphicFrameLocks/>
+          </p:cNvGraphicFramePr>
+          <p:nvPr>
+            <p:extLst>
+              <p:ext uri="{D42A27DB-BD31-4B8C-83A1-F6EECF244321}">
+                <p14:modId xmlns:p14="http://schemas.microsoft.com/office/powerpoint/2010/main" val="1009066171"/>
+              </p:ext>
+            </p:extLst>
+          </p:nvPr>
+        </p:nvGraphicFramePr>
+        <p:xfrm>
+          <a:off x="5771585" y="3436574"/>
+          <a:ext cx="6314918" cy="3429000"/>
+        </p:xfrm>
+        <a:graphic>
+          <a:graphicData uri="http://schemas.openxmlformats.org/drawingml/2006/chart">
+            <c:chart xmlns:c="http://schemas.openxmlformats.org/drawingml/2006/chart" xmlns:r="http://schemas.openxmlformats.org/officeDocument/2006/relationships" r:id="rId6"/>
+          </a:graphicData>
+        </a:graphic>
+      </p:graphicFrame>
     </p:spTree>
     <p:extLst>
       <p:ext uri="{BB962C8B-B14F-4D97-AF65-F5344CB8AC3E}">

--- a/images/Analysis/c7plus-characterisation/c7plus-characterisation-images.pptx
+++ b/images/Analysis/c7plus-characterisation/c7plus-characterisation-images.pptx
@@ -118,20 +118,24 @@
   <p:extLst>
     <p:ext uri="{521415D9-36F7-43E2-AB2F-B90AF26B5E84}">
       <p14:sectionLst xmlns:p14="http://schemas.microsoft.com/office/powerpoint/2010/main">
-        <p14:section name="Default Section" id="{10FFFD92-D0C3-4009-B8C4-09A2E9AAAAEE}">
+        <p14:section name="Part I" id="{10FFFD92-D0C3-4009-B8C4-09A2E9AAAAEE}">
           <p14:sldIdLst>
             <p14:sldId id="256"/>
             <p14:sldId id="257"/>
+          </p14:sldIdLst>
+        </p14:section>
+        <p14:section name="Part II" id="{E20C6CB3-CB6C-470A-B5BC-DAFE1AC5C72F}">
+          <p14:sldIdLst>
             <p14:sldId id="260"/>
             <p14:sldId id="262"/>
             <p14:sldId id="263"/>
             <p14:sldId id="264"/>
+            <p14:sldId id="265"/>
+            <p14:sldId id="261"/>
           </p14:sldIdLst>
         </p14:section>
         <p14:section name="Untitled Section" id="{1AF52131-0820-4E43-9032-50A4690FC807}">
           <p14:sldIdLst>
-            <p14:sldId id="265"/>
-            <p14:sldId id="261"/>
             <p14:sldId id="258"/>
           </p14:sldIdLst>
         </p14:section>
@@ -4384,9 +4388,7 @@
                   <a:pPr>
                     <a:defRPr sz="1200" b="0" i="0" u="none" strike="noStrike" kern="1200" baseline="0">
                       <a:solidFill>
-                        <a:schemeClr val="bg1">
-                          <a:lumMod val="50000"/>
-                        </a:schemeClr>
+                        <a:schemeClr val="tx1"/>
                       </a:solidFill>
                       <a:latin typeface="+mn-lt"/>
                       <a:ea typeface="+mn-ea"/>
@@ -6404,9 +6406,7 @@
                   <a:pPr>
                     <a:defRPr sz="1200" b="0" i="0" u="none" strike="noStrike" kern="1200" baseline="0">
                       <a:solidFill>
-                        <a:schemeClr val="bg1">
-                          <a:lumMod val="50000"/>
-                        </a:schemeClr>
+                        <a:schemeClr val="tx1"/>
                       </a:solidFill>
                       <a:latin typeface="+mn-lt"/>
                       <a:ea typeface="+mn-ea"/>
@@ -7740,7 +7740,7 @@
                   <a:pPr>
                     <a:defRPr sz="1200" b="0" i="0" u="none" strike="noStrike" kern="1200" baseline="0">
                       <a:solidFill>
-                        <a:schemeClr val="accent2"/>
+                        <a:srgbClr val="FF6600"/>
                       </a:solidFill>
                       <a:latin typeface="+mn-lt"/>
                       <a:ea typeface="+mn-ea"/>
@@ -8221,7 +8221,7 @@
                 <a:pPr>
                   <a:defRPr sz="1000" b="0" i="0" u="none" strike="noStrike" kern="1200" baseline="0">
                     <a:solidFill>
-                      <a:srgbClr val="FF9900"/>
+                      <a:srgbClr val="FF6600"/>
                     </a:solidFill>
                     <a:latin typeface="+mn-lt"/>
                     <a:ea typeface="+mn-ea"/>
@@ -8231,7 +8231,7 @@
                 <a:r>
                   <a:rPr lang="en-AU">
                     <a:solidFill>
-                      <a:srgbClr val="FF9900"/>
+                      <a:srgbClr val="FF6600"/>
                     </a:solidFill>
                   </a:rPr>
                   <a:t>nC/SG</a:t>
@@ -8254,7 +8254,7 @@
               <a:pPr>
                 <a:defRPr sz="1000" b="0" i="0" u="none" strike="noStrike" kern="1200" baseline="0">
                   <a:solidFill>
-                    <a:srgbClr val="FF9900"/>
+                    <a:srgbClr val="FF6600"/>
                   </a:solidFill>
                   <a:latin typeface="+mn-lt"/>
                   <a:ea typeface="+mn-ea"/>
@@ -8289,7 +8289,7 @@
             <a:pPr>
               <a:defRPr sz="900" b="0" i="0" u="none" strike="noStrike" kern="1200" baseline="0">
                 <a:solidFill>
-                  <a:srgbClr val="FF9900"/>
+                  <a:srgbClr val="FF6600"/>
                 </a:solidFill>
                 <a:latin typeface="+mn-lt"/>
                 <a:ea typeface="+mn-ea"/>
@@ -8500,9 +8500,7 @@
                   <a:pPr>
                     <a:defRPr sz="1200" b="0" i="0" u="none" strike="noStrike" kern="1200" baseline="0">
                       <a:solidFill>
-                        <a:schemeClr val="bg1">
-                          <a:lumMod val="50000"/>
-                        </a:schemeClr>
+                        <a:schemeClr val="tx1"/>
                       </a:solidFill>
                       <a:latin typeface="+mn-lt"/>
                       <a:ea typeface="+mn-ea"/>
@@ -10256,7 +10254,7 @@
                   <a:pPr>
                     <a:defRPr sz="1200" b="0" i="0" u="none" strike="noStrike" kern="1200" baseline="0">
                       <a:solidFill>
-                        <a:srgbClr val="00B050"/>
+                        <a:srgbClr val="006600"/>
                       </a:solidFill>
                       <a:latin typeface="+mn-lt"/>
                       <a:ea typeface="+mn-ea"/>
@@ -10737,7 +10735,7 @@
                 <a:pPr>
                   <a:defRPr sz="1000" b="0" i="0" u="none" strike="noStrike" kern="1200" baseline="0">
                     <a:solidFill>
-                      <a:srgbClr val="00B050"/>
+                      <a:srgbClr val="006600"/>
                     </a:solidFill>
                     <a:latin typeface="+mn-lt"/>
                     <a:ea typeface="+mn-ea"/>
@@ -10747,7 +10745,7 @@
                 <a:r>
                   <a:rPr lang="en-AU">
                     <a:solidFill>
-                      <a:srgbClr val="00B050"/>
+                      <a:srgbClr val="006600"/>
                     </a:solidFill>
                   </a:rPr>
                   <a:t>nC/SG</a:t>
@@ -10770,7 +10768,7 @@
               <a:pPr>
                 <a:defRPr sz="1000" b="0" i="0" u="none" strike="noStrike" kern="1200" baseline="0">
                   <a:solidFill>
-                    <a:srgbClr val="00B050"/>
+                    <a:srgbClr val="006600"/>
                   </a:solidFill>
                   <a:latin typeface="+mn-lt"/>
                   <a:ea typeface="+mn-ea"/>
@@ -10805,7 +10803,7 @@
             <a:pPr>
               <a:defRPr sz="900" b="0" i="0" u="none" strike="noStrike" kern="1200" baseline="0">
                 <a:solidFill>
-                  <a:srgbClr val="00B050"/>
+                  <a:srgbClr val="006600"/>
                 </a:solidFill>
                 <a:latin typeface="+mn-lt"/>
                 <a:ea typeface="+mn-ea"/>
@@ -11462,6 +11460,924 @@
 </file>
 
 <file path=ppt/charts/chart16.xml><?xml version="1.0" encoding="utf-8"?>
+<c:chartSpace xmlns:c="http://schemas.openxmlformats.org/drawingml/2006/chart" xmlns:a="http://schemas.openxmlformats.org/drawingml/2006/main" xmlns:r="http://schemas.openxmlformats.org/officeDocument/2006/relationships" xmlns:c16r2="http://schemas.microsoft.com/office/drawing/2015/06/chart">
+  <c:date1904 val="0"/>
+  <c:lang val="en-GB"/>
+  <c:roundedCorners val="0"/>
+  <mc:AlternateContent xmlns:mc="http://schemas.openxmlformats.org/markup-compatibility/2006">
+    <mc:Choice xmlns:c14="http://schemas.microsoft.com/office/drawing/2007/8/2/chart" Requires="c14">
+      <c14:style val="102"/>
+    </mc:Choice>
+    <mc:Fallback>
+      <c:style val="2"/>
+    </mc:Fallback>
+  </mc:AlternateContent>
+  <c:chart>
+    <c:title>
+      <c:tx>
+        <c:rich>
+          <a:bodyPr rot="0" spcFirstLastPara="1" vertOverflow="ellipsis" vert="horz" wrap="square" anchor="ctr" anchorCtr="1"/>
+          <a:lstStyle/>
+          <a:p>
+            <a:pPr>
+              <a:defRPr sz="1400" b="0" i="0" u="none" strike="noStrike" kern="1200" spc="0" baseline="0">
+                <a:solidFill>
+                  <a:schemeClr val="tx1">
+                    <a:lumMod val="65000"/>
+                    <a:lumOff val="35000"/>
+                  </a:schemeClr>
+                </a:solidFill>
+                <a:latin typeface="+mn-lt"/>
+                <a:ea typeface="+mn-ea"/>
+                <a:cs typeface="+mn-cs"/>
+              </a:defRPr>
+            </a:pPr>
+            <a:r>
+              <a:rPr lang="en-AU" dirty="0"/>
+              <a:t>Volve PNA Composition</a:t>
+            </a:r>
+          </a:p>
+        </c:rich>
+      </c:tx>
+      <c:overlay val="0"/>
+      <c:spPr>
+        <a:noFill/>
+        <a:ln>
+          <a:noFill/>
+        </a:ln>
+        <a:effectLst/>
+      </c:spPr>
+    </c:title>
+    <c:autoTitleDeleted val="0"/>
+    <c:plotArea>
+      <c:layout/>
+      <c:scatterChart>
+        <c:scatterStyle val="lineMarker"/>
+        <c:varyColors val="0"/>
+        <c:ser>
+          <c:idx val="1"/>
+          <c:order val="0"/>
+          <c:tx>
+            <c:v>Paraffins</c:v>
+          </c:tx>
+          <c:spPr>
+            <a:ln w="31750" cap="rnd">
+              <a:solidFill>
+                <a:srgbClr val="C00000"/>
+              </a:solidFill>
+              <a:round/>
+            </a:ln>
+            <a:effectLst/>
+          </c:spPr>
+          <c:marker>
+            <c:symbol val="circle"/>
+            <c:size val="5"/>
+            <c:spPr>
+              <a:solidFill>
+                <a:srgbClr val="FF9999"/>
+              </a:solidFill>
+              <a:ln w="12700">
+                <a:solidFill>
+                  <a:srgbClr val="C00000"/>
+                </a:solidFill>
+              </a:ln>
+              <a:effectLst/>
+            </c:spPr>
+          </c:marker>
+          <c:xVal>
+            <c:numRef>
+              <c:f>PyrusData!$K$8:$K$22</c:f>
+              <c:numCache>
+                <c:formatCode>General</c:formatCode>
+                <c:ptCount val="15"/>
+                <c:pt idx="0">
+                  <c:v>6</c:v>
+                </c:pt>
+                <c:pt idx="1">
+                  <c:v>7</c:v>
+                </c:pt>
+                <c:pt idx="2">
+                  <c:v>8</c:v>
+                </c:pt>
+                <c:pt idx="3">
+                  <c:v>9</c:v>
+                </c:pt>
+                <c:pt idx="4">
+                  <c:v>10</c:v>
+                </c:pt>
+                <c:pt idx="5">
+                  <c:v>11</c:v>
+                </c:pt>
+                <c:pt idx="6">
+                  <c:v>12</c:v>
+                </c:pt>
+                <c:pt idx="7">
+                  <c:v>13</c:v>
+                </c:pt>
+                <c:pt idx="8">
+                  <c:v>14</c:v>
+                </c:pt>
+                <c:pt idx="9">
+                  <c:v>15</c:v>
+                </c:pt>
+                <c:pt idx="10">
+                  <c:v>16</c:v>
+                </c:pt>
+                <c:pt idx="11">
+                  <c:v>17</c:v>
+                </c:pt>
+                <c:pt idx="12">
+                  <c:v>18</c:v>
+                </c:pt>
+                <c:pt idx="13">
+                  <c:v>19</c:v>
+                </c:pt>
+                <c:pt idx="14">
+                  <c:v>20</c:v>
+                </c:pt>
+              </c:numCache>
+            </c:numRef>
+          </c:xVal>
+          <c:yVal>
+            <c:numRef>
+              <c:f>PyrusData!$S$8:$S$22</c:f>
+              <c:numCache>
+                <c:formatCode>General</c:formatCode>
+                <c:ptCount val="15"/>
+                <c:pt idx="0">
+                  <c:v>0.96399999999999997</c:v>
+                </c:pt>
+                <c:pt idx="1">
+                  <c:v>0.74299999999999999</c:v>
+                </c:pt>
+                <c:pt idx="2">
+                  <c:v>0.68</c:v>
+                </c:pt>
+                <c:pt idx="3">
+                  <c:v>0.624</c:v>
+                </c:pt>
+                <c:pt idx="4">
+                  <c:v>0.57399999999999995</c:v>
+                </c:pt>
+                <c:pt idx="5">
+                  <c:v>0.56599999999999995</c:v>
+                </c:pt>
+                <c:pt idx="6">
+                  <c:v>0.51700000000000002</c:v>
+                </c:pt>
+                <c:pt idx="7">
+                  <c:v>0.48499999999999999</c:v>
+                </c:pt>
+                <c:pt idx="8">
+                  <c:v>0.45800000000000002</c:v>
+                </c:pt>
+                <c:pt idx="9">
+                  <c:v>0.44800000000000001</c:v>
+                </c:pt>
+                <c:pt idx="10">
+                  <c:v>0.436</c:v>
+                </c:pt>
+                <c:pt idx="11">
+                  <c:v>0.46300000000000002</c:v>
+                </c:pt>
+                <c:pt idx="12">
+                  <c:v>0.44400000000000001</c:v>
+                </c:pt>
+                <c:pt idx="13">
+                  <c:v>0.436</c:v>
+                </c:pt>
+                <c:pt idx="14">
+                  <c:v>0.19400000000000001</c:v>
+                </c:pt>
+              </c:numCache>
+            </c:numRef>
+          </c:yVal>
+          <c:smooth val="0"/>
+          <c:extLst>
+            <c:ext xmlns:c16="http://schemas.microsoft.com/office/drawing/2014/chart" uri="{C3380CC4-5D6E-409C-BE32-E72D297353CC}">
+              <c16:uniqueId val="{00000000-B3D4-4FE4-BD06-5645F96A6C5C}"/>
+            </c:ext>
+          </c:extLst>
+        </c:ser>
+        <c:ser>
+          <c:idx val="0"/>
+          <c:order val="1"/>
+          <c:tx>
+            <c:v>Naphthenes</c:v>
+          </c:tx>
+          <c:spPr>
+            <a:ln w="31750" cap="rnd">
+              <a:solidFill>
+                <a:srgbClr val="FF9900"/>
+              </a:solidFill>
+              <a:round/>
+            </a:ln>
+            <a:effectLst/>
+          </c:spPr>
+          <c:marker>
+            <c:symbol val="circle"/>
+            <c:size val="5"/>
+            <c:spPr>
+              <a:solidFill>
+                <a:srgbClr val="FFCC66"/>
+              </a:solidFill>
+              <a:ln w="12700">
+                <a:solidFill>
+                  <a:srgbClr val="FF9900"/>
+                </a:solidFill>
+              </a:ln>
+              <a:effectLst/>
+            </c:spPr>
+          </c:marker>
+          <c:xVal>
+            <c:numRef>
+              <c:f>PyrusData!$K$8:$K$22</c:f>
+              <c:numCache>
+                <c:formatCode>General</c:formatCode>
+                <c:ptCount val="15"/>
+                <c:pt idx="0">
+                  <c:v>6</c:v>
+                </c:pt>
+                <c:pt idx="1">
+                  <c:v>7</c:v>
+                </c:pt>
+                <c:pt idx="2">
+                  <c:v>8</c:v>
+                </c:pt>
+                <c:pt idx="3">
+                  <c:v>9</c:v>
+                </c:pt>
+                <c:pt idx="4">
+                  <c:v>10</c:v>
+                </c:pt>
+                <c:pt idx="5">
+                  <c:v>11</c:v>
+                </c:pt>
+                <c:pt idx="6">
+                  <c:v>12</c:v>
+                </c:pt>
+                <c:pt idx="7">
+                  <c:v>13</c:v>
+                </c:pt>
+                <c:pt idx="8">
+                  <c:v>14</c:v>
+                </c:pt>
+                <c:pt idx="9">
+                  <c:v>15</c:v>
+                </c:pt>
+                <c:pt idx="10">
+                  <c:v>16</c:v>
+                </c:pt>
+                <c:pt idx="11">
+                  <c:v>17</c:v>
+                </c:pt>
+                <c:pt idx="12">
+                  <c:v>18</c:v>
+                </c:pt>
+                <c:pt idx="13">
+                  <c:v>19</c:v>
+                </c:pt>
+                <c:pt idx="14">
+                  <c:v>20</c:v>
+                </c:pt>
+              </c:numCache>
+            </c:numRef>
+          </c:xVal>
+          <c:yVal>
+            <c:numRef>
+              <c:f>PyrusData!$T$8:$T$22</c:f>
+              <c:numCache>
+                <c:formatCode>General</c:formatCode>
+                <c:ptCount val="15"/>
+                <c:pt idx="0">
+                  <c:v>1.4400000000000001E-3</c:v>
+                </c:pt>
+                <c:pt idx="1">
+                  <c:v>0.161</c:v>
+                </c:pt>
+                <c:pt idx="2">
+                  <c:v>0.193</c:v>
+                </c:pt>
+                <c:pt idx="3">
+                  <c:v>0.219</c:v>
+                </c:pt>
+                <c:pt idx="4">
+                  <c:v>0.23799999999999999</c:v>
+                </c:pt>
+                <c:pt idx="5">
+                  <c:v>0.246</c:v>
+                </c:pt>
+                <c:pt idx="6">
+                  <c:v>0.25800000000000001</c:v>
+                </c:pt>
+                <c:pt idx="7">
+                  <c:v>0.26600000000000001</c:v>
+                </c:pt>
+                <c:pt idx="8">
+                  <c:v>0.27</c:v>
+                </c:pt>
+                <c:pt idx="9">
+                  <c:v>0.26100000000000001</c:v>
+                </c:pt>
+                <c:pt idx="10">
+                  <c:v>0.249</c:v>
+                </c:pt>
+                <c:pt idx="11">
+                  <c:v>0.23</c:v>
+                </c:pt>
+                <c:pt idx="12">
+                  <c:v>0.27300000000000002</c:v>
+                </c:pt>
+                <c:pt idx="13">
+                  <c:v>0.254</c:v>
+                </c:pt>
+                <c:pt idx="14">
+                  <c:v>0.154</c:v>
+                </c:pt>
+              </c:numCache>
+            </c:numRef>
+          </c:yVal>
+          <c:smooth val="0"/>
+          <c:extLst>
+            <c:ext xmlns:c16="http://schemas.microsoft.com/office/drawing/2014/chart" uri="{C3380CC4-5D6E-409C-BE32-E72D297353CC}">
+              <c16:uniqueId val="{00000001-B3D4-4FE4-BD06-5645F96A6C5C}"/>
+            </c:ext>
+          </c:extLst>
+        </c:ser>
+        <c:ser>
+          <c:idx val="3"/>
+          <c:order val="2"/>
+          <c:tx>
+            <c:v>Aromatics</c:v>
+          </c:tx>
+          <c:spPr>
+            <a:ln w="31750">
+              <a:solidFill>
+                <a:srgbClr val="006600"/>
+              </a:solidFill>
+            </a:ln>
+          </c:spPr>
+          <c:marker>
+            <c:symbol val="circle"/>
+            <c:size val="5"/>
+            <c:spPr>
+              <a:solidFill>
+                <a:srgbClr val="99FF66"/>
+              </a:solidFill>
+              <a:ln w="12700">
+                <a:solidFill>
+                  <a:srgbClr val="006600"/>
+                </a:solidFill>
+              </a:ln>
+            </c:spPr>
+          </c:marker>
+          <c:xVal>
+            <c:numRef>
+              <c:f>PyrusData!$K$8:$K$22</c:f>
+              <c:numCache>
+                <c:formatCode>General</c:formatCode>
+                <c:ptCount val="15"/>
+                <c:pt idx="0">
+                  <c:v>6</c:v>
+                </c:pt>
+                <c:pt idx="1">
+                  <c:v>7</c:v>
+                </c:pt>
+                <c:pt idx="2">
+                  <c:v>8</c:v>
+                </c:pt>
+                <c:pt idx="3">
+                  <c:v>9</c:v>
+                </c:pt>
+                <c:pt idx="4">
+                  <c:v>10</c:v>
+                </c:pt>
+                <c:pt idx="5">
+                  <c:v>11</c:v>
+                </c:pt>
+                <c:pt idx="6">
+                  <c:v>12</c:v>
+                </c:pt>
+                <c:pt idx="7">
+                  <c:v>13</c:v>
+                </c:pt>
+                <c:pt idx="8">
+                  <c:v>14</c:v>
+                </c:pt>
+                <c:pt idx="9">
+                  <c:v>15</c:v>
+                </c:pt>
+                <c:pt idx="10">
+                  <c:v>16</c:v>
+                </c:pt>
+                <c:pt idx="11">
+                  <c:v>17</c:v>
+                </c:pt>
+                <c:pt idx="12">
+                  <c:v>18</c:v>
+                </c:pt>
+                <c:pt idx="13">
+                  <c:v>19</c:v>
+                </c:pt>
+                <c:pt idx="14">
+                  <c:v>20</c:v>
+                </c:pt>
+              </c:numCache>
+            </c:numRef>
+          </c:xVal>
+          <c:yVal>
+            <c:numRef>
+              <c:f>PyrusData!$U$8:$U$22</c:f>
+              <c:numCache>
+                <c:formatCode>General</c:formatCode>
+                <c:ptCount val="15"/>
+                <c:pt idx="0">
+                  <c:v>3.4700000000000002E-2</c:v>
+                </c:pt>
+                <c:pt idx="1">
+                  <c:v>9.6000000000000002E-2</c:v>
+                </c:pt>
+                <c:pt idx="2">
+                  <c:v>0.126</c:v>
+                </c:pt>
+                <c:pt idx="3">
+                  <c:v>0.157</c:v>
+                </c:pt>
+                <c:pt idx="4">
+                  <c:v>0.189</c:v>
+                </c:pt>
+                <c:pt idx="5">
+                  <c:v>0.188</c:v>
+                </c:pt>
+                <c:pt idx="6">
+                  <c:v>0.22500000000000001</c:v>
+                </c:pt>
+                <c:pt idx="7">
+                  <c:v>0.249</c:v>
+                </c:pt>
+                <c:pt idx="8">
+                  <c:v>0.27200000000000002</c:v>
+                </c:pt>
+                <c:pt idx="9">
+                  <c:v>0.29099999999999998</c:v>
+                </c:pt>
+                <c:pt idx="10">
+                  <c:v>0.315</c:v>
+                </c:pt>
+                <c:pt idx="11">
+                  <c:v>0.30599999999999999</c:v>
+                </c:pt>
+                <c:pt idx="12">
+                  <c:v>0.28299999999999997</c:v>
+                </c:pt>
+                <c:pt idx="13">
+                  <c:v>0.311</c:v>
+                </c:pt>
+                <c:pt idx="14">
+                  <c:v>0.65200000000000002</c:v>
+                </c:pt>
+              </c:numCache>
+            </c:numRef>
+          </c:yVal>
+          <c:smooth val="0"/>
+          <c:extLst>
+            <c:ext xmlns:c16="http://schemas.microsoft.com/office/drawing/2014/chart" uri="{C3380CC4-5D6E-409C-BE32-E72D297353CC}">
+              <c16:uniqueId val="{00000002-B3D4-4FE4-BD06-5645F96A6C5C}"/>
+            </c:ext>
+          </c:extLst>
+        </c:ser>
+        <c:ser>
+          <c:idx val="2"/>
+          <c:order val="3"/>
+          <c:tx>
+            <c:v>Measured A%</c:v>
+          </c:tx>
+          <c:spPr>
+            <a:ln w="12700">
+              <a:solidFill>
+                <a:schemeClr val="tx1"/>
+              </a:solidFill>
+            </a:ln>
+          </c:spPr>
+          <c:marker>
+            <c:symbol val="circle"/>
+            <c:size val="5"/>
+            <c:spPr>
+              <a:solidFill>
+                <a:schemeClr val="bg1">
+                  <a:lumMod val="85000"/>
+                </a:schemeClr>
+              </a:solidFill>
+              <a:ln>
+                <a:solidFill>
+                  <a:schemeClr val="tx1"/>
+                </a:solidFill>
+              </a:ln>
+            </c:spPr>
+          </c:marker>
+          <c:xVal>
+            <c:numRef>
+              <c:f>PyrusData!$K$8:$K$22</c:f>
+              <c:numCache>
+                <c:formatCode>General</c:formatCode>
+                <c:ptCount val="15"/>
+                <c:pt idx="0">
+                  <c:v>6</c:v>
+                </c:pt>
+                <c:pt idx="1">
+                  <c:v>7</c:v>
+                </c:pt>
+                <c:pt idx="2">
+                  <c:v>8</c:v>
+                </c:pt>
+                <c:pt idx="3">
+                  <c:v>9</c:v>
+                </c:pt>
+                <c:pt idx="4">
+                  <c:v>10</c:v>
+                </c:pt>
+                <c:pt idx="5">
+                  <c:v>11</c:v>
+                </c:pt>
+                <c:pt idx="6">
+                  <c:v>12</c:v>
+                </c:pt>
+                <c:pt idx="7">
+                  <c:v>13</c:v>
+                </c:pt>
+                <c:pt idx="8">
+                  <c:v>14</c:v>
+                </c:pt>
+                <c:pt idx="9">
+                  <c:v>15</c:v>
+                </c:pt>
+                <c:pt idx="10">
+                  <c:v>16</c:v>
+                </c:pt>
+                <c:pt idx="11">
+                  <c:v>17</c:v>
+                </c:pt>
+                <c:pt idx="12">
+                  <c:v>18</c:v>
+                </c:pt>
+                <c:pt idx="13">
+                  <c:v>19</c:v>
+                </c:pt>
+                <c:pt idx="14">
+                  <c:v>20</c:v>
+                </c:pt>
+              </c:numCache>
+            </c:numRef>
+          </c:xVal>
+          <c:yVal>
+            <c:numRef>
+              <c:f>PyrusData!$V$8:$V$22</c:f>
+              <c:numCache>
+                <c:formatCode>General</c:formatCode>
+                <c:ptCount val="15"/>
+                <c:pt idx="0">
+                  <c:v>0</c:v>
+                </c:pt>
+                <c:pt idx="1">
+                  <c:v>0.14499999999999999</c:v>
+                </c:pt>
+                <c:pt idx="2">
+                  <c:v>0.19500000000000001</c:v>
+                </c:pt>
+                <c:pt idx="3">
+                  <c:v>0.27399999999999997</c:v>
+                </c:pt>
+                <c:pt idx="4">
+                  <c:v>0.27200000000000002</c:v>
+                </c:pt>
+                <c:pt idx="5">
+                  <c:v>0.248</c:v>
+                </c:pt>
+                <c:pt idx="6">
+                  <c:v>0.253</c:v>
+                </c:pt>
+                <c:pt idx="7">
+                  <c:v>0.251</c:v>
+                </c:pt>
+                <c:pt idx="8">
+                  <c:v>0.25800000000000001</c:v>
+                </c:pt>
+                <c:pt idx="9">
+                  <c:v>0.309</c:v>
+                </c:pt>
+                <c:pt idx="10">
+                  <c:v>0.34499999999999997</c:v>
+                </c:pt>
+                <c:pt idx="11">
+                  <c:v>0.34700000000000003</c:v>
+                </c:pt>
+                <c:pt idx="12">
+                  <c:v>0.34299999999999997</c:v>
+                </c:pt>
+                <c:pt idx="13">
+                  <c:v>0.36700000000000005</c:v>
+                </c:pt>
+                <c:pt idx="14">
+                  <c:v>0.63400000000000001</c:v>
+                </c:pt>
+              </c:numCache>
+            </c:numRef>
+          </c:yVal>
+          <c:smooth val="0"/>
+          <c:extLst>
+            <c:ext xmlns:c16="http://schemas.microsoft.com/office/drawing/2014/chart" uri="{C3380CC4-5D6E-409C-BE32-E72D297353CC}">
+              <c16:uniqueId val="{00000003-B3D4-4FE4-BD06-5645F96A6C5C}"/>
+            </c:ext>
+          </c:extLst>
+        </c:ser>
+        <c:dLbls>
+          <c:showLegendKey val="0"/>
+          <c:showVal val="0"/>
+          <c:showCatName val="0"/>
+          <c:showSerName val="0"/>
+          <c:showPercent val="0"/>
+          <c:showBubbleSize val="0"/>
+        </c:dLbls>
+        <c:axId val="1205457728"/>
+        <c:axId val="1205456288"/>
+      </c:scatterChart>
+      <c:valAx>
+        <c:axId val="1205457728"/>
+        <c:scaling>
+          <c:orientation val="minMax"/>
+          <c:max val="20"/>
+          <c:min val="6"/>
+        </c:scaling>
+        <c:delete val="0"/>
+        <c:axPos val="b"/>
+        <c:majorGridlines>
+          <c:spPr>
+            <a:ln w="9525" cap="flat" cmpd="sng" algn="ctr">
+              <a:solidFill>
+                <a:schemeClr val="tx1">
+                  <a:lumMod val="15000"/>
+                  <a:lumOff val="85000"/>
+                </a:schemeClr>
+              </a:solidFill>
+              <a:round/>
+            </a:ln>
+            <a:effectLst/>
+          </c:spPr>
+        </c:majorGridlines>
+        <c:title>
+          <c:tx>
+            <c:rich>
+              <a:bodyPr rot="0" spcFirstLastPara="1" vertOverflow="ellipsis" vert="horz" wrap="square" anchor="ctr" anchorCtr="1"/>
+              <a:lstStyle/>
+              <a:p>
+                <a:pPr>
+                  <a:defRPr sz="1000" b="1" i="0" u="none" strike="noStrike" kern="1200" baseline="0">
+                    <a:solidFill>
+                      <a:schemeClr val="tx1">
+                        <a:lumMod val="65000"/>
+                        <a:lumOff val="35000"/>
+                      </a:schemeClr>
+                    </a:solidFill>
+                    <a:latin typeface="+mn-lt"/>
+                    <a:ea typeface="+mn-ea"/>
+                    <a:cs typeface="+mn-cs"/>
+                  </a:defRPr>
+                </a:pPr>
+                <a:r>
+                  <a:rPr lang="en-AU" b="1"/>
+                  <a:t>Volve</a:t>
+                </a:r>
+                <a:r>
+                  <a:rPr lang="en-AU" b="1" baseline="0"/>
+                  <a:t> SCN Fraction</a:t>
+                </a:r>
+                <a:endParaRPr lang="en-AU" b="1"/>
+              </a:p>
+            </c:rich>
+          </c:tx>
+          <c:layout>
+            <c:manualLayout>
+              <c:xMode val="edge"/>
+              <c:yMode val="edge"/>
+              <c:x val="0.33970652777777777"/>
+              <c:y val="0.92884166666666679"/>
+            </c:manualLayout>
+          </c:layout>
+          <c:overlay val="0"/>
+          <c:spPr>
+            <a:noFill/>
+            <a:ln>
+              <a:noFill/>
+            </a:ln>
+            <a:effectLst/>
+          </c:spPr>
+        </c:title>
+        <c:numFmt formatCode="General" sourceLinked="1"/>
+        <c:majorTickMark val="none"/>
+        <c:minorTickMark val="none"/>
+        <c:tickLblPos val="nextTo"/>
+        <c:spPr>
+          <a:noFill/>
+          <a:ln w="9525" cap="flat" cmpd="sng" algn="ctr">
+            <a:solidFill>
+              <a:schemeClr val="tx1">
+                <a:lumMod val="25000"/>
+                <a:lumOff val="75000"/>
+              </a:schemeClr>
+            </a:solidFill>
+            <a:round/>
+          </a:ln>
+          <a:effectLst/>
+        </c:spPr>
+        <c:txPr>
+          <a:bodyPr rot="-60000000" spcFirstLastPara="1" vertOverflow="ellipsis" vert="horz" wrap="square" anchor="ctr" anchorCtr="1"/>
+          <a:lstStyle/>
+          <a:p>
+            <a:pPr>
+              <a:defRPr sz="900" b="0" i="0" u="none" strike="noStrike" kern="1200" baseline="0">
+                <a:solidFill>
+                  <a:schemeClr val="tx1">
+                    <a:lumMod val="65000"/>
+                    <a:lumOff val="35000"/>
+                  </a:schemeClr>
+                </a:solidFill>
+                <a:latin typeface="+mn-lt"/>
+                <a:ea typeface="+mn-ea"/>
+                <a:cs typeface="+mn-cs"/>
+              </a:defRPr>
+            </a:pPr>
+            <a:endParaRPr lang="en-US"/>
+          </a:p>
+        </c:txPr>
+        <c:crossAx val="1205456288"/>
+        <c:crosses val="autoZero"/>
+        <c:crossBetween val="midCat"/>
+      </c:valAx>
+      <c:valAx>
+        <c:axId val="1205456288"/>
+        <c:scaling>
+          <c:orientation val="minMax"/>
+          <c:max val="1"/>
+        </c:scaling>
+        <c:delete val="0"/>
+        <c:axPos val="l"/>
+        <c:majorGridlines>
+          <c:spPr>
+            <a:ln w="9525" cap="flat" cmpd="sng" algn="ctr">
+              <a:solidFill>
+                <a:schemeClr val="tx1">
+                  <a:lumMod val="15000"/>
+                  <a:lumOff val="85000"/>
+                </a:schemeClr>
+              </a:solidFill>
+              <a:round/>
+            </a:ln>
+            <a:effectLst/>
+          </c:spPr>
+        </c:majorGridlines>
+        <c:title>
+          <c:tx>
+            <c:rich>
+              <a:bodyPr rot="-5400000" spcFirstLastPara="1" vertOverflow="ellipsis" vert="horz" wrap="square" anchor="ctr" anchorCtr="1"/>
+              <a:lstStyle/>
+              <a:p>
+                <a:pPr>
+                  <a:defRPr sz="1000" b="1" i="0" u="none" strike="noStrike" kern="1200" baseline="0">
+                    <a:solidFill>
+                      <a:schemeClr val="tx1">
+                        <a:lumMod val="65000"/>
+                        <a:lumOff val="35000"/>
+                      </a:schemeClr>
+                    </a:solidFill>
+                    <a:latin typeface="+mn-lt"/>
+                    <a:ea typeface="+mn-ea"/>
+                    <a:cs typeface="+mn-cs"/>
+                  </a:defRPr>
+                </a:pPr>
+                <a:r>
+                  <a:rPr lang="en-AU" b="1" dirty="0"/>
+                  <a:t>Mass Percentage</a:t>
+                </a:r>
+                <a:r>
+                  <a:rPr lang="en-AU" b="1" baseline="0" dirty="0"/>
+                  <a:t> </a:t>
+                </a:r>
+                <a:endParaRPr lang="en-AU" b="1" dirty="0"/>
+              </a:p>
+            </c:rich>
+          </c:tx>
+          <c:layout>
+            <c:manualLayout>
+              <c:xMode val="edge"/>
+              <c:yMode val="edge"/>
+              <c:x val="1.4111146752990135E-2"/>
+              <c:y val="0.26970164661144008"/>
+            </c:manualLayout>
+          </c:layout>
+          <c:overlay val="0"/>
+          <c:spPr>
+            <a:noFill/>
+            <a:ln>
+              <a:noFill/>
+            </a:ln>
+            <a:effectLst/>
+          </c:spPr>
+        </c:title>
+        <c:numFmt formatCode="0%" sourceLinked="0"/>
+        <c:majorTickMark val="none"/>
+        <c:minorTickMark val="none"/>
+        <c:tickLblPos val="nextTo"/>
+        <c:spPr>
+          <a:noFill/>
+          <a:ln w="9525" cap="flat" cmpd="sng" algn="ctr">
+            <a:solidFill>
+              <a:schemeClr val="tx1">
+                <a:lumMod val="25000"/>
+                <a:lumOff val="75000"/>
+              </a:schemeClr>
+            </a:solidFill>
+            <a:round/>
+          </a:ln>
+          <a:effectLst/>
+        </c:spPr>
+        <c:txPr>
+          <a:bodyPr rot="-60000000" spcFirstLastPara="1" vertOverflow="ellipsis" vert="horz" wrap="square" anchor="ctr" anchorCtr="1"/>
+          <a:lstStyle/>
+          <a:p>
+            <a:pPr>
+              <a:defRPr sz="900" b="0" i="0" u="none" strike="noStrike" kern="1200" baseline="0">
+                <a:solidFill>
+                  <a:schemeClr val="tx1">
+                    <a:lumMod val="65000"/>
+                    <a:lumOff val="35000"/>
+                  </a:schemeClr>
+                </a:solidFill>
+                <a:latin typeface="+mn-lt"/>
+                <a:ea typeface="+mn-ea"/>
+                <a:cs typeface="+mn-cs"/>
+              </a:defRPr>
+            </a:pPr>
+            <a:endParaRPr lang="en-US"/>
+          </a:p>
+        </c:txPr>
+        <c:crossAx val="1205457728"/>
+        <c:crosses val="autoZero"/>
+        <c:crossBetween val="midCat"/>
+      </c:valAx>
+    </c:plotArea>
+    <c:legend>
+      <c:legendPos val="r"/>
+      <c:overlay val="0"/>
+      <c:spPr>
+        <a:noFill/>
+        <a:ln>
+          <a:noFill/>
+        </a:ln>
+        <a:effectLst/>
+      </c:spPr>
+      <c:txPr>
+        <a:bodyPr rot="0" spcFirstLastPara="1" vertOverflow="ellipsis" vert="horz" wrap="square" anchor="ctr" anchorCtr="1"/>
+        <a:lstStyle/>
+        <a:p>
+          <a:pPr>
+            <a:defRPr sz="900" b="0" i="0" u="none" strike="noStrike" kern="1200" baseline="0">
+              <a:solidFill>
+                <a:schemeClr val="tx1">
+                  <a:lumMod val="65000"/>
+                  <a:lumOff val="35000"/>
+                </a:schemeClr>
+              </a:solidFill>
+              <a:latin typeface="+mn-lt"/>
+              <a:ea typeface="+mn-ea"/>
+              <a:cs typeface="+mn-cs"/>
+            </a:defRPr>
+          </a:pPr>
+          <a:endParaRPr lang="en-US"/>
+        </a:p>
+      </c:txPr>
+    </c:legend>
+    <c:plotVisOnly val="1"/>
+    <c:dispBlanksAs val="gap"/>
+    <c:showDLblsOverMax val="0"/>
+    <c:extLst/>
+  </c:chart>
+  <c:txPr>
+    <a:bodyPr/>
+    <a:lstStyle/>
+    <a:p>
+      <a:pPr>
+        <a:defRPr/>
+      </a:pPr>
+      <a:endParaRPr lang="en-US"/>
+    </a:p>
+  </c:txPr>
+  <c:externalData r:id="rId1">
+    <c:autoUpdate val="0"/>
+  </c:externalData>
+</c:chartSpace>
+</file>
+
+<file path=ppt/charts/chart17.xml><?xml version="1.0" encoding="utf-8"?>
 <c:chartSpace xmlns:c="http://schemas.openxmlformats.org/drawingml/2006/chart" xmlns:a="http://schemas.openxmlformats.org/drawingml/2006/main" xmlns:r="http://schemas.openxmlformats.org/officeDocument/2006/relationships" xmlns:c16r2="http://schemas.microsoft.com/office/drawing/2015/06/chart">
   <c:date1904 val="0"/>
   <c:lang val="en-GB"/>
@@ -12678,919 +13594,6 @@
               <c:yMode val="edge"/>
               <c:x val="1.4111085854630079E-2"/>
               <c:y val="0.14480187907913239"/>
-            </c:manualLayout>
-          </c:layout>
-          <c:overlay val="0"/>
-          <c:spPr>
-            <a:noFill/>
-            <a:ln>
-              <a:noFill/>
-            </a:ln>
-            <a:effectLst/>
-          </c:spPr>
-        </c:title>
-        <c:numFmt formatCode="0%" sourceLinked="0"/>
-        <c:majorTickMark val="none"/>
-        <c:minorTickMark val="none"/>
-        <c:tickLblPos val="nextTo"/>
-        <c:spPr>
-          <a:noFill/>
-          <a:ln w="9525" cap="flat" cmpd="sng" algn="ctr">
-            <a:solidFill>
-              <a:schemeClr val="tx1">
-                <a:lumMod val="25000"/>
-                <a:lumOff val="75000"/>
-              </a:schemeClr>
-            </a:solidFill>
-            <a:round/>
-          </a:ln>
-          <a:effectLst/>
-        </c:spPr>
-        <c:txPr>
-          <a:bodyPr rot="-60000000" spcFirstLastPara="1" vertOverflow="ellipsis" vert="horz" wrap="square" anchor="ctr" anchorCtr="1"/>
-          <a:lstStyle/>
-          <a:p>
-            <a:pPr>
-              <a:defRPr sz="900" b="0" i="0" u="none" strike="noStrike" kern="1200" baseline="0">
-                <a:solidFill>
-                  <a:schemeClr val="tx1">
-                    <a:lumMod val="65000"/>
-                    <a:lumOff val="35000"/>
-                  </a:schemeClr>
-                </a:solidFill>
-                <a:latin typeface="+mn-lt"/>
-                <a:ea typeface="+mn-ea"/>
-                <a:cs typeface="+mn-cs"/>
-              </a:defRPr>
-            </a:pPr>
-            <a:endParaRPr lang="en-US"/>
-          </a:p>
-        </c:txPr>
-        <c:crossAx val="1205457728"/>
-        <c:crosses val="autoZero"/>
-        <c:crossBetween val="midCat"/>
-      </c:valAx>
-    </c:plotArea>
-    <c:legend>
-      <c:legendPos val="r"/>
-      <c:overlay val="0"/>
-      <c:spPr>
-        <a:noFill/>
-        <a:ln>
-          <a:noFill/>
-        </a:ln>
-        <a:effectLst/>
-      </c:spPr>
-      <c:txPr>
-        <a:bodyPr rot="0" spcFirstLastPara="1" vertOverflow="ellipsis" vert="horz" wrap="square" anchor="ctr" anchorCtr="1"/>
-        <a:lstStyle/>
-        <a:p>
-          <a:pPr>
-            <a:defRPr sz="900" b="0" i="0" u="none" strike="noStrike" kern="1200" baseline="0">
-              <a:solidFill>
-                <a:schemeClr val="tx1">
-                  <a:lumMod val="65000"/>
-                  <a:lumOff val="35000"/>
-                </a:schemeClr>
-              </a:solidFill>
-              <a:latin typeface="+mn-lt"/>
-              <a:ea typeface="+mn-ea"/>
-              <a:cs typeface="+mn-cs"/>
-            </a:defRPr>
-          </a:pPr>
-          <a:endParaRPr lang="en-US"/>
-        </a:p>
-      </c:txPr>
-    </c:legend>
-    <c:plotVisOnly val="1"/>
-    <c:dispBlanksAs val="gap"/>
-    <c:showDLblsOverMax val="0"/>
-    <c:extLst/>
-  </c:chart>
-  <c:txPr>
-    <a:bodyPr/>
-    <a:lstStyle/>
-    <a:p>
-      <a:pPr>
-        <a:defRPr/>
-      </a:pPr>
-      <a:endParaRPr lang="en-US"/>
-    </a:p>
-  </c:txPr>
-  <c:externalData r:id="rId1">
-    <c:autoUpdate val="0"/>
-  </c:externalData>
-</c:chartSpace>
-</file>
-
-<file path=ppt/charts/chart17.xml><?xml version="1.0" encoding="utf-8"?>
-<c:chartSpace xmlns:c="http://schemas.openxmlformats.org/drawingml/2006/chart" xmlns:a="http://schemas.openxmlformats.org/drawingml/2006/main" xmlns:r="http://schemas.openxmlformats.org/officeDocument/2006/relationships" xmlns:c16r2="http://schemas.microsoft.com/office/drawing/2015/06/chart">
-  <c:date1904 val="0"/>
-  <c:lang val="en-GB"/>
-  <c:roundedCorners val="0"/>
-  <mc:AlternateContent xmlns:mc="http://schemas.openxmlformats.org/markup-compatibility/2006">
-    <mc:Choice xmlns:c14="http://schemas.microsoft.com/office/drawing/2007/8/2/chart" Requires="c14">
-      <c14:style val="102"/>
-    </mc:Choice>
-    <mc:Fallback>
-      <c:style val="2"/>
-    </mc:Fallback>
-  </mc:AlternateContent>
-  <c:chart>
-    <c:title>
-      <c:tx>
-        <c:rich>
-          <a:bodyPr rot="0" spcFirstLastPara="1" vertOverflow="ellipsis" vert="horz" wrap="square" anchor="ctr" anchorCtr="1"/>
-          <a:lstStyle/>
-          <a:p>
-            <a:pPr>
-              <a:defRPr sz="1400" b="0" i="0" u="none" strike="noStrike" kern="1200" spc="0" baseline="0">
-                <a:solidFill>
-                  <a:schemeClr val="tx1">
-                    <a:lumMod val="65000"/>
-                    <a:lumOff val="35000"/>
-                  </a:schemeClr>
-                </a:solidFill>
-                <a:latin typeface="+mn-lt"/>
-                <a:ea typeface="+mn-ea"/>
-                <a:cs typeface="+mn-cs"/>
-              </a:defRPr>
-            </a:pPr>
-            <a:r>
-              <a:rPr lang="en-AU" dirty="0"/>
-              <a:t>Volve PNA Composition</a:t>
-            </a:r>
-          </a:p>
-        </c:rich>
-      </c:tx>
-      <c:overlay val="0"/>
-      <c:spPr>
-        <a:noFill/>
-        <a:ln>
-          <a:noFill/>
-        </a:ln>
-        <a:effectLst/>
-      </c:spPr>
-    </c:title>
-    <c:autoTitleDeleted val="0"/>
-    <c:plotArea>
-      <c:layout/>
-      <c:scatterChart>
-        <c:scatterStyle val="lineMarker"/>
-        <c:varyColors val="0"/>
-        <c:ser>
-          <c:idx val="1"/>
-          <c:order val="0"/>
-          <c:tx>
-            <c:v>Paraffins</c:v>
-          </c:tx>
-          <c:spPr>
-            <a:ln w="31750" cap="rnd">
-              <a:solidFill>
-                <a:srgbClr val="C00000"/>
-              </a:solidFill>
-              <a:round/>
-            </a:ln>
-            <a:effectLst/>
-          </c:spPr>
-          <c:marker>
-            <c:symbol val="circle"/>
-            <c:size val="5"/>
-            <c:spPr>
-              <a:solidFill>
-                <a:srgbClr val="FF9999"/>
-              </a:solidFill>
-              <a:ln w="12700">
-                <a:solidFill>
-                  <a:srgbClr val="C00000"/>
-                </a:solidFill>
-              </a:ln>
-              <a:effectLst/>
-            </c:spPr>
-          </c:marker>
-          <c:xVal>
-            <c:numRef>
-              <c:f>PyrusData!$K$8:$K$22</c:f>
-              <c:numCache>
-                <c:formatCode>General</c:formatCode>
-                <c:ptCount val="15"/>
-                <c:pt idx="0">
-                  <c:v>6</c:v>
-                </c:pt>
-                <c:pt idx="1">
-                  <c:v>7</c:v>
-                </c:pt>
-                <c:pt idx="2">
-                  <c:v>8</c:v>
-                </c:pt>
-                <c:pt idx="3">
-                  <c:v>9</c:v>
-                </c:pt>
-                <c:pt idx="4">
-                  <c:v>10</c:v>
-                </c:pt>
-                <c:pt idx="5">
-                  <c:v>11</c:v>
-                </c:pt>
-                <c:pt idx="6">
-                  <c:v>12</c:v>
-                </c:pt>
-                <c:pt idx="7">
-                  <c:v>13</c:v>
-                </c:pt>
-                <c:pt idx="8">
-                  <c:v>14</c:v>
-                </c:pt>
-                <c:pt idx="9">
-                  <c:v>15</c:v>
-                </c:pt>
-                <c:pt idx="10">
-                  <c:v>16</c:v>
-                </c:pt>
-                <c:pt idx="11">
-                  <c:v>17</c:v>
-                </c:pt>
-                <c:pt idx="12">
-                  <c:v>18</c:v>
-                </c:pt>
-                <c:pt idx="13">
-                  <c:v>19</c:v>
-                </c:pt>
-                <c:pt idx="14">
-                  <c:v>20</c:v>
-                </c:pt>
-              </c:numCache>
-            </c:numRef>
-          </c:xVal>
-          <c:yVal>
-            <c:numRef>
-              <c:f>PyrusData!$S$8:$S$22</c:f>
-              <c:numCache>
-                <c:formatCode>General</c:formatCode>
-                <c:ptCount val="15"/>
-                <c:pt idx="0">
-                  <c:v>0.95399999999999996</c:v>
-                </c:pt>
-                <c:pt idx="1">
-                  <c:v>0.71</c:v>
-                </c:pt>
-                <c:pt idx="2">
-                  <c:v>0.64300000000000002</c:v>
-                </c:pt>
-                <c:pt idx="3">
-                  <c:v>0.58399999999999996</c:v>
-                </c:pt>
-                <c:pt idx="4">
-                  <c:v>0.53100000000000003</c:v>
-                </c:pt>
-                <c:pt idx="5">
-                  <c:v>0.52400000000000002</c:v>
-                </c:pt>
-                <c:pt idx="6">
-                  <c:v>0.47299999999999998</c:v>
-                </c:pt>
-                <c:pt idx="7">
-                  <c:v>0.441</c:v>
-                </c:pt>
-                <c:pt idx="8">
-                  <c:v>0.41299999999999998</c:v>
-                </c:pt>
-                <c:pt idx="9">
-                  <c:v>0.40200000000000002</c:v>
-                </c:pt>
-                <c:pt idx="10">
-                  <c:v>0.38800000000000001</c:v>
-                </c:pt>
-                <c:pt idx="11">
-                  <c:v>0.41399999999999998</c:v>
-                </c:pt>
-                <c:pt idx="12" formatCode="0.00E+00">
-                  <c:v>0.39600000000000002</c:v>
-                </c:pt>
-                <c:pt idx="13">
-                  <c:v>0.38700000000000001</c:v>
-                </c:pt>
-                <c:pt idx="14" formatCode="0.00E+00">
-                  <c:v>0.152</c:v>
-                </c:pt>
-              </c:numCache>
-            </c:numRef>
-          </c:yVal>
-          <c:smooth val="0"/>
-          <c:extLst>
-            <c:ext xmlns:c16="http://schemas.microsoft.com/office/drawing/2014/chart" uri="{C3380CC4-5D6E-409C-BE32-E72D297353CC}">
-              <c16:uniqueId val="{00000000-CBA1-4A4F-A8EB-5D8152E316DA}"/>
-            </c:ext>
-          </c:extLst>
-        </c:ser>
-        <c:ser>
-          <c:idx val="0"/>
-          <c:order val="1"/>
-          <c:tx>
-            <c:v>Naphthenes</c:v>
-          </c:tx>
-          <c:spPr>
-            <a:ln w="31750" cap="rnd">
-              <a:solidFill>
-                <a:srgbClr val="FF9900"/>
-              </a:solidFill>
-              <a:round/>
-            </a:ln>
-            <a:effectLst/>
-          </c:spPr>
-          <c:marker>
-            <c:symbol val="circle"/>
-            <c:size val="5"/>
-            <c:spPr>
-              <a:solidFill>
-                <a:srgbClr val="FFCC66"/>
-              </a:solidFill>
-              <a:ln w="12700">
-                <a:solidFill>
-                  <a:srgbClr val="FF9900"/>
-                </a:solidFill>
-              </a:ln>
-              <a:effectLst/>
-            </c:spPr>
-          </c:marker>
-          <c:xVal>
-            <c:numRef>
-              <c:f>PyrusData!$K$8:$K$22</c:f>
-              <c:numCache>
-                <c:formatCode>General</c:formatCode>
-                <c:ptCount val="15"/>
-                <c:pt idx="0">
-                  <c:v>6</c:v>
-                </c:pt>
-                <c:pt idx="1">
-                  <c:v>7</c:v>
-                </c:pt>
-                <c:pt idx="2">
-                  <c:v>8</c:v>
-                </c:pt>
-                <c:pt idx="3">
-                  <c:v>9</c:v>
-                </c:pt>
-                <c:pt idx="4">
-                  <c:v>10</c:v>
-                </c:pt>
-                <c:pt idx="5">
-                  <c:v>11</c:v>
-                </c:pt>
-                <c:pt idx="6">
-                  <c:v>12</c:v>
-                </c:pt>
-                <c:pt idx="7">
-                  <c:v>13</c:v>
-                </c:pt>
-                <c:pt idx="8">
-                  <c:v>14</c:v>
-                </c:pt>
-                <c:pt idx="9">
-                  <c:v>15</c:v>
-                </c:pt>
-                <c:pt idx="10">
-                  <c:v>16</c:v>
-                </c:pt>
-                <c:pt idx="11">
-                  <c:v>17</c:v>
-                </c:pt>
-                <c:pt idx="12">
-                  <c:v>18</c:v>
-                </c:pt>
-                <c:pt idx="13">
-                  <c:v>19</c:v>
-                </c:pt>
-                <c:pt idx="14">
-                  <c:v>20</c:v>
-                </c:pt>
-              </c:numCache>
-            </c:numRef>
-          </c:xVal>
-          <c:yVal>
-            <c:numRef>
-              <c:f>PyrusData!$T$8:$T$22</c:f>
-              <c:numCache>
-                <c:formatCode>0.00E+00</c:formatCode>
-                <c:ptCount val="15"/>
-                <c:pt idx="0">
-                  <c:v>1.6000000000000001E-3</c:v>
-                </c:pt>
-                <c:pt idx="1">
-                  <c:v>0.17199999999999999</c:v>
-                </c:pt>
-                <c:pt idx="2" formatCode="General">
-                  <c:v>0.20399999999999999</c:v>
-                </c:pt>
-                <c:pt idx="3" formatCode="General">
-                  <c:v>0.22800000000000001</c:v>
-                </c:pt>
-                <c:pt idx="4" formatCode="General">
-                  <c:v>0.245</c:v>
-                </c:pt>
-                <c:pt idx="5" formatCode="General">
-                  <c:v>0.253</c:v>
-                </c:pt>
-                <c:pt idx="6" formatCode="General">
-                  <c:v>0.26300000000000001</c:v>
-                </c:pt>
-                <c:pt idx="7" formatCode="General">
-                  <c:v>0.26900000000000002</c:v>
-                </c:pt>
-                <c:pt idx="8" formatCode="General">
-                  <c:v>0.27100000000000002</c:v>
-                </c:pt>
-                <c:pt idx="9" formatCode="General">
-                  <c:v>0.26100000000000001</c:v>
-                </c:pt>
-                <c:pt idx="10" formatCode="General">
-                  <c:v>0.247</c:v>
-                </c:pt>
-                <c:pt idx="11" formatCode="General">
-                  <c:v>0.23100000000000001</c:v>
-                </c:pt>
-                <c:pt idx="12" formatCode="General">
-                  <c:v>0.27300000000000002</c:v>
-                </c:pt>
-                <c:pt idx="13" formatCode="General">
-                  <c:v>0.253</c:v>
-                </c:pt>
-                <c:pt idx="14" formatCode="General">
-                  <c:v>0.13900000000000001</c:v>
-                </c:pt>
-              </c:numCache>
-            </c:numRef>
-          </c:yVal>
-          <c:smooth val="0"/>
-          <c:extLst>
-            <c:ext xmlns:c16="http://schemas.microsoft.com/office/drawing/2014/chart" uri="{C3380CC4-5D6E-409C-BE32-E72D297353CC}">
-              <c16:uniqueId val="{00000001-CBA1-4A4F-A8EB-5D8152E316DA}"/>
-            </c:ext>
-          </c:extLst>
-        </c:ser>
-        <c:ser>
-          <c:idx val="3"/>
-          <c:order val="2"/>
-          <c:tx>
-            <c:v>Aromatics</c:v>
-          </c:tx>
-          <c:spPr>
-            <a:ln w="31750">
-              <a:solidFill>
-                <a:srgbClr val="006600"/>
-              </a:solidFill>
-            </a:ln>
-          </c:spPr>
-          <c:marker>
-            <c:symbol val="circle"/>
-            <c:size val="5"/>
-            <c:spPr>
-              <a:solidFill>
-                <a:srgbClr val="99FF66"/>
-              </a:solidFill>
-              <a:ln w="12700">
-                <a:solidFill>
-                  <a:srgbClr val="006600"/>
-                </a:solidFill>
-              </a:ln>
-            </c:spPr>
-          </c:marker>
-          <c:xVal>
-            <c:numRef>
-              <c:f>PyrusData!$K$8:$K$22</c:f>
-              <c:numCache>
-                <c:formatCode>General</c:formatCode>
-                <c:ptCount val="15"/>
-                <c:pt idx="0">
-                  <c:v>6</c:v>
-                </c:pt>
-                <c:pt idx="1">
-                  <c:v>7</c:v>
-                </c:pt>
-                <c:pt idx="2">
-                  <c:v>8</c:v>
-                </c:pt>
-                <c:pt idx="3">
-                  <c:v>9</c:v>
-                </c:pt>
-                <c:pt idx="4">
-                  <c:v>10</c:v>
-                </c:pt>
-                <c:pt idx="5">
-                  <c:v>11</c:v>
-                </c:pt>
-                <c:pt idx="6">
-                  <c:v>12</c:v>
-                </c:pt>
-                <c:pt idx="7">
-                  <c:v>13</c:v>
-                </c:pt>
-                <c:pt idx="8">
-                  <c:v>14</c:v>
-                </c:pt>
-                <c:pt idx="9">
-                  <c:v>15</c:v>
-                </c:pt>
-                <c:pt idx="10">
-                  <c:v>16</c:v>
-                </c:pt>
-                <c:pt idx="11">
-                  <c:v>17</c:v>
-                </c:pt>
-                <c:pt idx="12">
-                  <c:v>18</c:v>
-                </c:pt>
-                <c:pt idx="13">
-                  <c:v>19</c:v>
-                </c:pt>
-                <c:pt idx="14">
-                  <c:v>20</c:v>
-                </c:pt>
-              </c:numCache>
-            </c:numRef>
-          </c:xVal>
-          <c:yVal>
-            <c:numRef>
-              <c:f>PyrusData!$U$8:$U$22</c:f>
-              <c:numCache>
-                <c:formatCode>0.00E+00</c:formatCode>
-                <c:ptCount val="15"/>
-                <c:pt idx="0">
-                  <c:v>4.4299999999999999E-2</c:v>
-                </c:pt>
-                <c:pt idx="1">
-                  <c:v>0.11799999999999999</c:v>
-                </c:pt>
-                <c:pt idx="2">
-                  <c:v>0.153</c:v>
-                </c:pt>
-                <c:pt idx="3" formatCode="General">
-                  <c:v>0.188</c:v>
-                </c:pt>
-                <c:pt idx="4" formatCode="General">
-                  <c:v>0.224</c:v>
-                </c:pt>
-                <c:pt idx="5" formatCode="General">
-                  <c:v>0.223</c:v>
-                </c:pt>
-                <c:pt idx="6" formatCode="General">
-                  <c:v>0.26400000000000001</c:v>
-                </c:pt>
-                <c:pt idx="7" formatCode="General">
-                  <c:v>0.29099999999999998</c:v>
-                </c:pt>
-                <c:pt idx="8" formatCode="General">
-                  <c:v>0.316</c:v>
-                </c:pt>
-                <c:pt idx="9" formatCode="General">
-                  <c:v>0.33700000000000002</c:v>
-                </c:pt>
-                <c:pt idx="10" formatCode="General">
-                  <c:v>0.36399999999999999</c:v>
-                </c:pt>
-                <c:pt idx="11" formatCode="General">
-                  <c:v>0.35599999999999998</c:v>
-                </c:pt>
-                <c:pt idx="12" formatCode="General">
-                  <c:v>0.33100000000000002</c:v>
-                </c:pt>
-                <c:pt idx="13" formatCode="General">
-                  <c:v>0.36099999999999999</c:v>
-                </c:pt>
-                <c:pt idx="14" formatCode="General">
-                  <c:v>0.70899999999999996</c:v>
-                </c:pt>
-              </c:numCache>
-            </c:numRef>
-          </c:yVal>
-          <c:smooth val="0"/>
-          <c:extLst>
-            <c:ext xmlns:c16="http://schemas.microsoft.com/office/drawing/2014/chart" uri="{C3380CC4-5D6E-409C-BE32-E72D297353CC}">
-              <c16:uniqueId val="{00000002-CBA1-4A4F-A8EB-5D8152E316DA}"/>
-            </c:ext>
-          </c:extLst>
-        </c:ser>
-        <c:ser>
-          <c:idx val="2"/>
-          <c:order val="3"/>
-          <c:tx>
-            <c:v>Measured A%</c:v>
-          </c:tx>
-          <c:spPr>
-            <a:ln w="12700">
-              <a:solidFill>
-                <a:schemeClr val="tx1"/>
-              </a:solidFill>
-            </a:ln>
-          </c:spPr>
-          <c:marker>
-            <c:symbol val="circle"/>
-            <c:size val="5"/>
-            <c:spPr>
-              <a:ln>
-                <a:solidFill>
-                  <a:schemeClr val="tx1"/>
-                </a:solidFill>
-              </a:ln>
-            </c:spPr>
-          </c:marker>
-          <c:xVal>
-            <c:numRef>
-              <c:f>PyrusData!$K$8:$K$22</c:f>
-              <c:numCache>
-                <c:formatCode>General</c:formatCode>
-                <c:ptCount val="15"/>
-                <c:pt idx="0">
-                  <c:v>6</c:v>
-                </c:pt>
-                <c:pt idx="1">
-                  <c:v>7</c:v>
-                </c:pt>
-                <c:pt idx="2">
-                  <c:v>8</c:v>
-                </c:pt>
-                <c:pt idx="3">
-                  <c:v>9</c:v>
-                </c:pt>
-                <c:pt idx="4">
-                  <c:v>10</c:v>
-                </c:pt>
-                <c:pt idx="5">
-                  <c:v>11</c:v>
-                </c:pt>
-                <c:pt idx="6">
-                  <c:v>12</c:v>
-                </c:pt>
-                <c:pt idx="7">
-                  <c:v>13</c:v>
-                </c:pt>
-                <c:pt idx="8">
-                  <c:v>14</c:v>
-                </c:pt>
-                <c:pt idx="9">
-                  <c:v>15</c:v>
-                </c:pt>
-                <c:pt idx="10">
-                  <c:v>16</c:v>
-                </c:pt>
-                <c:pt idx="11">
-                  <c:v>17</c:v>
-                </c:pt>
-                <c:pt idx="12">
-                  <c:v>18</c:v>
-                </c:pt>
-                <c:pt idx="13">
-                  <c:v>19</c:v>
-                </c:pt>
-                <c:pt idx="14">
-                  <c:v>20</c:v>
-                </c:pt>
-              </c:numCache>
-            </c:numRef>
-          </c:xVal>
-          <c:yVal>
-            <c:numRef>
-              <c:f>PyrusData!$V$8:$V$22</c:f>
-              <c:numCache>
-                <c:formatCode>General</c:formatCode>
-                <c:ptCount val="15"/>
-                <c:pt idx="0">
-                  <c:v>0</c:v>
-                </c:pt>
-                <c:pt idx="1">
-                  <c:v>0.14499999999999999</c:v>
-                </c:pt>
-                <c:pt idx="2">
-                  <c:v>0.19500000000000001</c:v>
-                </c:pt>
-                <c:pt idx="3">
-                  <c:v>0.27399999999999997</c:v>
-                </c:pt>
-                <c:pt idx="4">
-                  <c:v>0.27200000000000002</c:v>
-                </c:pt>
-                <c:pt idx="5">
-                  <c:v>0.248</c:v>
-                </c:pt>
-                <c:pt idx="6">
-                  <c:v>0.253</c:v>
-                </c:pt>
-                <c:pt idx="7">
-                  <c:v>0.251</c:v>
-                </c:pt>
-                <c:pt idx="8">
-                  <c:v>0.25800000000000001</c:v>
-                </c:pt>
-                <c:pt idx="9">
-                  <c:v>0.309</c:v>
-                </c:pt>
-                <c:pt idx="10">
-                  <c:v>0.34499999999999997</c:v>
-                </c:pt>
-                <c:pt idx="11">
-                  <c:v>0.34700000000000003</c:v>
-                </c:pt>
-                <c:pt idx="12">
-                  <c:v>0.34299999999999997</c:v>
-                </c:pt>
-                <c:pt idx="13">
-                  <c:v>0.36700000000000005</c:v>
-                </c:pt>
-                <c:pt idx="14">
-                  <c:v>0.63400000000000001</c:v>
-                </c:pt>
-              </c:numCache>
-            </c:numRef>
-          </c:yVal>
-          <c:smooth val="0"/>
-          <c:extLst>
-            <c:ext xmlns:c16="http://schemas.microsoft.com/office/drawing/2014/chart" uri="{C3380CC4-5D6E-409C-BE32-E72D297353CC}">
-              <c16:uniqueId val="{00000003-CBA1-4A4F-A8EB-5D8152E316DA}"/>
-            </c:ext>
-          </c:extLst>
-        </c:ser>
-        <c:dLbls>
-          <c:showLegendKey val="0"/>
-          <c:showVal val="0"/>
-          <c:showCatName val="0"/>
-          <c:showSerName val="0"/>
-          <c:showPercent val="0"/>
-          <c:showBubbleSize val="0"/>
-        </c:dLbls>
-        <c:axId val="1205457728"/>
-        <c:axId val="1205456288"/>
-      </c:scatterChart>
-      <c:valAx>
-        <c:axId val="1205457728"/>
-        <c:scaling>
-          <c:orientation val="minMax"/>
-          <c:max val="20"/>
-          <c:min val="6"/>
-        </c:scaling>
-        <c:delete val="0"/>
-        <c:axPos val="b"/>
-        <c:majorGridlines>
-          <c:spPr>
-            <a:ln w="9525" cap="flat" cmpd="sng" algn="ctr">
-              <a:solidFill>
-                <a:schemeClr val="tx1">
-                  <a:lumMod val="15000"/>
-                  <a:lumOff val="85000"/>
-                </a:schemeClr>
-              </a:solidFill>
-              <a:round/>
-            </a:ln>
-            <a:effectLst/>
-          </c:spPr>
-        </c:majorGridlines>
-        <c:title>
-          <c:tx>
-            <c:rich>
-              <a:bodyPr rot="0" spcFirstLastPara="1" vertOverflow="ellipsis" vert="horz" wrap="square" anchor="ctr" anchorCtr="1"/>
-              <a:lstStyle/>
-              <a:p>
-                <a:pPr>
-                  <a:defRPr sz="1000" b="1" i="0" u="none" strike="noStrike" kern="1200" baseline="0">
-                    <a:solidFill>
-                      <a:schemeClr val="tx1">
-                        <a:lumMod val="65000"/>
-                        <a:lumOff val="35000"/>
-                      </a:schemeClr>
-                    </a:solidFill>
-                    <a:latin typeface="+mn-lt"/>
-                    <a:ea typeface="+mn-ea"/>
-                    <a:cs typeface="+mn-cs"/>
-                  </a:defRPr>
-                </a:pPr>
-                <a:r>
-                  <a:rPr lang="en-AU" b="1"/>
-                  <a:t>Volve</a:t>
-                </a:r>
-                <a:r>
-                  <a:rPr lang="en-AU" b="1" baseline="0"/>
-                  <a:t> SCN Fraction</a:t>
-                </a:r>
-                <a:endParaRPr lang="en-AU" b="1"/>
-              </a:p>
-            </c:rich>
-          </c:tx>
-          <c:layout>
-            <c:manualLayout>
-              <c:xMode val="edge"/>
-              <c:yMode val="edge"/>
-              <c:x val="0.33970652777777777"/>
-              <c:y val="0.92884166666666679"/>
-            </c:manualLayout>
-          </c:layout>
-          <c:overlay val="0"/>
-          <c:spPr>
-            <a:noFill/>
-            <a:ln>
-              <a:noFill/>
-            </a:ln>
-            <a:effectLst/>
-          </c:spPr>
-        </c:title>
-        <c:numFmt formatCode="General" sourceLinked="1"/>
-        <c:majorTickMark val="none"/>
-        <c:minorTickMark val="none"/>
-        <c:tickLblPos val="nextTo"/>
-        <c:spPr>
-          <a:noFill/>
-          <a:ln w="9525" cap="flat" cmpd="sng" algn="ctr">
-            <a:solidFill>
-              <a:schemeClr val="tx1">
-                <a:lumMod val="25000"/>
-                <a:lumOff val="75000"/>
-              </a:schemeClr>
-            </a:solidFill>
-            <a:round/>
-          </a:ln>
-          <a:effectLst/>
-        </c:spPr>
-        <c:txPr>
-          <a:bodyPr rot="-60000000" spcFirstLastPara="1" vertOverflow="ellipsis" vert="horz" wrap="square" anchor="ctr" anchorCtr="1"/>
-          <a:lstStyle/>
-          <a:p>
-            <a:pPr>
-              <a:defRPr sz="900" b="0" i="0" u="none" strike="noStrike" kern="1200" baseline="0">
-                <a:solidFill>
-                  <a:schemeClr val="tx1">
-                    <a:lumMod val="65000"/>
-                    <a:lumOff val="35000"/>
-                  </a:schemeClr>
-                </a:solidFill>
-                <a:latin typeface="+mn-lt"/>
-                <a:ea typeface="+mn-ea"/>
-                <a:cs typeface="+mn-cs"/>
-              </a:defRPr>
-            </a:pPr>
-            <a:endParaRPr lang="en-US"/>
-          </a:p>
-        </c:txPr>
-        <c:crossAx val="1205456288"/>
-        <c:crosses val="autoZero"/>
-        <c:crossBetween val="midCat"/>
-      </c:valAx>
-      <c:valAx>
-        <c:axId val="1205456288"/>
-        <c:scaling>
-          <c:orientation val="minMax"/>
-          <c:max val="1"/>
-        </c:scaling>
-        <c:delete val="0"/>
-        <c:axPos val="l"/>
-        <c:majorGridlines>
-          <c:spPr>
-            <a:ln w="9525" cap="flat" cmpd="sng" algn="ctr">
-              <a:solidFill>
-                <a:schemeClr val="tx1">
-                  <a:lumMod val="15000"/>
-                  <a:lumOff val="85000"/>
-                </a:schemeClr>
-              </a:solidFill>
-              <a:round/>
-            </a:ln>
-            <a:effectLst/>
-          </c:spPr>
-        </c:majorGridlines>
-        <c:title>
-          <c:tx>
-            <c:rich>
-              <a:bodyPr rot="-5400000" spcFirstLastPara="1" vertOverflow="ellipsis" vert="horz" wrap="square" anchor="ctr" anchorCtr="1"/>
-              <a:lstStyle/>
-              <a:p>
-                <a:pPr>
-                  <a:defRPr sz="1000" b="1" i="0" u="none" strike="noStrike" kern="1200" baseline="0">
-                    <a:solidFill>
-                      <a:schemeClr val="tx1">
-                        <a:lumMod val="65000"/>
-                        <a:lumOff val="35000"/>
-                      </a:schemeClr>
-                    </a:solidFill>
-                    <a:latin typeface="+mn-lt"/>
-                    <a:ea typeface="+mn-ea"/>
-                    <a:cs typeface="+mn-cs"/>
-                  </a:defRPr>
-                </a:pPr>
-                <a:r>
-                  <a:rPr lang="en-AU" b="1"/>
-                  <a:t>Percentage</a:t>
-                </a:r>
-                <a:r>
-                  <a:rPr lang="en-AU" b="1" baseline="0"/>
-                  <a:t> Found in Pseudo-component</a:t>
-                </a:r>
-                <a:endParaRPr lang="en-AU" b="1"/>
-              </a:p>
-            </c:rich>
-          </c:tx>
-          <c:layout>
-            <c:manualLayout>
-              <c:xMode val="edge"/>
-              <c:yMode val="edge"/>
-              <c:x val="1.4111035589686733E-2"/>
-              <c:y val="0.14109642651423862"/>
             </c:manualLayout>
           </c:layout>
           <c:overlay val="0"/>
@@ -19277,10 +19280,7 @@
                 <a:pPr>
                   <a:defRPr sz="1000" b="0" i="0" u="none" strike="noStrike" kern="1200" baseline="0">
                     <a:solidFill>
-                      <a:schemeClr val="tx1">
-                        <a:lumMod val="65000"/>
-                        <a:lumOff val="35000"/>
-                      </a:schemeClr>
+                      <a:srgbClr val="C00000"/>
                     </a:solidFill>
                     <a:latin typeface="+mn-lt"/>
                     <a:ea typeface="+mn-ea"/>
@@ -19288,7 +19288,11 @@
                   </a:defRPr>
                 </a:pPr>
                 <a:r>
-                  <a:rPr lang="en-AU"/>
+                  <a:rPr lang="en-AU">
+                    <a:solidFill>
+                      <a:srgbClr val="C00000"/>
+                    </a:solidFill>
+                  </a:rPr>
                   <a:t>SG</a:t>
                 </a:r>
               </a:p>
@@ -19309,10 +19313,7 @@
               <a:pPr>
                 <a:defRPr sz="1000" b="0" i="0" u="none" strike="noStrike" kern="1200" baseline="0">
                   <a:solidFill>
-                    <a:schemeClr val="tx1">
-                      <a:lumMod val="65000"/>
-                      <a:lumOff val="35000"/>
-                    </a:schemeClr>
+                    <a:srgbClr val="C00000"/>
                   </a:solidFill>
                   <a:latin typeface="+mn-lt"/>
                   <a:ea typeface="+mn-ea"/>
@@ -19347,10 +19348,7 @@
             <a:pPr>
               <a:defRPr sz="900" b="0" i="0" u="none" strike="noStrike" kern="1200" baseline="0">
                 <a:solidFill>
-                  <a:schemeClr val="tx1">
-                    <a:lumMod val="65000"/>
-                    <a:lumOff val="35000"/>
-                  </a:schemeClr>
+                  <a:srgbClr val="C00000"/>
                 </a:solidFill>
                 <a:latin typeface="+mn-lt"/>
                 <a:ea typeface="+mn-ea"/>
@@ -21062,10 +21060,7 @@
                 <a:pPr>
                   <a:defRPr sz="1000" b="0" i="0" u="none" strike="noStrike" kern="1200" baseline="0">
                     <a:solidFill>
-                      <a:schemeClr val="tx1">
-                        <a:lumMod val="65000"/>
-                        <a:lumOff val="35000"/>
-                      </a:schemeClr>
+                      <a:srgbClr val="FF6600"/>
                     </a:solidFill>
                     <a:latin typeface="+mn-lt"/>
                     <a:ea typeface="+mn-ea"/>
@@ -21073,7 +21068,11 @@
                   </a:defRPr>
                 </a:pPr>
                 <a:r>
-                  <a:rPr lang="en-AU"/>
+                  <a:rPr lang="en-AU">
+                    <a:solidFill>
+                      <a:srgbClr val="FF6600"/>
+                    </a:solidFill>
+                  </a:rPr>
                   <a:t>SG</a:t>
                 </a:r>
               </a:p>
@@ -21094,10 +21093,7 @@
               <a:pPr>
                 <a:defRPr sz="1000" b="0" i="0" u="none" strike="noStrike" kern="1200" baseline="0">
                   <a:solidFill>
-                    <a:schemeClr val="tx1">
-                      <a:lumMod val="65000"/>
-                      <a:lumOff val="35000"/>
-                    </a:schemeClr>
+                    <a:srgbClr val="FF6600"/>
                   </a:solidFill>
                   <a:latin typeface="+mn-lt"/>
                   <a:ea typeface="+mn-ea"/>
@@ -21132,10 +21128,7 @@
             <a:pPr>
               <a:defRPr sz="900" b="0" i="0" u="none" strike="noStrike" kern="1200" baseline="0">
                 <a:solidFill>
-                  <a:schemeClr val="tx1">
-                    <a:lumMod val="65000"/>
-                    <a:lumOff val="35000"/>
-                  </a:schemeClr>
+                  <a:srgbClr val="FF6600"/>
                 </a:solidFill>
                 <a:latin typeface="+mn-lt"/>
                 <a:ea typeface="+mn-ea"/>
@@ -23257,10 +23250,7 @@
                 <a:pPr>
                   <a:defRPr sz="1000" b="0" i="0" u="none" strike="noStrike" kern="1200" baseline="0">
                     <a:solidFill>
-                      <a:schemeClr val="tx1">
-                        <a:lumMod val="65000"/>
-                        <a:lumOff val="35000"/>
-                      </a:schemeClr>
+                      <a:srgbClr val="006600"/>
                     </a:solidFill>
                     <a:latin typeface="+mn-lt"/>
                     <a:ea typeface="+mn-ea"/>
@@ -23268,7 +23258,11 @@
                   </a:defRPr>
                 </a:pPr>
                 <a:r>
-                  <a:rPr lang="en-AU"/>
+                  <a:rPr lang="en-AU">
+                    <a:solidFill>
+                      <a:srgbClr val="006600"/>
+                    </a:solidFill>
+                  </a:rPr>
                   <a:t>SG</a:t>
                 </a:r>
               </a:p>
@@ -23289,10 +23283,7 @@
               <a:pPr>
                 <a:defRPr sz="1000" b="0" i="0" u="none" strike="noStrike" kern="1200" baseline="0">
                   <a:solidFill>
-                    <a:schemeClr val="tx1">
-                      <a:lumMod val="65000"/>
-                      <a:lumOff val="35000"/>
-                    </a:schemeClr>
+                    <a:srgbClr val="006600"/>
                   </a:solidFill>
                   <a:latin typeface="+mn-lt"/>
                   <a:ea typeface="+mn-ea"/>
@@ -23327,10 +23318,7 @@
             <a:pPr>
               <a:defRPr sz="900" b="0" i="0" u="none" strike="noStrike" kern="1200" baseline="0">
                 <a:solidFill>
-                  <a:schemeClr val="tx1">
-                    <a:lumMod val="65000"/>
-                    <a:lumOff val="35000"/>
-                  </a:schemeClr>
+                  <a:srgbClr val="006600"/>
                 </a:solidFill>
                 <a:latin typeface="+mn-lt"/>
                 <a:ea typeface="+mn-ea"/>
@@ -32758,7 +32746,7 @@
           <a:p>
             <a:fld id="{6EA6E902-5EF2-483D-936E-8D99D2FEC797}" type="datetimeFigureOut">
               <a:rPr lang="en-AU" smtClean="0"/>
-              <a:t>29/11/2024</a:t>
+              <a:t>1/12/2024</a:t>
             </a:fld>
             <a:endParaRPr lang="en-AU"/>
           </a:p>
@@ -33259,7 +33247,7 @@
           <a:p>
             <a:fld id="{763871C2-E1E2-4868-9E66-FEFE29AC3DBE}" type="datetimeFigureOut">
               <a:rPr lang="en-AU" smtClean="0"/>
-              <a:t>29/11/2024</a:t>
+              <a:t>1/12/2024</a:t>
             </a:fld>
             <a:endParaRPr lang="en-AU"/>
           </a:p>
@@ -33459,7 +33447,7 @@
           <a:p>
             <a:fld id="{763871C2-E1E2-4868-9E66-FEFE29AC3DBE}" type="datetimeFigureOut">
               <a:rPr lang="en-AU" smtClean="0"/>
-              <a:t>29/11/2024</a:t>
+              <a:t>1/12/2024</a:t>
             </a:fld>
             <a:endParaRPr lang="en-AU"/>
           </a:p>
@@ -33669,7 +33657,7 @@
           <a:p>
             <a:fld id="{763871C2-E1E2-4868-9E66-FEFE29AC3DBE}" type="datetimeFigureOut">
               <a:rPr lang="en-AU" smtClean="0"/>
-              <a:t>29/11/2024</a:t>
+              <a:t>1/12/2024</a:t>
             </a:fld>
             <a:endParaRPr lang="en-AU"/>
           </a:p>
@@ -33869,7 +33857,7 @@
           <a:p>
             <a:fld id="{763871C2-E1E2-4868-9E66-FEFE29AC3DBE}" type="datetimeFigureOut">
               <a:rPr lang="en-AU" smtClean="0"/>
-              <a:t>29/11/2024</a:t>
+              <a:t>1/12/2024</a:t>
             </a:fld>
             <a:endParaRPr lang="en-AU"/>
           </a:p>
@@ -34145,7 +34133,7 @@
           <a:p>
             <a:fld id="{763871C2-E1E2-4868-9E66-FEFE29AC3DBE}" type="datetimeFigureOut">
               <a:rPr lang="en-AU" smtClean="0"/>
-              <a:t>29/11/2024</a:t>
+              <a:t>1/12/2024</a:t>
             </a:fld>
             <a:endParaRPr lang="en-AU"/>
           </a:p>
@@ -34413,7 +34401,7 @@
           <a:p>
             <a:fld id="{763871C2-E1E2-4868-9E66-FEFE29AC3DBE}" type="datetimeFigureOut">
               <a:rPr lang="en-AU" smtClean="0"/>
-              <a:t>29/11/2024</a:t>
+              <a:t>1/12/2024</a:t>
             </a:fld>
             <a:endParaRPr lang="en-AU"/>
           </a:p>
@@ -34828,7 +34816,7 @@
           <a:p>
             <a:fld id="{763871C2-E1E2-4868-9E66-FEFE29AC3DBE}" type="datetimeFigureOut">
               <a:rPr lang="en-AU" smtClean="0"/>
-              <a:t>29/11/2024</a:t>
+              <a:t>1/12/2024</a:t>
             </a:fld>
             <a:endParaRPr lang="en-AU"/>
           </a:p>
@@ -34970,7 +34958,7 @@
           <a:p>
             <a:fld id="{763871C2-E1E2-4868-9E66-FEFE29AC3DBE}" type="datetimeFigureOut">
               <a:rPr lang="en-AU" smtClean="0"/>
-              <a:t>29/11/2024</a:t>
+              <a:t>1/12/2024</a:t>
             </a:fld>
             <a:endParaRPr lang="en-AU"/>
           </a:p>
@@ -35083,7 +35071,7 @@
           <a:p>
             <a:fld id="{763871C2-E1E2-4868-9E66-FEFE29AC3DBE}" type="datetimeFigureOut">
               <a:rPr lang="en-AU" smtClean="0"/>
-              <a:t>29/11/2024</a:t>
+              <a:t>1/12/2024</a:t>
             </a:fld>
             <a:endParaRPr lang="en-AU"/>
           </a:p>
@@ -35396,7 +35384,7 @@
           <a:p>
             <a:fld id="{763871C2-E1E2-4868-9E66-FEFE29AC3DBE}" type="datetimeFigureOut">
               <a:rPr lang="en-AU" smtClean="0"/>
-              <a:t>29/11/2024</a:t>
+              <a:t>1/12/2024</a:t>
             </a:fld>
             <a:endParaRPr lang="en-AU"/>
           </a:p>
@@ -35685,7 +35673,7 @@
           <a:p>
             <a:fld id="{763871C2-E1E2-4868-9E66-FEFE29AC3DBE}" type="datetimeFigureOut">
               <a:rPr lang="en-AU" smtClean="0"/>
-              <a:t>29/11/2024</a:t>
+              <a:t>1/12/2024</a:t>
             </a:fld>
             <a:endParaRPr lang="en-AU"/>
           </a:p>
@@ -35928,7 +35916,7 @@
           <a:p>
             <a:fld id="{763871C2-E1E2-4868-9E66-FEFE29AC3DBE}" type="datetimeFigureOut">
               <a:rPr lang="en-AU" smtClean="0"/>
-              <a:t>29/11/2024</a:t>
+              <a:t>1/12/2024</a:t>
             </a:fld>
             <a:endParaRPr lang="en-AU"/>
           </a:p>
@@ -38366,7 +38354,7 @@
           <p:nvPr>
             <p:extLst>
               <p:ext uri="{D42A27DB-BD31-4B8C-83A1-F6EECF244321}">
-                <p14:modId xmlns:p14="http://schemas.microsoft.com/office/powerpoint/2010/main" val="57132037"/>
+                <p14:modId xmlns:p14="http://schemas.microsoft.com/office/powerpoint/2010/main" val="3449952528"/>
               </p:ext>
             </p:extLst>
           </p:nvPr>
@@ -38396,7 +38384,7 @@
           <p:nvPr>
             <p:extLst>
               <p:ext uri="{D42A27DB-BD31-4B8C-83A1-F6EECF244321}">
-                <p14:modId xmlns:p14="http://schemas.microsoft.com/office/powerpoint/2010/main" val="3094011220"/>
+                <p14:modId xmlns:p14="http://schemas.microsoft.com/office/powerpoint/2010/main" val="2412504356"/>
               </p:ext>
             </p:extLst>
           </p:nvPr>
@@ -38426,7 +38414,7 @@
           <p:nvPr>
             <p:extLst>
               <p:ext uri="{D42A27DB-BD31-4B8C-83A1-F6EECF244321}">
-                <p14:modId xmlns:p14="http://schemas.microsoft.com/office/powerpoint/2010/main" val="121495569"/>
+                <p14:modId xmlns:p14="http://schemas.microsoft.com/office/powerpoint/2010/main" val="4217504845"/>
               </p:ext>
             </p:extLst>
           </p:nvPr>
@@ -38476,7 +38464,7 @@
           <a:p>
             <a:r>
               <a:rPr lang="en-AU" dirty="0"/>
-              <a:t>API database of properties for pure compounds used to build new relationships. Total of 319 compounds used.</a:t>
+              <a:t>Database of properties for pure compounds used to build new relationships. Total of 319 compounds used.</a:t>
             </a:r>
           </a:p>
           <a:p>
@@ -38561,7 +38549,7 @@
           <a:p>
             <a:r>
               <a:rPr lang="en-AU" dirty="0"/>
-              <a:t>Single carbon number (SCN) used to designate a distillation cut is based on the number of carbon atoms for paraffins.</a:t>
+              <a:t>Single carbon number (SCN) used to designate a distillation cut is based on the number of carbon atoms for normal paraffins.</a:t>
             </a:r>
           </a:p>
           <a:p>
@@ -38586,7 +38574,15 @@
             </a:r>
             <a:r>
               <a:rPr lang="en-AU" dirty="0"/>
-              <a:t> and aromatics, we must determine the boiling point for the paraffin SCN, and from this obtain the estimated number of carbon atoms for NA fractions associated with an SCN.</a:t>
+              <a:t> and aromatics, we must determine the boiling point for the paraffins, and from this obtain the estimated number of carbon atoms for the associated </a:t>
+            </a:r>
+            <a:r>
+              <a:rPr lang="en-AU" dirty="0" err="1"/>
+              <a:t>napthenes</a:t>
+            </a:r>
+            <a:r>
+              <a:rPr lang="en-AU" dirty="0"/>
+              <a:t> and aromatics.</a:t>
             </a:r>
           </a:p>
         </p:txBody>
@@ -38912,7 +38908,7 @@
           <p:nvPr>
             <p:extLst>
               <p:ext uri="{D42A27DB-BD31-4B8C-83A1-F6EECF244321}">
-                <p14:modId xmlns:p14="http://schemas.microsoft.com/office/powerpoint/2010/main" val="2265657104"/>
+                <p14:modId xmlns:p14="http://schemas.microsoft.com/office/powerpoint/2010/main" val="254458659"/>
               </p:ext>
             </p:extLst>
           </p:nvPr>
@@ -38942,7 +38938,7 @@
           <p:nvPr>
             <p:extLst>
               <p:ext uri="{D42A27DB-BD31-4B8C-83A1-F6EECF244321}">
-                <p14:modId xmlns:p14="http://schemas.microsoft.com/office/powerpoint/2010/main" val="2243647856"/>
+                <p14:modId xmlns:p14="http://schemas.microsoft.com/office/powerpoint/2010/main" val="2422104330"/>
               </p:ext>
             </p:extLst>
           </p:nvPr>
@@ -38972,7 +38968,7 @@
           <p:nvPr>
             <p:extLst>
               <p:ext uri="{D42A27DB-BD31-4B8C-83A1-F6EECF244321}">
-                <p14:modId xmlns:p14="http://schemas.microsoft.com/office/powerpoint/2010/main" val="1273598202"/>
+                <p14:modId xmlns:p14="http://schemas.microsoft.com/office/powerpoint/2010/main" val="3020446852"/>
               </p:ext>
             </p:extLst>
           </p:nvPr>
@@ -42339,6 +42335,36 @@
       </p:grpSpPr>
       <p:graphicFrame>
         <p:nvGraphicFramePr>
+          <p:cNvPr id="6" name="Chart 5">
+            <a:extLst>
+              <a:ext uri="{FF2B5EF4-FFF2-40B4-BE49-F238E27FC236}">
+                <a16:creationId xmlns:a16="http://schemas.microsoft.com/office/drawing/2014/main" id="{EDC1D573-A29D-488E-BC66-9CE1ED6C82C0}"/>
+              </a:ext>
+            </a:extLst>
+          </p:cNvPr>
+          <p:cNvGraphicFramePr>
+            <a:graphicFrameLocks/>
+          </p:cNvGraphicFramePr>
+          <p:nvPr>
+            <p:extLst>
+              <p:ext uri="{D42A27DB-BD31-4B8C-83A1-F6EECF244321}">
+                <p14:modId xmlns:p14="http://schemas.microsoft.com/office/powerpoint/2010/main" val="1374076652"/>
+              </p:ext>
+            </p:extLst>
+          </p:nvPr>
+        </p:nvGraphicFramePr>
+        <p:xfrm>
+          <a:off x="731134" y="3500438"/>
+          <a:ext cx="4884516" cy="3357562"/>
+        </p:xfrm>
+        <a:graphic>
+          <a:graphicData uri="http://schemas.openxmlformats.org/drawingml/2006/chart">
+            <c:chart xmlns:c="http://schemas.openxmlformats.org/drawingml/2006/chart" xmlns:r="http://schemas.openxmlformats.org/officeDocument/2006/relationships" r:id="rId2"/>
+          </a:graphicData>
+        </a:graphic>
+      </p:graphicFrame>
+      <p:graphicFrame>
+        <p:nvGraphicFramePr>
           <p:cNvPr id="2" name="Chart 1">
             <a:extLst>
               <a:ext uri="{FF2B5EF4-FFF2-40B4-BE49-F238E27FC236}">
@@ -42363,36 +42389,6 @@
         </p:xfrm>
         <a:graphic>
           <a:graphicData uri="http://schemas.openxmlformats.org/drawingml/2006/chart">
-            <c:chart xmlns:c="http://schemas.openxmlformats.org/drawingml/2006/chart" xmlns:r="http://schemas.openxmlformats.org/officeDocument/2006/relationships" r:id="rId2"/>
-          </a:graphicData>
-        </a:graphic>
-      </p:graphicFrame>
-      <p:graphicFrame>
-        <p:nvGraphicFramePr>
-          <p:cNvPr id="3" name="Chart 2">
-            <a:extLst>
-              <a:ext uri="{FF2B5EF4-FFF2-40B4-BE49-F238E27FC236}">
-                <a16:creationId xmlns:a16="http://schemas.microsoft.com/office/drawing/2014/main" id="{EDC1D573-A29D-488E-BC66-9CE1ED6C82C0}"/>
-              </a:ext>
-            </a:extLst>
-          </p:cNvPr>
-          <p:cNvGraphicFramePr>
-            <a:graphicFrameLocks/>
-          </p:cNvGraphicFramePr>
-          <p:nvPr>
-            <p:extLst>
-              <p:ext uri="{D42A27DB-BD31-4B8C-83A1-F6EECF244321}">
-                <p14:modId xmlns:p14="http://schemas.microsoft.com/office/powerpoint/2010/main" val="1816822669"/>
-              </p:ext>
-            </p:extLst>
-          </p:nvPr>
-        </p:nvGraphicFramePr>
-        <p:xfrm>
-          <a:off x="731135" y="3500438"/>
-          <a:ext cx="4884516" cy="3357562"/>
-        </p:xfrm>
-        <a:graphic>
-          <a:graphicData uri="http://schemas.openxmlformats.org/drawingml/2006/chart">
             <c:chart xmlns:c="http://schemas.openxmlformats.org/drawingml/2006/chart" xmlns:r="http://schemas.openxmlformats.org/officeDocument/2006/relationships" r:id="rId3"/>
           </a:graphicData>
         </a:graphic>
@@ -42412,7 +42408,7 @@
         <p:spPr>
           <a:xfrm>
             <a:off x="5926237" y="4163556"/>
-            <a:ext cx="5569858" cy="2031325"/>
+            <a:ext cx="5569858" cy="1754326"/>
           </a:xfrm>
           <a:prstGeom prst="rect">
             <a:avLst/>
@@ -42449,7 +42445,7 @@
           <a:p>
             <a:r>
               <a:rPr lang="en-AU" dirty="0"/>
-              <a:t>Method exhibits good match between predicted aromatics and measured aromatics for the Volve dataset.</a:t>
+              <a:t>Method exhibits good match between predicted and measured aromatics for the Volve dataset.</a:t>
             </a:r>
           </a:p>
         </p:txBody>

--- a/images/Analysis/c7plus-characterisation/c7plus-characterisation-images.pptx
+++ b/images/Analysis/c7plus-characterisation/c7plus-characterisation-images.pptx
@@ -5,7 +5,7 @@
     <p:sldMasterId id="2147483648" r:id="rId1"/>
   </p:sldMasterIdLst>
   <p:notesMasterIdLst>
-    <p:notesMasterId r:id="rId11"/>
+    <p:notesMasterId r:id="rId13"/>
   </p:notesMasterIdLst>
   <p:sldIdLst>
     <p:sldId id="256" r:id="rId2"/>
@@ -16,7 +16,9 @@
     <p:sldId id="264" r:id="rId7"/>
     <p:sldId id="265" r:id="rId8"/>
     <p:sldId id="261" r:id="rId9"/>
-    <p:sldId id="258" r:id="rId10"/>
+    <p:sldId id="267" r:id="rId10"/>
+    <p:sldId id="266" r:id="rId11"/>
+    <p:sldId id="258" r:id="rId12"/>
   </p:sldIdLst>
   <p:sldSz cx="12192000" cy="6858000"/>
   <p:notesSz cx="6858000" cy="9144000"/>
@@ -132,6 +134,8 @@
             <p14:sldId id="264"/>
             <p14:sldId id="265"/>
             <p14:sldId id="261"/>
+            <p14:sldId id="267"/>
+            <p14:sldId id="266"/>
           </p14:sldIdLst>
         </p14:section>
         <p14:section name="Untitled Section" id="{1AF52131-0820-4E43-9032-50A4690FC807}">
@@ -11605,34 +11609,34 @@
                 <c:formatCode>General</c:formatCode>
                 <c:ptCount val="15"/>
                 <c:pt idx="0">
-                  <c:v>0.96399999999999997</c:v>
+                  <c:v>0.96099999999999997</c:v>
                 </c:pt>
                 <c:pt idx="1">
-                  <c:v>0.74299999999999999</c:v>
+                  <c:v>0.753</c:v>
                 </c:pt>
                 <c:pt idx="2">
-                  <c:v>0.68</c:v>
+                  <c:v>0.68799999999999994</c:v>
                 </c:pt>
                 <c:pt idx="3">
-                  <c:v>0.624</c:v>
+                  <c:v>0.63</c:v>
                 </c:pt>
                 <c:pt idx="4">
-                  <c:v>0.57399999999999995</c:v>
+                  <c:v>0.57899999999999996</c:v>
                 </c:pt>
                 <c:pt idx="5">
-                  <c:v>0.56599999999999995</c:v>
+                  <c:v>0.59299999999999997</c:v>
                 </c:pt>
                 <c:pt idx="6">
-                  <c:v>0.51700000000000002</c:v>
+                  <c:v>0.52</c:v>
                 </c:pt>
                 <c:pt idx="7">
-                  <c:v>0.48499999999999999</c:v>
+                  <c:v>0.51</c:v>
                 </c:pt>
                 <c:pt idx="8">
-                  <c:v>0.45800000000000002</c:v>
+                  <c:v>0.48399999999999999</c:v>
                 </c:pt>
                 <c:pt idx="9">
-                  <c:v>0.44800000000000001</c:v>
+                  <c:v>0.46200000000000002</c:v>
                 </c:pt>
                 <c:pt idx="10">
                   <c:v>0.436</c:v>
@@ -11747,51 +11751,51 @@
             <c:numRef>
               <c:f>PyrusData!$T$8:$T$22</c:f>
               <c:numCache>
-                <c:formatCode>General</c:formatCode>
+                <c:formatCode>0.00E+00</c:formatCode>
                 <c:ptCount val="15"/>
-                <c:pt idx="0">
-                  <c:v>1.4400000000000001E-3</c:v>
+                <c:pt idx="0" formatCode="General">
+                  <c:v>6.1599999999999997E-3</c:v>
                 </c:pt>
                 <c:pt idx="1">
-                  <c:v>0.161</c:v>
-                </c:pt>
-                <c:pt idx="2">
-                  <c:v>0.193</c:v>
-                </c:pt>
-                <c:pt idx="3">
-                  <c:v>0.219</c:v>
-                </c:pt>
-                <c:pt idx="4">
-                  <c:v>0.23799999999999999</c:v>
-                </c:pt>
-                <c:pt idx="5">
-                  <c:v>0.246</c:v>
-                </c:pt>
-                <c:pt idx="6">
-                  <c:v>0.25800000000000001</c:v>
-                </c:pt>
-                <c:pt idx="7">
-                  <c:v>0.26600000000000001</c:v>
-                </c:pt>
-                <c:pt idx="8">
-                  <c:v>0.27</c:v>
-                </c:pt>
-                <c:pt idx="9">
-                  <c:v>0.26100000000000001</c:v>
-                </c:pt>
-                <c:pt idx="10">
+                  <c:v>6.0499999999999998E-2</c:v>
+                </c:pt>
+                <c:pt idx="2" formatCode="General">
+                  <c:v>0.105</c:v>
+                </c:pt>
+                <c:pt idx="3" formatCode="General">
+                  <c:v>0.14399999999999999</c:v>
+                </c:pt>
+                <c:pt idx="4" formatCode="General">
+                  <c:v>0.17299999999999999</c:v>
+                </c:pt>
+                <c:pt idx="5" formatCode="General">
+                  <c:v>0.17</c:v>
+                </c:pt>
+                <c:pt idx="6" formatCode="General">
+                  <c:v>0.216</c:v>
+                </c:pt>
+                <c:pt idx="7" formatCode="General">
+                  <c:v>0.215</c:v>
+                </c:pt>
+                <c:pt idx="8" formatCode="General">
+                  <c:v>0.23</c:v>
+                </c:pt>
+                <c:pt idx="9" formatCode="General">
+                  <c:v>0.24399999999999999</c:v>
+                </c:pt>
+                <c:pt idx="10" formatCode="General">
                   <c:v>0.249</c:v>
                 </c:pt>
-                <c:pt idx="11">
+                <c:pt idx="11" formatCode="General">
                   <c:v>0.23</c:v>
                 </c:pt>
-                <c:pt idx="12">
+                <c:pt idx="12" formatCode="General">
                   <c:v>0.27300000000000002</c:v>
                 </c:pt>
-                <c:pt idx="13">
+                <c:pt idx="13" formatCode="General">
                   <c:v>0.254</c:v>
                 </c:pt>
-                <c:pt idx="14">
+                <c:pt idx="14" formatCode="General">
                   <c:v>0.154</c:v>
                 </c:pt>
               </c:numCache>
@@ -11892,34 +11896,34 @@
                 <c:formatCode>General</c:formatCode>
                 <c:ptCount val="15"/>
                 <c:pt idx="0">
-                  <c:v>3.4700000000000002E-2</c:v>
+                  <c:v>3.32E-2</c:v>
                 </c:pt>
                 <c:pt idx="1">
-                  <c:v>9.6000000000000002E-2</c:v>
+                  <c:v>0.187</c:v>
                 </c:pt>
                 <c:pt idx="2">
-                  <c:v>0.126</c:v>
+                  <c:v>0.20699999999999999</c:v>
                 </c:pt>
                 <c:pt idx="3">
-                  <c:v>0.157</c:v>
+                  <c:v>0.22700000000000001</c:v>
                 </c:pt>
                 <c:pt idx="4">
-                  <c:v>0.189</c:v>
+                  <c:v>0.248</c:v>
                 </c:pt>
                 <c:pt idx="5">
-                  <c:v>0.188</c:v>
+                  <c:v>0.23699999999999999</c:v>
                 </c:pt>
                 <c:pt idx="6">
-                  <c:v>0.22500000000000001</c:v>
+                  <c:v>0.26400000000000001</c:v>
                 </c:pt>
                 <c:pt idx="7">
-                  <c:v>0.249</c:v>
+                  <c:v>0.27500000000000002</c:v>
                 </c:pt>
                 <c:pt idx="8">
-                  <c:v>0.27200000000000002</c:v>
+                  <c:v>0.28599999999999998</c:v>
                 </c:pt>
                 <c:pt idx="9">
-                  <c:v>0.29099999999999998</c:v>
+                  <c:v>0.29499999999999998</c:v>
                 </c:pt>
                 <c:pt idx="10">
                   <c:v>0.315</c:v>
@@ -13699,6 +13703,1652 @@
 </c:chartSpace>
 </file>
 
+<file path=ppt/charts/chart18.xml><?xml version="1.0" encoding="utf-8"?>
+<c:chartSpace xmlns:c="http://schemas.openxmlformats.org/drawingml/2006/chart" xmlns:a="http://schemas.openxmlformats.org/drawingml/2006/main" xmlns:r="http://schemas.openxmlformats.org/officeDocument/2006/relationships" xmlns:c16r2="http://schemas.microsoft.com/office/drawing/2015/06/chart">
+  <c:date1904 val="0"/>
+  <c:lang val="en-GB"/>
+  <c:roundedCorners val="0"/>
+  <mc:AlternateContent xmlns:mc="http://schemas.openxmlformats.org/markup-compatibility/2006">
+    <mc:Choice xmlns:c14="http://schemas.microsoft.com/office/drawing/2007/8/2/chart" Requires="c14">
+      <c14:style val="102"/>
+    </mc:Choice>
+    <mc:Fallback>
+      <c:style val="2"/>
+    </mc:Fallback>
+  </mc:AlternateContent>
+  <c:chart>
+    <c:title>
+      <c:tx>
+        <c:rich>
+          <a:bodyPr rot="0" spcFirstLastPara="1" vertOverflow="ellipsis" vert="horz" wrap="square" anchor="ctr" anchorCtr="1"/>
+          <a:lstStyle/>
+          <a:p>
+            <a:pPr>
+              <a:defRPr sz="1680" b="0" i="0" u="none" strike="noStrike" kern="1200" spc="0" baseline="0">
+                <a:solidFill>
+                  <a:schemeClr val="tx1">
+                    <a:lumMod val="65000"/>
+                    <a:lumOff val="35000"/>
+                  </a:schemeClr>
+                </a:solidFill>
+                <a:latin typeface="+mn-lt"/>
+                <a:ea typeface="+mn-ea"/>
+                <a:cs typeface="+mn-cs"/>
+              </a:defRPr>
+            </a:pPr>
+            <a:r>
+              <a:rPr lang="en-AU"/>
+              <a:t>Branched CH3 vs PCN</a:t>
+            </a:r>
+          </a:p>
+        </c:rich>
+      </c:tx>
+      <c:overlay val="0"/>
+      <c:spPr>
+        <a:noFill/>
+        <a:ln>
+          <a:noFill/>
+        </a:ln>
+        <a:effectLst/>
+      </c:spPr>
+      <c:txPr>
+        <a:bodyPr rot="0" spcFirstLastPara="1" vertOverflow="ellipsis" vert="horz" wrap="square" anchor="ctr" anchorCtr="1"/>
+        <a:lstStyle/>
+        <a:p>
+          <a:pPr>
+            <a:defRPr sz="1680" b="0" i="0" u="none" strike="noStrike" kern="1200" spc="0" baseline="0">
+              <a:solidFill>
+                <a:schemeClr val="tx1">
+                  <a:lumMod val="65000"/>
+                  <a:lumOff val="35000"/>
+                </a:schemeClr>
+              </a:solidFill>
+              <a:latin typeface="+mn-lt"/>
+              <a:ea typeface="+mn-ea"/>
+              <a:cs typeface="+mn-cs"/>
+            </a:defRPr>
+          </a:pPr>
+          <a:endParaRPr lang="en-US"/>
+        </a:p>
+      </c:txPr>
+    </c:title>
+    <c:autoTitleDeleted val="0"/>
+    <c:plotArea>
+      <c:layout/>
+      <c:scatterChart>
+        <c:scatterStyle val="lineMarker"/>
+        <c:varyColors val="0"/>
+        <c:ser>
+          <c:idx val="0"/>
+          <c:order val="0"/>
+          <c:tx>
+            <c:v>Avg CH3</c:v>
+          </c:tx>
+          <c:spPr>
+            <a:ln w="19050" cap="rnd">
+              <a:noFill/>
+              <a:round/>
+            </a:ln>
+            <a:effectLst/>
+          </c:spPr>
+          <c:marker>
+            <c:symbol val="circle"/>
+            <c:size val="7"/>
+            <c:spPr>
+              <a:solidFill>
+                <a:schemeClr val="bg1"/>
+              </a:solidFill>
+              <a:ln w="9525">
+                <a:solidFill>
+                  <a:srgbClr val="0000FF"/>
+                </a:solidFill>
+              </a:ln>
+              <a:effectLst/>
+            </c:spPr>
+          </c:marker>
+          <c:trendline>
+            <c:spPr>
+              <a:ln w="31750" cap="rnd">
+                <a:solidFill>
+                  <a:srgbClr val="0000FF"/>
+                </a:solidFill>
+                <a:prstDash val="dash"/>
+              </a:ln>
+              <a:effectLst/>
+            </c:spPr>
+            <c:trendlineType val="power"/>
+            <c:dispRSqr val="0"/>
+            <c:dispEq val="1"/>
+            <c:trendlineLbl>
+              <c:layout>
+                <c:manualLayout>
+                  <c:x val="1.3791557305336833E-2"/>
+                  <c:y val="8.6001020705745113E-2"/>
+                </c:manualLayout>
+              </c:layout>
+              <c:numFmt formatCode="#,##0.00000" sourceLinked="0"/>
+              <c:spPr>
+                <a:solidFill>
+                  <a:schemeClr val="bg1"/>
+                </a:solidFill>
+                <a:ln>
+                  <a:noFill/>
+                </a:ln>
+                <a:effectLst/>
+              </c:spPr>
+              <c:txPr>
+                <a:bodyPr rot="0" spcFirstLastPara="1" vertOverflow="ellipsis" vert="horz" wrap="square" anchor="ctr" anchorCtr="1"/>
+                <a:lstStyle/>
+                <a:p>
+                  <a:pPr>
+                    <a:defRPr sz="1400" b="0" i="0" u="none" strike="noStrike" kern="1200" baseline="0">
+                      <a:solidFill>
+                        <a:schemeClr val="tx1">
+                          <a:lumMod val="65000"/>
+                          <a:lumOff val="35000"/>
+                        </a:schemeClr>
+                      </a:solidFill>
+                      <a:latin typeface="+mn-lt"/>
+                      <a:ea typeface="+mn-ea"/>
+                      <a:cs typeface="+mn-cs"/>
+                    </a:defRPr>
+                  </a:pPr>
+                  <a:endParaRPr lang="en-US"/>
+                </a:p>
+              </c:txPr>
+            </c:trendlineLbl>
+          </c:trendline>
+          <c:xVal>
+            <c:numRef>
+              <c:f>Analysis!$B$4:$B$38</c:f>
+              <c:numCache>
+                <c:formatCode>General</c:formatCode>
+                <c:ptCount val="35"/>
+                <c:pt idx="0">
+                  <c:v>6</c:v>
+                </c:pt>
+                <c:pt idx="1">
+                  <c:v>7</c:v>
+                </c:pt>
+                <c:pt idx="2">
+                  <c:v>8</c:v>
+                </c:pt>
+                <c:pt idx="3">
+                  <c:v>9</c:v>
+                </c:pt>
+                <c:pt idx="4">
+                  <c:v>10</c:v>
+                </c:pt>
+                <c:pt idx="5">
+                  <c:v>11</c:v>
+                </c:pt>
+                <c:pt idx="6">
+                  <c:v>12</c:v>
+                </c:pt>
+                <c:pt idx="7">
+                  <c:v>13</c:v>
+                </c:pt>
+                <c:pt idx="8">
+                  <c:v>14</c:v>
+                </c:pt>
+                <c:pt idx="9">
+                  <c:v>15</c:v>
+                </c:pt>
+                <c:pt idx="10">
+                  <c:v>16</c:v>
+                </c:pt>
+                <c:pt idx="11">
+                  <c:v>17</c:v>
+                </c:pt>
+                <c:pt idx="12">
+                  <c:v>18</c:v>
+                </c:pt>
+                <c:pt idx="13">
+                  <c:v>19</c:v>
+                </c:pt>
+                <c:pt idx="14">
+                  <c:v>20</c:v>
+                </c:pt>
+                <c:pt idx="15">
+                  <c:v>21</c:v>
+                </c:pt>
+                <c:pt idx="16">
+                  <c:v>22</c:v>
+                </c:pt>
+                <c:pt idx="17">
+                  <c:v>23</c:v>
+                </c:pt>
+                <c:pt idx="18">
+                  <c:v>24</c:v>
+                </c:pt>
+                <c:pt idx="19">
+                  <c:v>25</c:v>
+                </c:pt>
+                <c:pt idx="20">
+                  <c:v>26</c:v>
+                </c:pt>
+                <c:pt idx="21">
+                  <c:v>27</c:v>
+                </c:pt>
+                <c:pt idx="22">
+                  <c:v>28</c:v>
+                </c:pt>
+                <c:pt idx="23">
+                  <c:v>29</c:v>
+                </c:pt>
+                <c:pt idx="24">
+                  <c:v>30</c:v>
+                </c:pt>
+                <c:pt idx="25">
+                  <c:v>31</c:v>
+                </c:pt>
+                <c:pt idx="26">
+                  <c:v>32</c:v>
+                </c:pt>
+                <c:pt idx="27">
+                  <c:v>33</c:v>
+                </c:pt>
+                <c:pt idx="28">
+                  <c:v>34</c:v>
+                </c:pt>
+                <c:pt idx="29">
+                  <c:v>35</c:v>
+                </c:pt>
+                <c:pt idx="30">
+                  <c:v>36</c:v>
+                </c:pt>
+                <c:pt idx="31">
+                  <c:v>37</c:v>
+                </c:pt>
+                <c:pt idx="32">
+                  <c:v>38</c:v>
+                </c:pt>
+                <c:pt idx="33">
+                  <c:v>39</c:v>
+                </c:pt>
+                <c:pt idx="34">
+                  <c:v>40</c:v>
+                </c:pt>
+              </c:numCache>
+            </c:numRef>
+          </c:xVal>
+          <c:yVal>
+            <c:numRef>
+              <c:f>Analysis!$K$4:$K$38</c:f>
+              <c:numCache>
+                <c:formatCode>General</c:formatCode>
+                <c:ptCount val="35"/>
+                <c:pt idx="0">
+                  <c:v>0.58333333333333326</c:v>
+                </c:pt>
+                <c:pt idx="1">
+                  <c:v>0.5</c:v>
+                </c:pt>
+                <c:pt idx="2">
+                  <c:v>0.5</c:v>
+                </c:pt>
+                <c:pt idx="3">
+                  <c:v>0.44444444444444442</c:v>
+                </c:pt>
+                <c:pt idx="4">
+                  <c:v>0.44999999999999996</c:v>
+                </c:pt>
+                <c:pt idx="5">
+                  <c:v>0.40909090909090906</c:v>
+                </c:pt>
+                <c:pt idx="6">
+                  <c:v>0.41666666666666669</c:v>
+                </c:pt>
+                <c:pt idx="7">
+                  <c:v>0.38461538461538458</c:v>
+                </c:pt>
+                <c:pt idx="8">
+                  <c:v>0.39285714285714285</c:v>
+                </c:pt>
+                <c:pt idx="9">
+                  <c:v>0.3666666666666667</c:v>
+                </c:pt>
+                <c:pt idx="10">
+                  <c:v>0.375</c:v>
+                </c:pt>
+                <c:pt idx="11">
+                  <c:v>0.35294117647058826</c:v>
+                </c:pt>
+                <c:pt idx="12">
+                  <c:v>0.3611111111111111</c:v>
+                </c:pt>
+                <c:pt idx="13">
+                  <c:v>0.34210526315789469</c:v>
+                </c:pt>
+                <c:pt idx="14">
+                  <c:v>0.35000000000000003</c:v>
+                </c:pt>
+                <c:pt idx="15">
+                  <c:v>0.33333333333333337</c:v>
+                </c:pt>
+                <c:pt idx="16">
+                  <c:v>0.34090909090909088</c:v>
+                </c:pt>
+                <c:pt idx="17">
+                  <c:v>0.32608695652173914</c:v>
+                </c:pt>
+                <c:pt idx="18">
+                  <c:v>0.33333333333333331</c:v>
+                </c:pt>
+                <c:pt idx="19">
+                  <c:v>0.32</c:v>
+                </c:pt>
+                <c:pt idx="20">
+                  <c:v>0.32692307692307693</c:v>
+                </c:pt>
+                <c:pt idx="21">
+                  <c:v>0.31481481481481477</c:v>
+                </c:pt>
+                <c:pt idx="22">
+                  <c:v>0.3214285714285714</c:v>
+                </c:pt>
+                <c:pt idx="23">
+                  <c:v>0.31034482758620691</c:v>
+                </c:pt>
+                <c:pt idx="24">
+                  <c:v>0.31666666666666665</c:v>
+                </c:pt>
+                <c:pt idx="25">
+                  <c:v>0.30645161290322581</c:v>
+                </c:pt>
+                <c:pt idx="26">
+                  <c:v>0.3125</c:v>
+                </c:pt>
+                <c:pt idx="27">
+                  <c:v>0.30303030303030304</c:v>
+                </c:pt>
+                <c:pt idx="28">
+                  <c:v>0.30882352941176472</c:v>
+                </c:pt>
+                <c:pt idx="29">
+                  <c:v>0.3</c:v>
+                </c:pt>
+                <c:pt idx="30">
+                  <c:v>0.30555555555555558</c:v>
+                </c:pt>
+                <c:pt idx="31">
+                  <c:v>0.29729729729729726</c:v>
+                </c:pt>
+                <c:pt idx="32">
+                  <c:v>0.30263157894736842</c:v>
+                </c:pt>
+                <c:pt idx="33">
+                  <c:v>0.29487179487179482</c:v>
+                </c:pt>
+                <c:pt idx="34">
+                  <c:v>0.3</c:v>
+                </c:pt>
+              </c:numCache>
+            </c:numRef>
+          </c:yVal>
+          <c:smooth val="0"/>
+          <c:extLst>
+            <c:ext xmlns:c16="http://schemas.microsoft.com/office/drawing/2014/chart" uri="{C3380CC4-5D6E-409C-BE32-E72D297353CC}">
+              <c16:uniqueId val="{00000001-091B-45F6-B5AB-959F0622C8DF}"/>
+            </c:ext>
+          </c:extLst>
+        </c:ser>
+        <c:ser>
+          <c:idx val="1"/>
+          <c:order val="1"/>
+          <c:tx>
+            <c:v>Max CH3</c:v>
+          </c:tx>
+          <c:spPr>
+            <a:ln w="19050" cap="rnd">
+              <a:solidFill>
+                <a:srgbClr val="FF0000"/>
+              </a:solidFill>
+              <a:round/>
+            </a:ln>
+            <a:effectLst/>
+          </c:spPr>
+          <c:marker>
+            <c:symbol val="none"/>
+          </c:marker>
+          <c:xVal>
+            <c:numRef>
+              <c:f>Analysis!$B$4:$B$38</c:f>
+              <c:numCache>
+                <c:formatCode>General</c:formatCode>
+                <c:ptCount val="35"/>
+                <c:pt idx="0">
+                  <c:v>6</c:v>
+                </c:pt>
+                <c:pt idx="1">
+                  <c:v>7</c:v>
+                </c:pt>
+                <c:pt idx="2">
+                  <c:v>8</c:v>
+                </c:pt>
+                <c:pt idx="3">
+                  <c:v>9</c:v>
+                </c:pt>
+                <c:pt idx="4">
+                  <c:v>10</c:v>
+                </c:pt>
+                <c:pt idx="5">
+                  <c:v>11</c:v>
+                </c:pt>
+                <c:pt idx="6">
+                  <c:v>12</c:v>
+                </c:pt>
+                <c:pt idx="7">
+                  <c:v>13</c:v>
+                </c:pt>
+                <c:pt idx="8">
+                  <c:v>14</c:v>
+                </c:pt>
+                <c:pt idx="9">
+                  <c:v>15</c:v>
+                </c:pt>
+                <c:pt idx="10">
+                  <c:v>16</c:v>
+                </c:pt>
+                <c:pt idx="11">
+                  <c:v>17</c:v>
+                </c:pt>
+                <c:pt idx="12">
+                  <c:v>18</c:v>
+                </c:pt>
+                <c:pt idx="13">
+                  <c:v>19</c:v>
+                </c:pt>
+                <c:pt idx="14">
+                  <c:v>20</c:v>
+                </c:pt>
+                <c:pt idx="15">
+                  <c:v>21</c:v>
+                </c:pt>
+                <c:pt idx="16">
+                  <c:v>22</c:v>
+                </c:pt>
+                <c:pt idx="17">
+                  <c:v>23</c:v>
+                </c:pt>
+                <c:pt idx="18">
+                  <c:v>24</c:v>
+                </c:pt>
+                <c:pt idx="19">
+                  <c:v>25</c:v>
+                </c:pt>
+                <c:pt idx="20">
+                  <c:v>26</c:v>
+                </c:pt>
+                <c:pt idx="21">
+                  <c:v>27</c:v>
+                </c:pt>
+                <c:pt idx="22">
+                  <c:v>28</c:v>
+                </c:pt>
+                <c:pt idx="23">
+                  <c:v>29</c:v>
+                </c:pt>
+                <c:pt idx="24">
+                  <c:v>30</c:v>
+                </c:pt>
+                <c:pt idx="25">
+                  <c:v>31</c:v>
+                </c:pt>
+                <c:pt idx="26">
+                  <c:v>32</c:v>
+                </c:pt>
+                <c:pt idx="27">
+                  <c:v>33</c:v>
+                </c:pt>
+                <c:pt idx="28">
+                  <c:v>34</c:v>
+                </c:pt>
+                <c:pt idx="29">
+                  <c:v>35</c:v>
+                </c:pt>
+                <c:pt idx="30">
+                  <c:v>36</c:v>
+                </c:pt>
+                <c:pt idx="31">
+                  <c:v>37</c:v>
+                </c:pt>
+                <c:pt idx="32">
+                  <c:v>38</c:v>
+                </c:pt>
+                <c:pt idx="33">
+                  <c:v>39</c:v>
+                </c:pt>
+                <c:pt idx="34">
+                  <c:v>40</c:v>
+                </c:pt>
+              </c:numCache>
+            </c:numRef>
+          </c:xVal>
+          <c:yVal>
+            <c:numRef>
+              <c:f>Analysis!$I$4:$I$38</c:f>
+              <c:numCache>
+                <c:formatCode>General</c:formatCode>
+                <c:ptCount val="35"/>
+                <c:pt idx="0">
+                  <c:v>0.66666666666666663</c:v>
+                </c:pt>
+                <c:pt idx="1">
+                  <c:v>0.5714285714285714</c:v>
+                </c:pt>
+                <c:pt idx="2">
+                  <c:v>0.625</c:v>
+                </c:pt>
+                <c:pt idx="3">
+                  <c:v>0.55555555555555558</c:v>
+                </c:pt>
+                <c:pt idx="4">
+                  <c:v>0.6</c:v>
+                </c:pt>
+                <c:pt idx="5">
+                  <c:v>0.54545454545454541</c:v>
+                </c:pt>
+                <c:pt idx="6">
+                  <c:v>0.58333333333333337</c:v>
+                </c:pt>
+                <c:pt idx="7">
+                  <c:v>0.53846153846153844</c:v>
+                </c:pt>
+                <c:pt idx="8">
+                  <c:v>0.5714285714285714</c:v>
+                </c:pt>
+                <c:pt idx="9">
+                  <c:v>0.53333333333333333</c:v>
+                </c:pt>
+                <c:pt idx="10">
+                  <c:v>0.5625</c:v>
+                </c:pt>
+                <c:pt idx="11">
+                  <c:v>0.52941176470588236</c:v>
+                </c:pt>
+                <c:pt idx="12">
+                  <c:v>0.55555555555555558</c:v>
+                </c:pt>
+                <c:pt idx="13">
+                  <c:v>0.52631578947368418</c:v>
+                </c:pt>
+                <c:pt idx="14">
+                  <c:v>0.55000000000000004</c:v>
+                </c:pt>
+                <c:pt idx="15">
+                  <c:v>0.52380952380952384</c:v>
+                </c:pt>
+                <c:pt idx="16">
+                  <c:v>0.54545454545454541</c:v>
+                </c:pt>
+                <c:pt idx="17">
+                  <c:v>0.52173913043478259</c:v>
+                </c:pt>
+                <c:pt idx="18">
+                  <c:v>0.54166666666666663</c:v>
+                </c:pt>
+                <c:pt idx="19">
+                  <c:v>0.52</c:v>
+                </c:pt>
+                <c:pt idx="20">
+                  <c:v>0.53846153846153844</c:v>
+                </c:pt>
+                <c:pt idx="21">
+                  <c:v>0.51851851851851849</c:v>
+                </c:pt>
+                <c:pt idx="22">
+                  <c:v>0.5357142857142857</c:v>
+                </c:pt>
+                <c:pt idx="23">
+                  <c:v>0.51724137931034486</c:v>
+                </c:pt>
+                <c:pt idx="24">
+                  <c:v>0.53333333333333333</c:v>
+                </c:pt>
+                <c:pt idx="25">
+                  <c:v>0.5161290322580645</c:v>
+                </c:pt>
+                <c:pt idx="26">
+                  <c:v>0.53125</c:v>
+                </c:pt>
+                <c:pt idx="27">
+                  <c:v>0.51515151515151514</c:v>
+                </c:pt>
+                <c:pt idx="28">
+                  <c:v>0.52941176470588236</c:v>
+                </c:pt>
+                <c:pt idx="29">
+                  <c:v>0.51428571428571423</c:v>
+                </c:pt>
+                <c:pt idx="30">
+                  <c:v>0.52777777777777779</c:v>
+                </c:pt>
+                <c:pt idx="31">
+                  <c:v>0.51351351351351349</c:v>
+                </c:pt>
+                <c:pt idx="32">
+                  <c:v>0.52631578947368418</c:v>
+                </c:pt>
+                <c:pt idx="33">
+                  <c:v>0.51282051282051277</c:v>
+                </c:pt>
+                <c:pt idx="34">
+                  <c:v>0.52500000000000002</c:v>
+                </c:pt>
+              </c:numCache>
+            </c:numRef>
+          </c:yVal>
+          <c:smooth val="0"/>
+          <c:extLst>
+            <c:ext xmlns:c16="http://schemas.microsoft.com/office/drawing/2014/chart" uri="{C3380CC4-5D6E-409C-BE32-E72D297353CC}">
+              <c16:uniqueId val="{00000002-091B-45F6-B5AB-959F0622C8DF}"/>
+            </c:ext>
+          </c:extLst>
+        </c:ser>
+        <c:ser>
+          <c:idx val="2"/>
+          <c:order val="2"/>
+          <c:tx>
+            <c:v>Min CH3</c:v>
+          </c:tx>
+          <c:spPr>
+            <a:ln w="19050" cap="rnd">
+              <a:solidFill>
+                <a:schemeClr val="bg1">
+                  <a:lumMod val="50000"/>
+                </a:schemeClr>
+              </a:solidFill>
+              <a:round/>
+            </a:ln>
+            <a:effectLst/>
+          </c:spPr>
+          <c:marker>
+            <c:symbol val="none"/>
+          </c:marker>
+          <c:xVal>
+            <c:numRef>
+              <c:f>Analysis!$B$4:$B$38</c:f>
+              <c:numCache>
+                <c:formatCode>General</c:formatCode>
+                <c:ptCount val="35"/>
+                <c:pt idx="0">
+                  <c:v>6</c:v>
+                </c:pt>
+                <c:pt idx="1">
+                  <c:v>7</c:v>
+                </c:pt>
+                <c:pt idx="2">
+                  <c:v>8</c:v>
+                </c:pt>
+                <c:pt idx="3">
+                  <c:v>9</c:v>
+                </c:pt>
+                <c:pt idx="4">
+                  <c:v>10</c:v>
+                </c:pt>
+                <c:pt idx="5">
+                  <c:v>11</c:v>
+                </c:pt>
+                <c:pt idx="6">
+                  <c:v>12</c:v>
+                </c:pt>
+                <c:pt idx="7">
+                  <c:v>13</c:v>
+                </c:pt>
+                <c:pt idx="8">
+                  <c:v>14</c:v>
+                </c:pt>
+                <c:pt idx="9">
+                  <c:v>15</c:v>
+                </c:pt>
+                <c:pt idx="10">
+                  <c:v>16</c:v>
+                </c:pt>
+                <c:pt idx="11">
+                  <c:v>17</c:v>
+                </c:pt>
+                <c:pt idx="12">
+                  <c:v>18</c:v>
+                </c:pt>
+                <c:pt idx="13">
+                  <c:v>19</c:v>
+                </c:pt>
+                <c:pt idx="14">
+                  <c:v>20</c:v>
+                </c:pt>
+                <c:pt idx="15">
+                  <c:v>21</c:v>
+                </c:pt>
+                <c:pt idx="16">
+                  <c:v>22</c:v>
+                </c:pt>
+                <c:pt idx="17">
+                  <c:v>23</c:v>
+                </c:pt>
+                <c:pt idx="18">
+                  <c:v>24</c:v>
+                </c:pt>
+                <c:pt idx="19">
+                  <c:v>25</c:v>
+                </c:pt>
+                <c:pt idx="20">
+                  <c:v>26</c:v>
+                </c:pt>
+                <c:pt idx="21">
+                  <c:v>27</c:v>
+                </c:pt>
+                <c:pt idx="22">
+                  <c:v>28</c:v>
+                </c:pt>
+                <c:pt idx="23">
+                  <c:v>29</c:v>
+                </c:pt>
+                <c:pt idx="24">
+                  <c:v>30</c:v>
+                </c:pt>
+                <c:pt idx="25">
+                  <c:v>31</c:v>
+                </c:pt>
+                <c:pt idx="26">
+                  <c:v>32</c:v>
+                </c:pt>
+                <c:pt idx="27">
+                  <c:v>33</c:v>
+                </c:pt>
+                <c:pt idx="28">
+                  <c:v>34</c:v>
+                </c:pt>
+                <c:pt idx="29">
+                  <c:v>35</c:v>
+                </c:pt>
+                <c:pt idx="30">
+                  <c:v>36</c:v>
+                </c:pt>
+                <c:pt idx="31">
+                  <c:v>37</c:v>
+                </c:pt>
+                <c:pt idx="32">
+                  <c:v>38</c:v>
+                </c:pt>
+                <c:pt idx="33">
+                  <c:v>39</c:v>
+                </c:pt>
+                <c:pt idx="34">
+                  <c:v>40</c:v>
+                </c:pt>
+              </c:numCache>
+            </c:numRef>
+          </c:xVal>
+          <c:yVal>
+            <c:numRef>
+              <c:f>Analysis!$J$4:$J$38</c:f>
+              <c:numCache>
+                <c:formatCode>General</c:formatCode>
+                <c:ptCount val="35"/>
+                <c:pt idx="0">
+                  <c:v>0.5</c:v>
+                </c:pt>
+                <c:pt idx="1">
+                  <c:v>0.42857142857142855</c:v>
+                </c:pt>
+                <c:pt idx="2">
+                  <c:v>0.375</c:v>
+                </c:pt>
+                <c:pt idx="3">
+                  <c:v>0.33333333333333331</c:v>
+                </c:pt>
+                <c:pt idx="4">
+                  <c:v>0.3</c:v>
+                </c:pt>
+                <c:pt idx="5">
+                  <c:v>0.27272727272727271</c:v>
+                </c:pt>
+                <c:pt idx="6">
+                  <c:v>0.25</c:v>
+                </c:pt>
+                <c:pt idx="7">
+                  <c:v>0.23076923076923078</c:v>
+                </c:pt>
+                <c:pt idx="8">
+                  <c:v>0.21428571428571427</c:v>
+                </c:pt>
+                <c:pt idx="9">
+                  <c:v>0.2</c:v>
+                </c:pt>
+                <c:pt idx="10">
+                  <c:v>0.1875</c:v>
+                </c:pt>
+                <c:pt idx="11">
+                  <c:v>0.17647058823529413</c:v>
+                </c:pt>
+                <c:pt idx="12">
+                  <c:v>0.16666666666666666</c:v>
+                </c:pt>
+                <c:pt idx="13">
+                  <c:v>0.15789473684210525</c:v>
+                </c:pt>
+                <c:pt idx="14">
+                  <c:v>0.15</c:v>
+                </c:pt>
+                <c:pt idx="15">
+                  <c:v>0.14285714285714285</c:v>
+                </c:pt>
+                <c:pt idx="16">
+                  <c:v>0.13636363636363635</c:v>
+                </c:pt>
+                <c:pt idx="17">
+                  <c:v>0.13043478260869565</c:v>
+                </c:pt>
+                <c:pt idx="18">
+                  <c:v>0.125</c:v>
+                </c:pt>
+                <c:pt idx="19">
+                  <c:v>0.12</c:v>
+                </c:pt>
+                <c:pt idx="20">
+                  <c:v>0.11538461538461539</c:v>
+                </c:pt>
+                <c:pt idx="21">
+                  <c:v>0.1111111111111111</c:v>
+                </c:pt>
+                <c:pt idx="22">
+                  <c:v>0.10714285714285714</c:v>
+                </c:pt>
+                <c:pt idx="23">
+                  <c:v>0.10344827586206896</c:v>
+                </c:pt>
+                <c:pt idx="24">
+                  <c:v>0.1</c:v>
+                </c:pt>
+                <c:pt idx="25">
+                  <c:v>9.6774193548387094E-2</c:v>
+                </c:pt>
+                <c:pt idx="26">
+                  <c:v>9.375E-2</c:v>
+                </c:pt>
+                <c:pt idx="27">
+                  <c:v>9.0909090909090912E-2</c:v>
+                </c:pt>
+                <c:pt idx="28">
+                  <c:v>8.8235294117647065E-2</c:v>
+                </c:pt>
+                <c:pt idx="29">
+                  <c:v>8.5714285714285715E-2</c:v>
+                </c:pt>
+                <c:pt idx="30">
+                  <c:v>8.3333333333333329E-2</c:v>
+                </c:pt>
+                <c:pt idx="31">
+                  <c:v>8.1081081081081086E-2</c:v>
+                </c:pt>
+                <c:pt idx="32">
+                  <c:v>7.8947368421052627E-2</c:v>
+                </c:pt>
+                <c:pt idx="33">
+                  <c:v>7.6923076923076927E-2</c:v>
+                </c:pt>
+                <c:pt idx="34">
+                  <c:v>7.4999999999999997E-2</c:v>
+                </c:pt>
+              </c:numCache>
+            </c:numRef>
+          </c:yVal>
+          <c:smooth val="0"/>
+          <c:extLst>
+            <c:ext xmlns:c16="http://schemas.microsoft.com/office/drawing/2014/chart" uri="{C3380CC4-5D6E-409C-BE32-E72D297353CC}">
+              <c16:uniqueId val="{00000003-091B-45F6-B5AB-959F0622C8DF}"/>
+            </c:ext>
+          </c:extLst>
+        </c:ser>
+        <c:dLbls>
+          <c:showLegendKey val="0"/>
+          <c:showVal val="0"/>
+          <c:showCatName val="0"/>
+          <c:showSerName val="0"/>
+          <c:showPercent val="0"/>
+          <c:showBubbleSize val="0"/>
+        </c:dLbls>
+        <c:axId val="798619664"/>
+        <c:axId val="798616784"/>
+      </c:scatterChart>
+      <c:valAx>
+        <c:axId val="798619664"/>
+        <c:scaling>
+          <c:orientation val="minMax"/>
+          <c:max val="40"/>
+          <c:min val="6"/>
+        </c:scaling>
+        <c:delete val="0"/>
+        <c:axPos val="b"/>
+        <c:majorGridlines>
+          <c:spPr>
+            <a:ln w="9525" cap="flat" cmpd="sng" algn="ctr">
+              <a:solidFill>
+                <a:schemeClr val="tx1">
+                  <a:lumMod val="15000"/>
+                  <a:lumOff val="85000"/>
+                </a:schemeClr>
+              </a:solidFill>
+              <a:round/>
+            </a:ln>
+            <a:effectLst/>
+          </c:spPr>
+        </c:majorGridlines>
+        <c:numFmt formatCode="General" sourceLinked="1"/>
+        <c:majorTickMark val="none"/>
+        <c:minorTickMark val="none"/>
+        <c:tickLblPos val="nextTo"/>
+        <c:spPr>
+          <a:noFill/>
+          <a:ln w="9525" cap="flat" cmpd="sng" algn="ctr">
+            <a:solidFill>
+              <a:schemeClr val="tx1">
+                <a:lumMod val="25000"/>
+                <a:lumOff val="75000"/>
+              </a:schemeClr>
+            </a:solidFill>
+            <a:round/>
+          </a:ln>
+          <a:effectLst/>
+        </c:spPr>
+        <c:txPr>
+          <a:bodyPr rot="-60000000" spcFirstLastPara="1" vertOverflow="ellipsis" vert="horz" wrap="square" anchor="ctr" anchorCtr="1"/>
+          <a:lstStyle/>
+          <a:p>
+            <a:pPr>
+              <a:defRPr sz="1400" b="0" i="0" u="none" strike="noStrike" kern="1200" baseline="0">
+                <a:solidFill>
+                  <a:schemeClr val="tx1">
+                    <a:lumMod val="65000"/>
+                    <a:lumOff val="35000"/>
+                  </a:schemeClr>
+                </a:solidFill>
+                <a:latin typeface="+mn-lt"/>
+                <a:ea typeface="+mn-ea"/>
+                <a:cs typeface="+mn-cs"/>
+              </a:defRPr>
+            </a:pPr>
+            <a:endParaRPr lang="en-US"/>
+          </a:p>
+        </c:txPr>
+        <c:crossAx val="798616784"/>
+        <c:crosses val="autoZero"/>
+        <c:crossBetween val="midCat"/>
+        <c:majorUnit val="10"/>
+      </c:valAx>
+      <c:valAx>
+        <c:axId val="798616784"/>
+        <c:scaling>
+          <c:orientation val="minMax"/>
+        </c:scaling>
+        <c:delete val="0"/>
+        <c:axPos val="l"/>
+        <c:majorGridlines>
+          <c:spPr>
+            <a:ln w="9525" cap="flat" cmpd="sng" algn="ctr">
+              <a:solidFill>
+                <a:schemeClr val="tx1">
+                  <a:lumMod val="15000"/>
+                  <a:lumOff val="85000"/>
+                </a:schemeClr>
+              </a:solidFill>
+              <a:round/>
+            </a:ln>
+            <a:effectLst/>
+          </c:spPr>
+        </c:majorGridlines>
+        <c:numFmt formatCode="General" sourceLinked="1"/>
+        <c:majorTickMark val="none"/>
+        <c:minorTickMark val="none"/>
+        <c:tickLblPos val="nextTo"/>
+        <c:spPr>
+          <a:noFill/>
+          <a:ln w="9525" cap="flat" cmpd="sng" algn="ctr">
+            <a:solidFill>
+              <a:schemeClr val="tx1">
+                <a:lumMod val="25000"/>
+                <a:lumOff val="75000"/>
+              </a:schemeClr>
+            </a:solidFill>
+            <a:round/>
+          </a:ln>
+          <a:effectLst/>
+        </c:spPr>
+        <c:txPr>
+          <a:bodyPr rot="-60000000" spcFirstLastPara="1" vertOverflow="ellipsis" vert="horz" wrap="square" anchor="ctr" anchorCtr="1"/>
+          <a:lstStyle/>
+          <a:p>
+            <a:pPr>
+              <a:defRPr sz="1400" b="0" i="0" u="none" strike="noStrike" kern="1200" baseline="0">
+                <a:solidFill>
+                  <a:schemeClr val="tx1">
+                    <a:lumMod val="65000"/>
+                    <a:lumOff val="35000"/>
+                  </a:schemeClr>
+                </a:solidFill>
+                <a:latin typeface="+mn-lt"/>
+                <a:ea typeface="+mn-ea"/>
+                <a:cs typeface="+mn-cs"/>
+              </a:defRPr>
+            </a:pPr>
+            <a:endParaRPr lang="en-US"/>
+          </a:p>
+        </c:txPr>
+        <c:crossAx val="798619664"/>
+        <c:crosses val="autoZero"/>
+        <c:crossBetween val="midCat"/>
+      </c:valAx>
+      <c:spPr>
+        <a:noFill/>
+        <a:ln>
+          <a:noFill/>
+        </a:ln>
+        <a:effectLst/>
+      </c:spPr>
+    </c:plotArea>
+    <c:plotVisOnly val="1"/>
+    <c:dispBlanksAs val="gap"/>
+    <c:extLst>
+      <c:ext xmlns:c16r3="http://schemas.microsoft.com/office/drawing/2017/03/chart" uri="{56B9EC1D-385E-4148-901F-78D8002777C0}">
+        <c16r3:dataDisplayOptions16>
+          <c16r3:dispNaAsBlank val="1"/>
+        </c16r3:dataDisplayOptions16>
+      </c:ext>
+    </c:extLst>
+    <c:showDLblsOverMax val="0"/>
+  </c:chart>
+  <c:spPr>
+    <a:noFill/>
+    <a:ln>
+      <a:noFill/>
+    </a:ln>
+    <a:effectLst/>
+  </c:spPr>
+  <c:txPr>
+    <a:bodyPr/>
+    <a:lstStyle/>
+    <a:p>
+      <a:pPr>
+        <a:defRPr sz="1400"/>
+      </a:pPr>
+      <a:endParaRPr lang="en-US"/>
+    </a:p>
+  </c:txPr>
+  <c:externalData r:id="rId3">
+    <c:autoUpdate val="0"/>
+  </c:externalData>
+</c:chartSpace>
+</file>
+
+<file path=ppt/charts/chart19.xml><?xml version="1.0" encoding="utf-8"?>
+<c:chartSpace xmlns:c="http://schemas.openxmlformats.org/drawingml/2006/chart" xmlns:a="http://schemas.openxmlformats.org/drawingml/2006/main" xmlns:r="http://schemas.openxmlformats.org/officeDocument/2006/relationships" xmlns:c16r2="http://schemas.microsoft.com/office/drawing/2015/06/chart">
+  <c:date1904 val="0"/>
+  <c:lang val="en-GB"/>
+  <c:roundedCorners val="0"/>
+  <mc:AlternateContent xmlns:mc="http://schemas.openxmlformats.org/markup-compatibility/2006">
+    <mc:Choice xmlns:c14="http://schemas.microsoft.com/office/drawing/2007/8/2/chart" Requires="c14">
+      <c14:style val="102"/>
+    </mc:Choice>
+    <mc:Fallback>
+      <c:style val="2"/>
+    </mc:Fallback>
+  </mc:AlternateContent>
+  <c:chart>
+    <c:title>
+      <c:tx>
+        <c:rich>
+          <a:bodyPr rot="0" spcFirstLastPara="1" vertOverflow="ellipsis" vert="horz" wrap="square" anchor="ctr" anchorCtr="1"/>
+          <a:lstStyle/>
+          <a:p>
+            <a:pPr>
+              <a:defRPr sz="1680" b="0" i="0" u="none" strike="noStrike" kern="1200" spc="0" baseline="0">
+                <a:solidFill>
+                  <a:schemeClr val="tx1">
+                    <a:lumMod val="65000"/>
+                    <a:lumOff val="35000"/>
+                  </a:schemeClr>
+                </a:solidFill>
+                <a:latin typeface="+mn-lt"/>
+                <a:ea typeface="+mn-ea"/>
+                <a:cs typeface="+mn-cs"/>
+              </a:defRPr>
+            </a:pPr>
+            <a:r>
+              <a:rPr lang="en-AU"/>
+              <a:t>Branched CH vs PCN</a:t>
+            </a:r>
+          </a:p>
+        </c:rich>
+      </c:tx>
+      <c:overlay val="0"/>
+      <c:spPr>
+        <a:noFill/>
+        <a:ln>
+          <a:noFill/>
+        </a:ln>
+        <a:effectLst/>
+      </c:spPr>
+      <c:txPr>
+        <a:bodyPr rot="0" spcFirstLastPara="1" vertOverflow="ellipsis" vert="horz" wrap="square" anchor="ctr" anchorCtr="1"/>
+        <a:lstStyle/>
+        <a:p>
+          <a:pPr>
+            <a:defRPr sz="1680" b="0" i="0" u="none" strike="noStrike" kern="1200" spc="0" baseline="0">
+              <a:solidFill>
+                <a:schemeClr val="tx1">
+                  <a:lumMod val="65000"/>
+                  <a:lumOff val="35000"/>
+                </a:schemeClr>
+              </a:solidFill>
+              <a:latin typeface="+mn-lt"/>
+              <a:ea typeface="+mn-ea"/>
+              <a:cs typeface="+mn-cs"/>
+            </a:defRPr>
+          </a:pPr>
+          <a:endParaRPr lang="en-US"/>
+        </a:p>
+      </c:txPr>
+    </c:title>
+    <c:autoTitleDeleted val="0"/>
+    <c:plotArea>
+      <c:layout/>
+      <c:scatterChart>
+        <c:scatterStyle val="lineMarker"/>
+        <c:varyColors val="0"/>
+        <c:ser>
+          <c:idx val="0"/>
+          <c:order val="0"/>
+          <c:spPr>
+            <a:ln w="19050" cap="rnd">
+              <a:noFill/>
+              <a:round/>
+            </a:ln>
+            <a:effectLst/>
+          </c:spPr>
+          <c:marker>
+            <c:symbol val="circle"/>
+            <c:size val="7"/>
+            <c:spPr>
+              <a:solidFill>
+                <a:schemeClr val="bg1"/>
+              </a:solidFill>
+              <a:ln w="9525">
+                <a:solidFill>
+                  <a:schemeClr val="bg1">
+                    <a:lumMod val="50000"/>
+                  </a:schemeClr>
+                </a:solidFill>
+              </a:ln>
+              <a:effectLst/>
+            </c:spPr>
+          </c:marker>
+          <c:trendline>
+            <c:spPr>
+              <a:ln w="31750" cap="rnd">
+                <a:solidFill>
+                  <a:schemeClr val="tx1"/>
+                </a:solidFill>
+                <a:prstDash val="dash"/>
+              </a:ln>
+              <a:effectLst/>
+            </c:spPr>
+            <c:trendlineType val="log"/>
+            <c:dispRSqr val="0"/>
+            <c:dispEq val="1"/>
+            <c:trendlineLbl>
+              <c:layout>
+                <c:manualLayout>
+                  <c:x val="-3.2222222222222222E-3"/>
+                  <c:y val="0.29125000000000001"/>
+                </c:manualLayout>
+              </c:layout>
+              <c:numFmt formatCode="#,##0.00000" sourceLinked="0"/>
+              <c:spPr>
+                <a:solidFill>
+                  <a:sysClr val="window" lastClr="FFFFFF"/>
+                </a:solidFill>
+                <a:ln>
+                  <a:noFill/>
+                </a:ln>
+                <a:effectLst/>
+              </c:spPr>
+              <c:txPr>
+                <a:bodyPr rot="0" spcFirstLastPara="1" vertOverflow="ellipsis" vert="horz" wrap="square" anchor="ctr" anchorCtr="1"/>
+                <a:lstStyle/>
+                <a:p>
+                  <a:pPr>
+                    <a:defRPr sz="1400" b="0" i="0" u="none" strike="noStrike" kern="1200" baseline="0">
+                      <a:solidFill>
+                        <a:schemeClr val="tx1">
+                          <a:lumMod val="65000"/>
+                          <a:lumOff val="35000"/>
+                        </a:schemeClr>
+                      </a:solidFill>
+                      <a:latin typeface="+mn-lt"/>
+                      <a:ea typeface="+mn-ea"/>
+                      <a:cs typeface="+mn-cs"/>
+                    </a:defRPr>
+                  </a:pPr>
+                  <a:endParaRPr lang="en-US"/>
+                </a:p>
+              </c:txPr>
+            </c:trendlineLbl>
+          </c:trendline>
+          <c:xVal>
+            <c:numRef>
+              <c:f>Analysis!$B$4:$B$38</c:f>
+              <c:numCache>
+                <c:formatCode>General</c:formatCode>
+                <c:ptCount val="35"/>
+                <c:pt idx="0">
+                  <c:v>6</c:v>
+                </c:pt>
+                <c:pt idx="1">
+                  <c:v>7</c:v>
+                </c:pt>
+                <c:pt idx="2">
+                  <c:v>8</c:v>
+                </c:pt>
+                <c:pt idx="3">
+                  <c:v>9</c:v>
+                </c:pt>
+                <c:pt idx="4">
+                  <c:v>10</c:v>
+                </c:pt>
+                <c:pt idx="5">
+                  <c:v>11</c:v>
+                </c:pt>
+                <c:pt idx="6">
+                  <c:v>12</c:v>
+                </c:pt>
+                <c:pt idx="7">
+                  <c:v>13</c:v>
+                </c:pt>
+                <c:pt idx="8">
+                  <c:v>14</c:v>
+                </c:pt>
+                <c:pt idx="9">
+                  <c:v>15</c:v>
+                </c:pt>
+                <c:pt idx="10">
+                  <c:v>16</c:v>
+                </c:pt>
+                <c:pt idx="11">
+                  <c:v>17</c:v>
+                </c:pt>
+                <c:pt idx="12">
+                  <c:v>18</c:v>
+                </c:pt>
+                <c:pt idx="13">
+                  <c:v>19</c:v>
+                </c:pt>
+                <c:pt idx="14">
+                  <c:v>20</c:v>
+                </c:pt>
+                <c:pt idx="15">
+                  <c:v>21</c:v>
+                </c:pt>
+                <c:pt idx="16">
+                  <c:v>22</c:v>
+                </c:pt>
+                <c:pt idx="17">
+                  <c:v>23</c:v>
+                </c:pt>
+                <c:pt idx="18">
+                  <c:v>24</c:v>
+                </c:pt>
+                <c:pt idx="19">
+                  <c:v>25</c:v>
+                </c:pt>
+                <c:pt idx="20">
+                  <c:v>26</c:v>
+                </c:pt>
+                <c:pt idx="21">
+                  <c:v>27</c:v>
+                </c:pt>
+                <c:pt idx="22">
+                  <c:v>28</c:v>
+                </c:pt>
+                <c:pt idx="23">
+                  <c:v>29</c:v>
+                </c:pt>
+                <c:pt idx="24">
+                  <c:v>30</c:v>
+                </c:pt>
+                <c:pt idx="25">
+                  <c:v>31</c:v>
+                </c:pt>
+                <c:pt idx="26">
+                  <c:v>32</c:v>
+                </c:pt>
+                <c:pt idx="27">
+                  <c:v>33</c:v>
+                </c:pt>
+                <c:pt idx="28">
+                  <c:v>34</c:v>
+                </c:pt>
+                <c:pt idx="29">
+                  <c:v>35</c:v>
+                </c:pt>
+                <c:pt idx="30">
+                  <c:v>36</c:v>
+                </c:pt>
+                <c:pt idx="31">
+                  <c:v>37</c:v>
+                </c:pt>
+                <c:pt idx="32">
+                  <c:v>38</c:v>
+                </c:pt>
+                <c:pt idx="33">
+                  <c:v>39</c:v>
+                </c:pt>
+                <c:pt idx="34">
+                  <c:v>40</c:v>
+                </c:pt>
+              </c:numCache>
+            </c:numRef>
+          </c:xVal>
+          <c:yVal>
+            <c:numRef>
+              <c:f>Analysis!$M$4:$M$38</c:f>
+              <c:numCache>
+                <c:formatCode>General</c:formatCode>
+                <c:ptCount val="35"/>
+                <c:pt idx="0">
+                  <c:v>0.16666666666666666</c:v>
+                </c:pt>
+                <c:pt idx="1">
+                  <c:v>0.14285714285714285</c:v>
+                </c:pt>
+                <c:pt idx="2">
+                  <c:v>0.125</c:v>
+                </c:pt>
+                <c:pt idx="3">
+                  <c:v>0.1111111111111111</c:v>
+                </c:pt>
+                <c:pt idx="4">
+                  <c:v>0.2</c:v>
+                </c:pt>
+                <c:pt idx="5">
+                  <c:v>0.18181818181818182</c:v>
+                </c:pt>
+                <c:pt idx="6">
+                  <c:v>0.16666666666666666</c:v>
+                </c:pt>
+                <c:pt idx="7">
+                  <c:v>0.15384615384615385</c:v>
+                </c:pt>
+                <c:pt idx="8">
+                  <c:v>0.21428571428571427</c:v>
+                </c:pt>
+                <c:pt idx="9">
+                  <c:v>0.2</c:v>
+                </c:pt>
+                <c:pt idx="10">
+                  <c:v>0.1875</c:v>
+                </c:pt>
+                <c:pt idx="11">
+                  <c:v>0.17647058823529413</c:v>
+                </c:pt>
+                <c:pt idx="12">
+                  <c:v>0.22222222222222221</c:v>
+                </c:pt>
+                <c:pt idx="13">
+                  <c:v>0.21052631578947367</c:v>
+                </c:pt>
+                <c:pt idx="14">
+                  <c:v>0.2</c:v>
+                </c:pt>
+                <c:pt idx="15">
+                  <c:v>0.19047619047619047</c:v>
+                </c:pt>
+                <c:pt idx="16">
+                  <c:v>0.22727272727272727</c:v>
+                </c:pt>
+                <c:pt idx="17">
+                  <c:v>0.21739130434782608</c:v>
+                </c:pt>
+                <c:pt idx="18">
+                  <c:v>0.20833333333333334</c:v>
+                </c:pt>
+                <c:pt idx="19">
+                  <c:v>0.2</c:v>
+                </c:pt>
+                <c:pt idx="20">
+                  <c:v>0.23076923076923078</c:v>
+                </c:pt>
+                <c:pt idx="21">
+                  <c:v>0.22222222222222221</c:v>
+                </c:pt>
+                <c:pt idx="22">
+                  <c:v>0.21428571428571427</c:v>
+                </c:pt>
+                <c:pt idx="23">
+                  <c:v>0.20689655172413793</c:v>
+                </c:pt>
+                <c:pt idx="24">
+                  <c:v>0.23333333333333334</c:v>
+                </c:pt>
+                <c:pt idx="25">
+                  <c:v>0.22580645161290322</c:v>
+                </c:pt>
+                <c:pt idx="26">
+                  <c:v>0.21875</c:v>
+                </c:pt>
+                <c:pt idx="27">
+                  <c:v>0.21212121212121213</c:v>
+                </c:pt>
+                <c:pt idx="28">
+                  <c:v>0.23529411764705882</c:v>
+                </c:pt>
+                <c:pt idx="29">
+                  <c:v>0.22857142857142856</c:v>
+                </c:pt>
+                <c:pt idx="30">
+                  <c:v>0.22222222222222221</c:v>
+                </c:pt>
+                <c:pt idx="31">
+                  <c:v>0.21621621621621623</c:v>
+                </c:pt>
+                <c:pt idx="32">
+                  <c:v>0.23684210526315788</c:v>
+                </c:pt>
+                <c:pt idx="33">
+                  <c:v>0.23076923076923078</c:v>
+                </c:pt>
+                <c:pt idx="34">
+                  <c:v>0.22500000000000001</c:v>
+                </c:pt>
+              </c:numCache>
+            </c:numRef>
+          </c:yVal>
+          <c:smooth val="0"/>
+          <c:extLst>
+            <c:ext xmlns:c16="http://schemas.microsoft.com/office/drawing/2014/chart" uri="{C3380CC4-5D6E-409C-BE32-E72D297353CC}">
+              <c16:uniqueId val="{00000001-D343-483A-9BEE-5FBB6794BFEB}"/>
+            </c:ext>
+          </c:extLst>
+        </c:ser>
+        <c:dLbls>
+          <c:showLegendKey val="0"/>
+          <c:showVal val="0"/>
+          <c:showCatName val="0"/>
+          <c:showSerName val="0"/>
+          <c:showPercent val="0"/>
+          <c:showBubbleSize val="0"/>
+        </c:dLbls>
+        <c:axId val="798619664"/>
+        <c:axId val="798616784"/>
+      </c:scatterChart>
+      <c:valAx>
+        <c:axId val="798619664"/>
+        <c:scaling>
+          <c:orientation val="minMax"/>
+          <c:max val="40"/>
+          <c:min val="6"/>
+        </c:scaling>
+        <c:delete val="0"/>
+        <c:axPos val="b"/>
+        <c:majorGridlines>
+          <c:spPr>
+            <a:ln w="9525" cap="flat" cmpd="sng" algn="ctr">
+              <a:solidFill>
+                <a:schemeClr val="tx1">
+                  <a:lumMod val="15000"/>
+                  <a:lumOff val="85000"/>
+                </a:schemeClr>
+              </a:solidFill>
+              <a:round/>
+            </a:ln>
+            <a:effectLst/>
+          </c:spPr>
+        </c:majorGridlines>
+        <c:numFmt formatCode="General" sourceLinked="1"/>
+        <c:majorTickMark val="none"/>
+        <c:minorTickMark val="none"/>
+        <c:tickLblPos val="nextTo"/>
+        <c:spPr>
+          <a:noFill/>
+          <a:ln w="9525" cap="flat" cmpd="sng" algn="ctr">
+            <a:solidFill>
+              <a:schemeClr val="tx1">
+                <a:lumMod val="25000"/>
+                <a:lumOff val="75000"/>
+              </a:schemeClr>
+            </a:solidFill>
+            <a:round/>
+          </a:ln>
+          <a:effectLst/>
+        </c:spPr>
+        <c:txPr>
+          <a:bodyPr rot="-60000000" spcFirstLastPara="1" vertOverflow="ellipsis" vert="horz" wrap="square" anchor="ctr" anchorCtr="1"/>
+          <a:lstStyle/>
+          <a:p>
+            <a:pPr>
+              <a:defRPr sz="1400" b="0" i="0" u="none" strike="noStrike" kern="1200" baseline="0">
+                <a:solidFill>
+                  <a:schemeClr val="tx1">
+                    <a:lumMod val="65000"/>
+                    <a:lumOff val="35000"/>
+                  </a:schemeClr>
+                </a:solidFill>
+                <a:latin typeface="+mn-lt"/>
+                <a:ea typeface="+mn-ea"/>
+                <a:cs typeface="+mn-cs"/>
+              </a:defRPr>
+            </a:pPr>
+            <a:endParaRPr lang="en-US"/>
+          </a:p>
+        </c:txPr>
+        <c:crossAx val="798616784"/>
+        <c:crosses val="autoZero"/>
+        <c:crossBetween val="midCat"/>
+      </c:valAx>
+      <c:valAx>
+        <c:axId val="798616784"/>
+        <c:scaling>
+          <c:orientation val="minMax"/>
+        </c:scaling>
+        <c:delete val="0"/>
+        <c:axPos val="l"/>
+        <c:majorGridlines>
+          <c:spPr>
+            <a:ln w="9525" cap="flat" cmpd="sng" algn="ctr">
+              <a:solidFill>
+                <a:schemeClr val="tx1">
+                  <a:lumMod val="15000"/>
+                  <a:lumOff val="85000"/>
+                </a:schemeClr>
+              </a:solidFill>
+              <a:round/>
+            </a:ln>
+            <a:effectLst/>
+          </c:spPr>
+        </c:majorGridlines>
+        <c:numFmt formatCode="General" sourceLinked="1"/>
+        <c:majorTickMark val="none"/>
+        <c:minorTickMark val="none"/>
+        <c:tickLblPos val="nextTo"/>
+        <c:spPr>
+          <a:noFill/>
+          <a:ln w="9525" cap="flat" cmpd="sng" algn="ctr">
+            <a:solidFill>
+              <a:schemeClr val="tx1">
+                <a:lumMod val="25000"/>
+                <a:lumOff val="75000"/>
+              </a:schemeClr>
+            </a:solidFill>
+            <a:round/>
+          </a:ln>
+          <a:effectLst/>
+        </c:spPr>
+        <c:txPr>
+          <a:bodyPr rot="-60000000" spcFirstLastPara="1" vertOverflow="ellipsis" vert="horz" wrap="square" anchor="ctr" anchorCtr="1"/>
+          <a:lstStyle/>
+          <a:p>
+            <a:pPr>
+              <a:defRPr sz="1400" b="0" i="0" u="none" strike="noStrike" kern="1200" baseline="0">
+                <a:solidFill>
+                  <a:schemeClr val="tx1">
+                    <a:lumMod val="65000"/>
+                    <a:lumOff val="35000"/>
+                  </a:schemeClr>
+                </a:solidFill>
+                <a:latin typeface="+mn-lt"/>
+                <a:ea typeface="+mn-ea"/>
+                <a:cs typeface="+mn-cs"/>
+              </a:defRPr>
+            </a:pPr>
+            <a:endParaRPr lang="en-US"/>
+          </a:p>
+        </c:txPr>
+        <c:crossAx val="798619664"/>
+        <c:crosses val="autoZero"/>
+        <c:crossBetween val="midCat"/>
+      </c:valAx>
+      <c:spPr>
+        <a:noFill/>
+        <a:ln>
+          <a:noFill/>
+        </a:ln>
+        <a:effectLst/>
+      </c:spPr>
+    </c:plotArea>
+    <c:plotVisOnly val="1"/>
+    <c:dispBlanksAs val="gap"/>
+    <c:extLst>
+      <c:ext xmlns:c16r3="http://schemas.microsoft.com/office/drawing/2017/03/chart" uri="{56B9EC1D-385E-4148-901F-78D8002777C0}">
+        <c16r3:dataDisplayOptions16>
+          <c16r3:dispNaAsBlank val="1"/>
+        </c16r3:dataDisplayOptions16>
+      </c:ext>
+    </c:extLst>
+    <c:showDLblsOverMax val="0"/>
+  </c:chart>
+  <c:spPr>
+    <a:noFill/>
+    <a:ln>
+      <a:noFill/>
+    </a:ln>
+    <a:effectLst/>
+  </c:spPr>
+  <c:txPr>
+    <a:bodyPr/>
+    <a:lstStyle/>
+    <a:p>
+      <a:pPr>
+        <a:defRPr sz="1400"/>
+      </a:pPr>
+      <a:endParaRPr lang="en-US"/>
+    </a:p>
+  </c:txPr>
+  <c:externalData r:id="rId3">
+    <c:autoUpdate val="0"/>
+  </c:externalData>
+</c:chartSpace>
+</file>
+
 <file path=ppt/charts/chart2.xml><?xml version="1.0" encoding="utf-8"?>
 <c:chartSpace xmlns:c="http://schemas.openxmlformats.org/drawingml/2006/chart" xmlns:a="http://schemas.openxmlformats.org/drawingml/2006/main" xmlns:r="http://schemas.openxmlformats.org/officeDocument/2006/relationships" xmlns:c16r2="http://schemas.microsoft.com/office/drawing/2015/06/chart">
   <c:date1904 val="0"/>
@@ -15028,6 +16678,3883 @@
     </a:p>
   </c:txPr>
   <c:externalData r:id="rId1">
+    <c:autoUpdate val="0"/>
+  </c:externalData>
+</c:chartSpace>
+</file>
+
+<file path=ppt/charts/chart20.xml><?xml version="1.0" encoding="utf-8"?>
+<c:chartSpace xmlns:c="http://schemas.openxmlformats.org/drawingml/2006/chart" xmlns:a="http://schemas.openxmlformats.org/drawingml/2006/main" xmlns:r="http://schemas.openxmlformats.org/officeDocument/2006/relationships" xmlns:c16r2="http://schemas.microsoft.com/office/drawing/2015/06/chart">
+  <c:date1904 val="0"/>
+  <c:lang val="en-GB"/>
+  <c:roundedCorners val="0"/>
+  <mc:AlternateContent xmlns:mc="http://schemas.openxmlformats.org/markup-compatibility/2006">
+    <mc:Choice xmlns:c14="http://schemas.microsoft.com/office/drawing/2007/8/2/chart" Requires="c14">
+      <c14:style val="102"/>
+    </mc:Choice>
+    <mc:Fallback>
+      <c:style val="2"/>
+    </mc:Fallback>
+  </mc:AlternateContent>
+  <c:chart>
+    <c:title>
+      <c:tx>
+        <c:rich>
+          <a:bodyPr rot="0" spcFirstLastPara="1" vertOverflow="ellipsis" vert="horz" wrap="square" anchor="ctr" anchorCtr="1"/>
+          <a:lstStyle/>
+          <a:p>
+            <a:pPr>
+              <a:defRPr sz="1680" b="0" i="0" u="none" strike="noStrike" kern="1200" spc="0" baseline="0">
+                <a:solidFill>
+                  <a:schemeClr val="tx1">
+                    <a:lumMod val="65000"/>
+                    <a:lumOff val="35000"/>
+                  </a:schemeClr>
+                </a:solidFill>
+                <a:latin typeface="+mn-lt"/>
+                <a:ea typeface="+mn-ea"/>
+                <a:cs typeface="+mn-cs"/>
+              </a:defRPr>
+            </a:pPr>
+            <a:r>
+              <a:rPr lang="en-AU"/>
+              <a:t>Volve BHS #1 (Peng-Robinson vs EPPR78)</a:t>
+            </a:r>
+          </a:p>
+        </c:rich>
+      </c:tx>
+      <c:overlay val="0"/>
+      <c:spPr>
+        <a:noFill/>
+        <a:ln>
+          <a:noFill/>
+        </a:ln>
+        <a:effectLst/>
+      </c:spPr>
+      <c:txPr>
+        <a:bodyPr rot="0" spcFirstLastPara="1" vertOverflow="ellipsis" vert="horz" wrap="square" anchor="ctr" anchorCtr="1"/>
+        <a:lstStyle/>
+        <a:p>
+          <a:pPr>
+            <a:defRPr sz="1680" b="0" i="0" u="none" strike="noStrike" kern="1200" spc="0" baseline="0">
+              <a:solidFill>
+                <a:schemeClr val="tx1">
+                  <a:lumMod val="65000"/>
+                  <a:lumOff val="35000"/>
+                </a:schemeClr>
+              </a:solidFill>
+              <a:latin typeface="+mn-lt"/>
+              <a:ea typeface="+mn-ea"/>
+              <a:cs typeface="+mn-cs"/>
+            </a:defRPr>
+          </a:pPr>
+          <a:endParaRPr lang="en-US"/>
+        </a:p>
+      </c:txPr>
+    </c:title>
+    <c:autoTitleDeleted val="0"/>
+    <c:plotArea>
+      <c:layout/>
+      <c:scatterChart>
+        <c:scatterStyle val="smoothMarker"/>
+        <c:varyColors val="0"/>
+        <c:ser>
+          <c:idx val="0"/>
+          <c:order val="0"/>
+          <c:tx>
+            <c:strRef>
+              <c:f>Sheet1!$A$2</c:f>
+              <c:strCache>
+                <c:ptCount val="1"/>
+                <c:pt idx="0">
+                  <c:v>PR Lab Composition</c:v>
+                </c:pt>
+              </c:strCache>
+            </c:strRef>
+          </c:tx>
+          <c:spPr>
+            <a:ln w="31750" cap="rnd">
+              <a:solidFill>
+                <a:schemeClr val="tx1"/>
+              </a:solidFill>
+              <a:round/>
+            </a:ln>
+            <a:effectLst/>
+          </c:spPr>
+          <c:marker>
+            <c:symbol val="none"/>
+          </c:marker>
+          <c:xVal>
+            <c:numRef>
+              <c:f>Sheet1!$A$4:$A$152</c:f>
+              <c:numCache>
+                <c:formatCode>General</c:formatCode>
+                <c:ptCount val="149"/>
+                <c:pt idx="0">
+                  <c:v>-151.98459</c:v>
+                </c:pt>
+                <c:pt idx="1">
+                  <c:v>-142.88053300000001</c:v>
+                </c:pt>
+                <c:pt idx="2">
+                  <c:v>-133.776477</c:v>
+                </c:pt>
+                <c:pt idx="3">
+                  <c:v>-124.672421</c:v>
+                </c:pt>
+                <c:pt idx="4">
+                  <c:v>-115.568365</c:v>
+                </c:pt>
+                <c:pt idx="5">
+                  <c:v>-111.322519</c:v>
+                </c:pt>
+                <c:pt idx="6">
+                  <c:v>-109.918539</c:v>
+                </c:pt>
+                <c:pt idx="7">
+                  <c:v>-103.861268</c:v>
+                </c:pt>
+                <c:pt idx="8">
+                  <c:v>-97.194753000000006</c:v>
+                </c:pt>
+                <c:pt idx="9">
+                  <c:v>-90.851230999999999</c:v>
+                </c:pt>
+                <c:pt idx="10">
+                  <c:v>-89.812023999999994</c:v>
+                </c:pt>
+                <c:pt idx="11">
+                  <c:v>-81.784142000000003</c:v>
+                </c:pt>
+                <c:pt idx="12">
+                  <c:v>-75.896165999999994</c:v>
+                </c:pt>
+                <c:pt idx="13">
+                  <c:v>-73.009805999999998</c:v>
+                </c:pt>
+                <c:pt idx="14">
+                  <c:v>-63.652907999999996</c:v>
+                </c:pt>
+                <c:pt idx="15">
+                  <c:v>-63.352395999999999</c:v>
+                </c:pt>
+                <c:pt idx="16">
+                  <c:v>-58.153511000000002</c:v>
+                </c:pt>
+                <c:pt idx="17">
+                  <c:v>-52.954625</c:v>
+                </c:pt>
+                <c:pt idx="18">
+                  <c:v>-52.618859</c:v>
+                </c:pt>
+                <c:pt idx="19">
+                  <c:v>-47.922310000000003</c:v>
+                </c:pt>
+                <c:pt idx="20">
+                  <c:v>-43.225760999999999</c:v>
+                </c:pt>
+                <c:pt idx="21">
+                  <c:v>-40.520491999999997</c:v>
+                </c:pt>
+                <c:pt idx="22">
+                  <c:v>-34.128250000000001</c:v>
+                </c:pt>
+                <c:pt idx="23">
+                  <c:v>-26.601575</c:v>
+                </c:pt>
+                <c:pt idx="24">
+                  <c:v>-25.440348</c:v>
+                </c:pt>
+                <c:pt idx="25">
+                  <c:v>-17.004317</c:v>
+                </c:pt>
+                <c:pt idx="26">
+                  <c:v>-10.103823999999999</c:v>
+                </c:pt>
+                <c:pt idx="27">
+                  <c:v>-8.7005199999999991</c:v>
+                </c:pt>
+                <c:pt idx="28">
+                  <c:v>-0.42948399999999998</c:v>
+                </c:pt>
+                <c:pt idx="29">
+                  <c:v>7.8903639999999999</c:v>
+                </c:pt>
+                <c:pt idx="30">
+                  <c:v>10.306689</c:v>
+                </c:pt>
+                <c:pt idx="31">
+                  <c:v>16.337309000000001</c:v>
+                </c:pt>
+                <c:pt idx="32">
+                  <c:v>20.662113999999999</c:v>
+                </c:pt>
+                <c:pt idx="33">
+                  <c:v>24.986919</c:v>
+                </c:pt>
+                <c:pt idx="34">
+                  <c:v>31.103597000000001</c:v>
+                </c:pt>
+                <c:pt idx="35">
+                  <c:v>37.220274000000003</c:v>
+                </c:pt>
+                <c:pt idx="36">
+                  <c:v>45.160758999999999</c:v>
+                </c:pt>
+                <c:pt idx="37">
+                  <c:v>53.101242999999997</c:v>
+                </c:pt>
+                <c:pt idx="38">
+                  <c:v>61.041727999999999</c:v>
+                </c:pt>
+                <c:pt idx="39">
+                  <c:v>68.982212000000004</c:v>
+                </c:pt>
+                <c:pt idx="40">
+                  <c:v>76.922696999999999</c:v>
+                </c:pt>
+                <c:pt idx="41">
+                  <c:v>86.733497999999997</c:v>
+                </c:pt>
+                <c:pt idx="42">
+                  <c:v>96.544300000000007</c:v>
+                </c:pt>
+                <c:pt idx="43">
+                  <c:v>106.355102</c:v>
+                </c:pt>
+                <c:pt idx="44">
+                  <c:v>116.165904</c:v>
+                </c:pt>
+                <c:pt idx="45">
+                  <c:v>125.769232</c:v>
+                </c:pt>
+                <c:pt idx="46">
+                  <c:v>135.372559</c:v>
+                </c:pt>
+                <c:pt idx="47">
+                  <c:v>146.83506299999999</c:v>
+                </c:pt>
+                <c:pt idx="48">
+                  <c:v>158.29756699999999</c:v>
+                </c:pt>
+                <c:pt idx="49">
+                  <c:v>169.76007000000001</c:v>
+                </c:pt>
+                <c:pt idx="50">
+                  <c:v>181.22257400000001</c:v>
+                </c:pt>
+                <c:pt idx="51">
+                  <c:v>192.68507700000001</c:v>
+                </c:pt>
+                <c:pt idx="52">
+                  <c:v>204.147581</c:v>
+                </c:pt>
+                <c:pt idx="53">
+                  <c:v>215.610085</c:v>
+                </c:pt>
+                <c:pt idx="54">
+                  <c:v>227.072588</c:v>
+                </c:pt>
+                <c:pt idx="55">
+                  <c:v>238.53509199999999</c:v>
+                </c:pt>
+                <c:pt idx="56">
+                  <c:v>249.99759499999999</c:v>
+                </c:pt>
+                <c:pt idx="57">
+                  <c:v>261.46009900000001</c:v>
+                </c:pt>
+                <c:pt idx="58">
+                  <c:v>272.92260299999998</c:v>
+                </c:pt>
+                <c:pt idx="59">
+                  <c:v>284.38510600000001</c:v>
+                </c:pt>
+                <c:pt idx="60">
+                  <c:v>295.76349900000002</c:v>
+                </c:pt>
+                <c:pt idx="61">
+                  <c:v>295.84760999999997</c:v>
+                </c:pt>
+                <c:pt idx="62">
+                  <c:v>299.60020600000001</c:v>
+                </c:pt>
+                <c:pt idx="63">
+                  <c:v>303.43691200000001</c:v>
+                </c:pt>
+                <c:pt idx="64">
+                  <c:v>307.273618</c:v>
+                </c:pt>
+                <c:pt idx="65">
+                  <c:v>307.310113</c:v>
+                </c:pt>
+                <c:pt idx="66">
+                  <c:v>311.11032399999999</c:v>
+                </c:pt>
+                <c:pt idx="67">
+                  <c:v>314.94703099999998</c:v>
+                </c:pt>
+                <c:pt idx="68">
+                  <c:v>318.77261700000003</c:v>
+                </c:pt>
+                <c:pt idx="69">
+                  <c:v>318.78373699999997</c:v>
+                </c:pt>
+                <c:pt idx="70">
+                  <c:v>322.62044300000002</c:v>
+                </c:pt>
+                <c:pt idx="71">
+                  <c:v>326.45714900000002</c:v>
+                </c:pt>
+                <c:pt idx="72">
+                  <c:v>330.23512099999999</c:v>
+                </c:pt>
+                <c:pt idx="73">
+                  <c:v>330.29385600000001</c:v>
+                </c:pt>
+                <c:pt idx="74">
+                  <c:v>334.130562</c:v>
+                </c:pt>
+                <c:pt idx="75">
+                  <c:v>337.70847700000002</c:v>
+                </c:pt>
+                <c:pt idx="76">
+                  <c:v>337.96726799999999</c:v>
+                </c:pt>
+                <c:pt idx="77">
+                  <c:v>341.80397499999998</c:v>
+                </c:pt>
+                <c:pt idx="78">
+                  <c:v>345.18183299999998</c:v>
+                </c:pt>
+                <c:pt idx="79">
+                  <c:v>345.64068099999997</c:v>
+                </c:pt>
+                <c:pt idx="80">
+                  <c:v>349.47738700000002</c:v>
+                </c:pt>
+                <c:pt idx="81">
+                  <c:v>351.79618399999998</c:v>
+                </c:pt>
+                <c:pt idx="82">
+                  <c:v>353.31409300000001</c:v>
+                </c:pt>
+                <c:pt idx="83">
+                  <c:v>357.1508</c:v>
+                </c:pt>
+                <c:pt idx="84">
+                  <c:v>358.41053499999998</c:v>
+                </c:pt>
+                <c:pt idx="85">
+                  <c:v>360.987506</c:v>
+                </c:pt>
+                <c:pt idx="86">
+                  <c:v>364.341184</c:v>
+                </c:pt>
+                <c:pt idx="87">
+                  <c:v>364.82421199999999</c:v>
+                </c:pt>
+                <c:pt idx="88">
+                  <c:v>368.66091799999998</c:v>
+                </c:pt>
+                <c:pt idx="89">
+                  <c:v>370.27183200000002</c:v>
+                </c:pt>
+                <c:pt idx="90">
+                  <c:v>372.49762500000003</c:v>
+                </c:pt>
+                <c:pt idx="91">
+                  <c:v>375.62280099999998</c:v>
+                </c:pt>
+                <c:pt idx="92">
+                  <c:v>376.33433100000002</c:v>
+                </c:pt>
+                <c:pt idx="93">
+                  <c:v>380.17103700000001</c:v>
+                </c:pt>
+                <c:pt idx="94">
+                  <c:v>380.97377</c:v>
+                </c:pt>
+                <c:pt idx="95">
+                  <c:v>384.007744</c:v>
+                </c:pt>
+                <c:pt idx="96">
+                  <c:v>385.808471</c:v>
+                </c:pt>
+                <c:pt idx="97">
+                  <c:v>387.84444999999999</c:v>
+                </c:pt>
+                <c:pt idx="98">
+                  <c:v>390.643171</c:v>
+                </c:pt>
+                <c:pt idx="99">
+                  <c:v>391.68115599999999</c:v>
+                </c:pt>
+                <c:pt idx="100">
+                  <c:v>393.54696999999999</c:v>
+                </c:pt>
+                <c:pt idx="101">
+                  <c:v>395.51786199999998</c:v>
+                </c:pt>
+                <c:pt idx="102">
+                  <c:v>396.45076899999998</c:v>
+                </c:pt>
+                <c:pt idx="103">
+                  <c:v>399.35456900000003</c:v>
+                </c:pt>
+                <c:pt idx="104">
+                  <c:v>399.36199699999997</c:v>
+                </c:pt>
+                <c:pt idx="105">
+                  <c:v>399.36639700000001</c:v>
+                </c:pt>
+                <c:pt idx="106">
+                  <c:v>399.36931800000002</c:v>
+                </c:pt>
+                <c:pt idx="107">
+                  <c:v>399.37140900000003</c:v>
+                </c:pt>
+                <c:pt idx="108">
+                  <c:v>399.355006</c:v>
+                </c:pt>
+                <c:pt idx="109">
+                  <c:v>400.91932100000002</c:v>
+                </c:pt>
+                <c:pt idx="110">
+                  <c:v>402.47649100000001</c:v>
+                </c:pt>
+                <c:pt idx="111">
+                  <c:v>404.03314599999999</c:v>
+                </c:pt>
+                <c:pt idx="112">
+                  <c:v>405.58959099999998</c:v>
+                </c:pt>
+                <c:pt idx="113">
+                  <c:v>407.14590099999998</c:v>
+                </c:pt>
+                <c:pt idx="114">
+                  <c:v>414.04830800000002</c:v>
+                </c:pt>
+                <c:pt idx="115">
+                  <c:v>418.35217399999999</c:v>
+                </c:pt>
+                <c:pt idx="116">
+                  <c:v>419.951774</c:v>
+                </c:pt>
+                <c:pt idx="117">
+                  <c:v>424.884568</c:v>
+                </c:pt>
+                <c:pt idx="118">
+                  <c:v>428.760851</c:v>
+                </c:pt>
+                <c:pt idx="119">
+                  <c:v>429.30555600000002</c:v>
+                </c:pt>
+                <c:pt idx="120">
+                  <c:v>431.46193099999999</c:v>
+                </c:pt>
+                <c:pt idx="121">
+                  <c:v>432.829474</c:v>
+                </c:pt>
+                <c:pt idx="122">
+                  <c:v>432.90071899999998</c:v>
+                </c:pt>
+                <c:pt idx="123">
+                  <c:v>432.63909000000001</c:v>
+                </c:pt>
+                <c:pt idx="124">
+                  <c:v>432.480074</c:v>
+                </c:pt>
+                <c:pt idx="125">
+                  <c:v>431.39161300000001</c:v>
+                </c:pt>
+                <c:pt idx="126">
+                  <c:v>430.57056299999999</c:v>
+                </c:pt>
+                <c:pt idx="127">
+                  <c:v>426.33211799999998</c:v>
+                </c:pt>
+                <c:pt idx="128">
+                  <c:v>426.14022799999998</c:v>
+                </c:pt>
+                <c:pt idx="129">
+                  <c:v>418.82628999999997</c:v>
+                </c:pt>
+                <c:pt idx="130">
+                  <c:v>418.57519400000001</c:v>
+                </c:pt>
+                <c:pt idx="131">
+                  <c:v>409.66855399999997</c:v>
+                </c:pt>
+                <c:pt idx="132">
+                  <c:v>406.49931500000002</c:v>
+                </c:pt>
+                <c:pt idx="133">
+                  <c:v>399.435337</c:v>
+                </c:pt>
+                <c:pt idx="134">
+                  <c:v>388.54447699999997</c:v>
+                </c:pt>
+                <c:pt idx="135">
+                  <c:v>387.031069</c:v>
+                </c:pt>
+                <c:pt idx="136">
+                  <c:v>377.29692399999999</c:v>
+                </c:pt>
+                <c:pt idx="137">
+                  <c:v>365.91009000000003</c:v>
+                </c:pt>
+                <c:pt idx="138">
+                  <c:v>354.54063000000002</c:v>
+                </c:pt>
+                <c:pt idx="139">
+                  <c:v>351.802616</c:v>
+                </c:pt>
+                <c:pt idx="140">
+                  <c:v>343.29820599999999</c:v>
+                </c:pt>
+                <c:pt idx="141">
+                  <c:v>332.664286</c:v>
+                </c:pt>
+                <c:pt idx="142">
+                  <c:v>322.03036500000002</c:v>
+                </c:pt>
+                <c:pt idx="143">
+                  <c:v>311.39644399999997</c:v>
+                </c:pt>
+                <c:pt idx="144">
+                  <c:v>300.76252399999998</c:v>
+                </c:pt>
+                <c:pt idx="145">
+                  <c:v>290.128603</c:v>
+                </c:pt>
+                <c:pt idx="146">
+                  <c:v>279.49468200000001</c:v>
+                </c:pt>
+                <c:pt idx="147">
+                  <c:v>268.86076200000002</c:v>
+                </c:pt>
+                <c:pt idx="148">
+                  <c:v>258.22684099999998</c:v>
+                </c:pt>
+              </c:numCache>
+            </c:numRef>
+          </c:xVal>
+          <c:yVal>
+            <c:numRef>
+              <c:f>Sheet1!$B$4:$B$152</c:f>
+              <c:numCache>
+                <c:formatCode>General</c:formatCode>
+                <c:ptCount val="149"/>
+                <c:pt idx="0">
+                  <c:v>1.01325</c:v>
+                </c:pt>
+                <c:pt idx="1">
+                  <c:v>1.8022530000000001</c:v>
+                </c:pt>
+                <c:pt idx="2">
+                  <c:v>2.9821580000000001</c:v>
+                </c:pt>
+                <c:pt idx="3">
+                  <c:v>4.6486669999999997</c:v>
+                </c:pt>
+                <c:pt idx="4">
+                  <c:v>6.8947570000000002</c:v>
+                </c:pt>
+                <c:pt idx="5">
+                  <c:v>8.1650329999999993</c:v>
+                </c:pt>
+                <c:pt idx="6">
+                  <c:v>8.6184469999999997</c:v>
+                </c:pt>
+                <c:pt idx="7">
+                  <c:v>10.773058000000001</c:v>
+                </c:pt>
+                <c:pt idx="8">
+                  <c:v>13.466322999999999</c:v>
+                </c:pt>
+                <c:pt idx="9">
+                  <c:v>16.330065999999999</c:v>
+                </c:pt>
+                <c:pt idx="10">
+                  <c:v>16.832903999999999</c:v>
+                </c:pt>
+                <c:pt idx="11">
+                  <c:v>21.041129000000002</c:v>
+                </c:pt>
+                <c:pt idx="12">
+                  <c:v>24.495099</c:v>
+                </c:pt>
+                <c:pt idx="13">
+                  <c:v>26.301411999999999</c:v>
+                </c:pt>
+                <c:pt idx="14">
+                  <c:v>32.660131</c:v>
+                </c:pt>
+                <c:pt idx="15">
+                  <c:v>32.876764999999999</c:v>
+                </c:pt>
+                <c:pt idx="16">
+                  <c:v>36.743369000000001</c:v>
+                </c:pt>
+                <c:pt idx="17">
+                  <c:v>40.825164000000001</c:v>
+                </c:pt>
+                <c:pt idx="18">
+                  <c:v>41.095956000000001</c:v>
+                </c:pt>
+                <c:pt idx="19">
+                  <c:v>44.967756000000001</c:v>
+                </c:pt>
+                <c:pt idx="20">
+                  <c:v>48.990197000000002</c:v>
+                </c:pt>
+                <c:pt idx="21">
+                  <c:v>51.369945000000001</c:v>
+                </c:pt>
+                <c:pt idx="22">
+                  <c:v>57.155230000000003</c:v>
+                </c:pt>
+                <c:pt idx="23">
+                  <c:v>64.212430999999995</c:v>
+                </c:pt>
+                <c:pt idx="24">
+                  <c:v>65.320262999999997</c:v>
+                </c:pt>
+                <c:pt idx="25">
+                  <c:v>73.485296000000005</c:v>
+                </c:pt>
+                <c:pt idx="26">
+                  <c:v>80.265539000000004</c:v>
+                </c:pt>
+                <c:pt idx="27">
+                  <c:v>81.650328999999999</c:v>
+                </c:pt>
+                <c:pt idx="28">
+                  <c:v>89.815360999999996</c:v>
+                </c:pt>
+                <c:pt idx="29">
+                  <c:v>97.980394000000004</c:v>
+                </c:pt>
+                <c:pt idx="30">
+                  <c:v>100.331924</c:v>
+                </c:pt>
+                <c:pt idx="31">
+                  <c:v>106.145427</c:v>
+                </c:pt>
+                <c:pt idx="32">
+                  <c:v>110.256405</c:v>
+                </c:pt>
+                <c:pt idx="33">
+                  <c:v>114.31046000000001</c:v>
+                </c:pt>
+                <c:pt idx="34">
+                  <c:v>119.934178</c:v>
+                </c:pt>
+                <c:pt idx="35">
+                  <c:v>125.414905</c:v>
+                </c:pt>
+                <c:pt idx="36">
+                  <c:v>132.293396</c:v>
+                </c:pt>
+                <c:pt idx="37">
+                  <c:v>138.88429199999999</c:v>
+                </c:pt>
+                <c:pt idx="38">
+                  <c:v>145.16888700000001</c:v>
+                </c:pt>
+                <c:pt idx="39">
+                  <c:v>151.13356899999999</c:v>
+                </c:pt>
+                <c:pt idx="40">
+                  <c:v>156.768631</c:v>
+                </c:pt>
+                <c:pt idx="41">
+                  <c:v>163.265657</c:v>
+                </c:pt>
+                <c:pt idx="42">
+                  <c:v>169.24293399999999</c:v>
+                </c:pt>
+                <c:pt idx="43">
+                  <c:v>174.69776100000001</c:v>
+                </c:pt>
+                <c:pt idx="44">
+                  <c:v>179.63072299999999</c:v>
+                </c:pt>
+                <c:pt idx="45">
+                  <c:v>183.95844600000001</c:v>
+                </c:pt>
+                <c:pt idx="46">
+                  <c:v>187.79575600000001</c:v>
+                </c:pt>
+                <c:pt idx="47">
+                  <c:v>191.74244200000001</c:v>
+                </c:pt>
+                <c:pt idx="48">
+                  <c:v>195.01347699999999</c:v>
+                </c:pt>
+                <c:pt idx="49">
+                  <c:v>197.621591</c:v>
+                </c:pt>
+                <c:pt idx="50">
+                  <c:v>199.58284900000001</c:v>
+                </c:pt>
+                <c:pt idx="51">
+                  <c:v>200.91036500000001</c:v>
+                </c:pt>
+                <c:pt idx="52">
+                  <c:v>201.62041199999999</c:v>
+                </c:pt>
+                <c:pt idx="53">
+                  <c:v>201.72460599999999</c:v>
+                </c:pt>
+                <c:pt idx="54">
+                  <c:v>201.23700700000001</c:v>
+                </c:pt>
+                <c:pt idx="55">
+                  <c:v>200.16929200000001</c:v>
+                </c:pt>
+                <c:pt idx="56">
+                  <c:v>198.531721</c:v>
+                </c:pt>
+                <c:pt idx="57">
+                  <c:v>196.33281500000001</c:v>
+                </c:pt>
+                <c:pt idx="58">
+                  <c:v>193.57902200000001</c:v>
+                </c:pt>
+                <c:pt idx="59">
+                  <c:v>190.27242699999999</c:v>
+                </c:pt>
+                <c:pt idx="60">
+                  <c:v>186.44416899999999</c:v>
+                </c:pt>
+                <c:pt idx="61">
+                  <c:v>186.41386600000001</c:v>
+                </c:pt>
+                <c:pt idx="62">
+                  <c:v>185.03052</c:v>
+                </c:pt>
+                <c:pt idx="63">
+                  <c:v>183.554531</c:v>
+                </c:pt>
+                <c:pt idx="64">
+                  <c:v>182.01586399999999</c:v>
+                </c:pt>
+                <c:pt idx="65">
+                  <c:v>182.000935</c:v>
+                </c:pt>
+                <c:pt idx="66">
+                  <c:v>180.41410500000001</c:v>
+                </c:pt>
+                <c:pt idx="67">
+                  <c:v>178.748761</c:v>
+                </c:pt>
+                <c:pt idx="68">
+                  <c:v>177.02355</c:v>
+                </c:pt>
+                <c:pt idx="69">
+                  <c:v>177.01844600000001</c:v>
+                </c:pt>
+                <c:pt idx="70">
+                  <c:v>175.223994</c:v>
+                </c:pt>
+                <c:pt idx="71">
+                  <c:v>173.36313799999999</c:v>
+                </c:pt>
+                <c:pt idx="72">
+                  <c:v>171.46569</c:v>
+                </c:pt>
+                <c:pt idx="73">
+                  <c:v>171.435632</c:v>
+                </c:pt>
+                <c:pt idx="74">
+                  <c:v>169.44033999999999</c:v>
+                </c:pt>
+                <c:pt idx="75">
+                  <c:v>167.51734200000001</c:v>
+                </c:pt>
+                <c:pt idx="76">
+                  <c:v>167.375495</c:v>
+                </c:pt>
+                <c:pt idx="77">
+                  <c:v>165.24052599999999</c:v>
+                </c:pt>
+                <c:pt idx="78">
+                  <c:v>163.300657</c:v>
+                </c:pt>
+                <c:pt idx="79">
+                  <c:v>163.03283999999999</c:v>
+                </c:pt>
+                <c:pt idx="80">
+                  <c:v>160.7509</c:v>
+                </c:pt>
+                <c:pt idx="81">
+                  <c:v>159.334395</c:v>
+                </c:pt>
+                <c:pt idx="82">
+                  <c:v>158.39205999999999</c:v>
+                </c:pt>
+                <c:pt idx="83">
+                  <c:v>155.95408</c:v>
+                </c:pt>
+                <c:pt idx="84">
+                  <c:v>155.13562400000001</c:v>
+                </c:pt>
+                <c:pt idx="85">
+                  <c:v>153.43359100000001</c:v>
+                </c:pt>
+                <c:pt idx="86">
+                  <c:v>151.16018099999999</c:v>
+                </c:pt>
+                <c:pt idx="87">
+                  <c:v>150.82712599999999</c:v>
+                </c:pt>
+                <c:pt idx="88">
+                  <c:v>148.13057900000001</c:v>
+                </c:pt>
+                <c:pt idx="89">
+                  <c:v>146.97059100000001</c:v>
+                </c:pt>
+                <c:pt idx="90">
+                  <c:v>145.33916400000001</c:v>
+                </c:pt>
+                <c:pt idx="91">
+                  <c:v>142.99126999999999</c:v>
+                </c:pt>
+                <c:pt idx="92">
+                  <c:v>142.44721899999999</c:v>
+                </c:pt>
+                <c:pt idx="93">
+                  <c:v>139.447418</c:v>
+                </c:pt>
+                <c:pt idx="94">
+                  <c:v>138.80555899999999</c:v>
+                </c:pt>
+                <c:pt idx="95">
+                  <c:v>136.33198400000001</c:v>
+                </c:pt>
+                <c:pt idx="96">
+                  <c:v>134.827158</c:v>
+                </c:pt>
+                <c:pt idx="97">
+                  <c:v>133.09089599999999</c:v>
+                </c:pt>
+                <c:pt idx="98">
+                  <c:v>130.64052599999999</c:v>
+                </c:pt>
+                <c:pt idx="99">
+                  <c:v>129.712051</c:v>
+                </c:pt>
+                <c:pt idx="100">
+                  <c:v>128.014601</c:v>
+                </c:pt>
+                <c:pt idx="101">
+                  <c:v>126.17987599999999</c:v>
+                </c:pt>
+                <c:pt idx="102">
+                  <c:v>125.29595399999999</c:v>
+                </c:pt>
+                <c:pt idx="103">
+                  <c:v>122.475493</c:v>
+                </c:pt>
+                <c:pt idx="104">
+                  <c:v>122.46814000000001</c:v>
+                </c:pt>
+                <c:pt idx="105">
+                  <c:v>122.463795</c:v>
+                </c:pt>
+                <c:pt idx="106">
+                  <c:v>122.460911</c:v>
+                </c:pt>
+                <c:pt idx="107">
+                  <c:v>122.45884599999999</c:v>
+                </c:pt>
+                <c:pt idx="108">
+                  <c:v>122.475493</c:v>
+                </c:pt>
+                <c:pt idx="109">
+                  <c:v>120.909705</c:v>
+                </c:pt>
+                <c:pt idx="110">
+                  <c:v>119.31690500000001</c:v>
+                </c:pt>
+                <c:pt idx="111">
+                  <c:v>117.687984</c:v>
+                </c:pt>
+                <c:pt idx="112">
+                  <c:v>116.02001199999999</c:v>
+                </c:pt>
+                <c:pt idx="113">
+                  <c:v>114.31046000000001</c:v>
+                </c:pt>
+                <c:pt idx="114">
+                  <c:v>106.145427</c:v>
+                </c:pt>
+                <c:pt idx="115">
+                  <c:v>100.331924</c:v>
+                </c:pt>
+                <c:pt idx="116">
+                  <c:v>97.980394000000004</c:v>
+                </c:pt>
+                <c:pt idx="117">
+                  <c:v>89.815360999999996</c:v>
+                </c:pt>
+                <c:pt idx="118">
+                  <c:v>81.650328999999999</c:v>
+                </c:pt>
+                <c:pt idx="119">
+                  <c:v>80.265539000000004</c:v>
+                </c:pt>
+                <c:pt idx="120">
+                  <c:v>73.485296000000005</c:v>
+                </c:pt>
+                <c:pt idx="121">
+                  <c:v>65.320262999999997</c:v>
+                </c:pt>
+                <c:pt idx="122">
+                  <c:v>64.212430999999995</c:v>
+                </c:pt>
+                <c:pt idx="123">
+                  <c:v>57.155230000000003</c:v>
+                </c:pt>
+                <c:pt idx="124">
+                  <c:v>56.065880999999997</c:v>
+                </c:pt>
+                <c:pt idx="125">
+                  <c:v>51.369945000000001</c:v>
+                </c:pt>
+                <c:pt idx="126">
+                  <c:v>48.990197000000002</c:v>
+                </c:pt>
+                <c:pt idx="127">
+                  <c:v>41.095956000000001</c:v>
+                </c:pt>
+                <c:pt idx="128">
+                  <c:v>40.825164000000001</c:v>
+                </c:pt>
+                <c:pt idx="129">
+                  <c:v>32.876764999999999</c:v>
+                </c:pt>
+                <c:pt idx="130">
+                  <c:v>32.660131</c:v>
+                </c:pt>
+                <c:pt idx="131">
+                  <c:v>26.301411999999999</c:v>
+                </c:pt>
+                <c:pt idx="132">
+                  <c:v>24.495099</c:v>
+                </c:pt>
+                <c:pt idx="133">
+                  <c:v>21.041129000000002</c:v>
+                </c:pt>
+                <c:pt idx="134">
+                  <c:v>16.832903999999999</c:v>
+                </c:pt>
+                <c:pt idx="135">
+                  <c:v>16.330065999999999</c:v>
+                </c:pt>
+                <c:pt idx="136">
+                  <c:v>13.466322999999999</c:v>
+                </c:pt>
+                <c:pt idx="137">
+                  <c:v>10.773058000000001</c:v>
+                </c:pt>
+                <c:pt idx="138">
+                  <c:v>8.6184469999999997</c:v>
+                </c:pt>
+                <c:pt idx="139">
+                  <c:v>8.1650329999999993</c:v>
+                </c:pt>
+                <c:pt idx="140">
+                  <c:v>6.8947570000000002</c:v>
+                </c:pt>
+                <c:pt idx="141">
+                  <c:v>5.5614379999999999</c:v>
+                </c:pt>
+                <c:pt idx="142">
+                  <c:v>4.4637770000000003</c:v>
+                </c:pt>
+                <c:pt idx="143">
+                  <c:v>3.5610379999999999</c:v>
+                </c:pt>
+                <c:pt idx="144">
+                  <c:v>2.8207680000000002</c:v>
+                </c:pt>
+                <c:pt idx="145">
+                  <c:v>2.2162829999999998</c:v>
+                </c:pt>
+                <c:pt idx="146">
+                  <c:v>1.7254689999999999</c:v>
+                </c:pt>
+                <c:pt idx="147">
+                  <c:v>1.329717</c:v>
+                </c:pt>
+                <c:pt idx="148">
+                  <c:v>1.01325</c:v>
+                </c:pt>
+              </c:numCache>
+            </c:numRef>
+          </c:yVal>
+          <c:smooth val="1"/>
+          <c:extLst>
+            <c:ext xmlns:c16="http://schemas.microsoft.com/office/drawing/2014/chart" uri="{C3380CC4-5D6E-409C-BE32-E72D297353CC}">
+              <c16:uniqueId val="{00000000-6ECB-47C5-83C4-B8F600F7350D}"/>
+            </c:ext>
+          </c:extLst>
+        </c:ser>
+        <c:ser>
+          <c:idx val="1"/>
+          <c:order val="1"/>
+          <c:tx>
+            <c:strRef>
+              <c:f>Sheet1!$D$2</c:f>
+              <c:strCache>
+                <c:ptCount val="1"/>
+                <c:pt idx="0">
+                  <c:v>EPPR78 Lab Composition</c:v>
+                </c:pt>
+              </c:strCache>
+            </c:strRef>
+          </c:tx>
+          <c:spPr>
+            <a:ln w="19050" cap="rnd">
+              <a:solidFill>
+                <a:srgbClr val="00B0F0"/>
+              </a:solidFill>
+              <a:prstDash val="dash"/>
+              <a:round/>
+            </a:ln>
+            <a:effectLst/>
+          </c:spPr>
+          <c:marker>
+            <c:symbol val="none"/>
+          </c:marker>
+          <c:xVal>
+            <c:numRef>
+              <c:f>Sheet1!$D$4:$D$136</c:f>
+              <c:numCache>
+                <c:formatCode>General</c:formatCode>
+                <c:ptCount val="133"/>
+                <c:pt idx="0">
+                  <c:v>-151.98461900000001</c:v>
+                </c:pt>
+                <c:pt idx="1">
+                  <c:v>-142.880608</c:v>
+                </c:pt>
+                <c:pt idx="2">
+                  <c:v>-133.77659700000001</c:v>
+                </c:pt>
+                <c:pt idx="3">
+                  <c:v>-124.672586</c:v>
+                </c:pt>
+                <c:pt idx="4">
+                  <c:v>-115.56857599999999</c:v>
+                </c:pt>
+                <c:pt idx="5">
+                  <c:v>-111.32259000000001</c:v>
+                </c:pt>
+                <c:pt idx="6">
+                  <c:v>-109.918431</c:v>
+                </c:pt>
+                <c:pt idx="7">
+                  <c:v>-103.860997</c:v>
+                </c:pt>
+                <c:pt idx="8">
+                  <c:v>-97.350719999999995</c:v>
+                </c:pt>
+                <c:pt idx="9">
+                  <c:v>-91.320976999999999</c:v>
+                </c:pt>
+                <c:pt idx="10">
+                  <c:v>-90.335410999999993</c:v>
+                </c:pt>
+                <c:pt idx="11">
+                  <c:v>-82.754679999999993</c:v>
+                </c:pt>
+                <c:pt idx="12">
+                  <c:v>-77.232478999999998</c:v>
+                </c:pt>
+                <c:pt idx="13">
+                  <c:v>-74.539190000000005</c:v>
+                </c:pt>
+                <c:pt idx="14">
+                  <c:v>-65.882401000000002</c:v>
+                </c:pt>
+                <c:pt idx="15">
+                  <c:v>-65.606431999999998</c:v>
+                </c:pt>
+                <c:pt idx="16">
+                  <c:v>-60.884979000000001</c:v>
+                </c:pt>
+                <c:pt idx="17">
+                  <c:v>-56.163525</c:v>
+                </c:pt>
+                <c:pt idx="18">
+                  <c:v>-55.862191000000003</c:v>
+                </c:pt>
+                <c:pt idx="19">
+                  <c:v>-47.545482</c:v>
+                </c:pt>
+                <c:pt idx="20">
+                  <c:v>-45.194293000000002</c:v>
+                </c:pt>
+                <c:pt idx="21">
+                  <c:v>-39.728006999999998</c:v>
+                </c:pt>
+                <c:pt idx="22">
+                  <c:v>-33.470342000000002</c:v>
+                </c:pt>
+                <c:pt idx="23">
+                  <c:v>-32.523575000000001</c:v>
+                </c:pt>
+                <c:pt idx="24">
+                  <c:v>-25.805761</c:v>
+                </c:pt>
+                <c:pt idx="25">
+                  <c:v>-20.532820999999998</c:v>
+                </c:pt>
+                <c:pt idx="26">
+                  <c:v>-19.485557</c:v>
+                </c:pt>
+                <c:pt idx="27">
+                  <c:v>-14.159489000000001</c:v>
+                </c:pt>
+                <c:pt idx="28">
+                  <c:v>-8.5584849999999992</c:v>
+                </c:pt>
+                <c:pt idx="29">
+                  <c:v>-6.9935669999999996</c:v>
+                </c:pt>
+                <c:pt idx="30">
+                  <c:v>-3.2027410000000001</c:v>
+                </c:pt>
+                <c:pt idx="31">
+                  <c:v>1.9547479999999999</c:v>
+                </c:pt>
+                <c:pt idx="32">
+                  <c:v>6.9205610000000002</c:v>
+                </c:pt>
+                <c:pt idx="33">
+                  <c:v>8.6584520000000005</c:v>
+                </c:pt>
+                <c:pt idx="34">
+                  <c:v>11.685454999999999</c:v>
+                </c:pt>
+                <c:pt idx="35">
+                  <c:v>16.269000999999999</c:v>
+                </c:pt>
+                <c:pt idx="36">
+                  <c:v>20.699027000000001</c:v>
+                </c:pt>
+                <c:pt idx="37">
+                  <c:v>24.997914999999999</c:v>
+                </c:pt>
+                <c:pt idx="38">
+                  <c:v>25.843205000000001</c:v>
+                </c:pt>
+                <c:pt idx="39">
+                  <c:v>29.182746000000002</c:v>
+                </c:pt>
+                <c:pt idx="40">
+                  <c:v>33.005875000000003</c:v>
+                </c:pt>
+                <c:pt idx="41">
+                  <c:v>40.597751000000002</c:v>
+                </c:pt>
+                <c:pt idx="42">
+                  <c:v>52.012757000000001</c:v>
+                </c:pt>
+                <c:pt idx="43">
+                  <c:v>63.427762000000001</c:v>
+                </c:pt>
+                <c:pt idx="44">
+                  <c:v>74.842766999999995</c:v>
+                </c:pt>
+                <c:pt idx="45">
+                  <c:v>86.257772000000003</c:v>
+                </c:pt>
+                <c:pt idx="46">
+                  <c:v>97.672776999999996</c:v>
+                </c:pt>
+                <c:pt idx="47">
+                  <c:v>109.087783</c:v>
+                </c:pt>
+                <c:pt idx="48">
+                  <c:v>120.502788</c:v>
+                </c:pt>
+                <c:pt idx="49">
+                  <c:v>131.91779299999999</c:v>
+                </c:pt>
+                <c:pt idx="50">
+                  <c:v>143.332798</c:v>
+                </c:pt>
+                <c:pt idx="51">
+                  <c:v>154.747803</c:v>
+                </c:pt>
+                <c:pt idx="52">
+                  <c:v>166.16280800000001</c:v>
+                </c:pt>
+                <c:pt idx="53">
+                  <c:v>177.57781399999999</c:v>
+                </c:pt>
+                <c:pt idx="54">
+                  <c:v>188.992819</c:v>
+                </c:pt>
+                <c:pt idx="55">
+                  <c:v>200.40782400000001</c:v>
+                </c:pt>
+                <c:pt idx="56">
+                  <c:v>211.82282900000001</c:v>
+                </c:pt>
+                <c:pt idx="57">
+                  <c:v>223.23783399999999</c:v>
+                </c:pt>
+                <c:pt idx="58">
+                  <c:v>234.65284</c:v>
+                </c:pt>
+                <c:pt idx="59">
+                  <c:v>246.06784500000001</c:v>
+                </c:pt>
+                <c:pt idx="60">
+                  <c:v>257.48284999999998</c:v>
+                </c:pt>
+                <c:pt idx="61">
+                  <c:v>268.89785499999999</c:v>
+                </c:pt>
+                <c:pt idx="62">
+                  <c:v>280.31286</c:v>
+                </c:pt>
+                <c:pt idx="63">
+                  <c:v>291.72786500000001</c:v>
+                </c:pt>
+                <c:pt idx="64">
+                  <c:v>303.14287100000001</c:v>
+                </c:pt>
+                <c:pt idx="65">
+                  <c:v>314.55787600000002</c:v>
+                </c:pt>
+                <c:pt idx="66">
+                  <c:v>325.97288099999997</c:v>
+                </c:pt>
+                <c:pt idx="67">
+                  <c:v>329.19795900000003</c:v>
+                </c:pt>
+                <c:pt idx="68">
+                  <c:v>332.42295899999999</c:v>
+                </c:pt>
+                <c:pt idx="69">
+                  <c:v>332.729851</c:v>
+                </c:pt>
+                <c:pt idx="70">
+                  <c:v>335.64795800000002</c:v>
+                </c:pt>
+                <c:pt idx="71">
+                  <c:v>338.87295799999998</c:v>
+                </c:pt>
+                <c:pt idx="72">
+                  <c:v>339.48682000000002</c:v>
+                </c:pt>
+                <c:pt idx="73">
+                  <c:v>342.09795800000001</c:v>
+                </c:pt>
+                <c:pt idx="74">
+                  <c:v>342.55835500000001</c:v>
+                </c:pt>
+                <c:pt idx="75">
+                  <c:v>345.32295800000003</c:v>
+                </c:pt>
+                <c:pt idx="76">
+                  <c:v>345.62988899999999</c:v>
+                </c:pt>
+                <c:pt idx="77">
+                  <c:v>348.54795799999999</c:v>
+                </c:pt>
+                <c:pt idx="78">
+                  <c:v>348.70142399999997</c:v>
+                </c:pt>
+                <c:pt idx="79">
+                  <c:v>351.77295800000002</c:v>
+                </c:pt>
+                <c:pt idx="80">
+                  <c:v>351.783593</c:v>
+                </c:pt>
+                <c:pt idx="81">
+                  <c:v>351.79012299999999</c:v>
+                </c:pt>
+                <c:pt idx="82">
+                  <c:v>351.79453999999998</c:v>
+                </c:pt>
+                <c:pt idx="83">
+                  <c:v>351.77298999999999</c:v>
+                </c:pt>
+                <c:pt idx="84">
+                  <c:v>353.18172099999998</c:v>
+                </c:pt>
+                <c:pt idx="85">
+                  <c:v>354.588863</c:v>
+                </c:pt>
+                <c:pt idx="86">
+                  <c:v>355.99588299999999</c:v>
+                </c:pt>
+                <c:pt idx="87">
+                  <c:v>357.40285399999999</c:v>
+                </c:pt>
+                <c:pt idx="88">
+                  <c:v>363.03271699999999</c:v>
+                </c:pt>
+                <c:pt idx="89">
+                  <c:v>371.39068300000002</c:v>
+                </c:pt>
+                <c:pt idx="90">
+                  <c:v>373.39706899999999</c:v>
+                </c:pt>
+                <c:pt idx="91">
+                  <c:v>378.17284799999999</c:v>
+                </c:pt>
+                <c:pt idx="92">
+                  <c:v>382.94862599999999</c:v>
+                </c:pt>
+                <c:pt idx="93">
+                  <c:v>387.34464300000002</c:v>
+                </c:pt>
+                <c:pt idx="94">
+                  <c:v>391.74065999999999</c:v>
+                </c:pt>
+                <c:pt idx="95">
+                  <c:v>399.80091199999998</c:v>
+                </c:pt>
+                <c:pt idx="96">
+                  <c:v>404.579928</c:v>
+                </c:pt>
+                <c:pt idx="97">
+                  <c:v>407.13849800000003</c:v>
+                </c:pt>
+                <c:pt idx="98">
+                  <c:v>413.74821500000002</c:v>
+                </c:pt>
+                <c:pt idx="99">
+                  <c:v>419.625023</c:v>
+                </c:pt>
+                <c:pt idx="100">
+                  <c:v>423.25339300000002</c:v>
+                </c:pt>
+                <c:pt idx="101">
+                  <c:v>424.61222800000002</c:v>
+                </c:pt>
+                <c:pt idx="102">
+                  <c:v>428.76430599999998</c:v>
+                </c:pt>
+                <c:pt idx="103">
+                  <c:v>431.95529800000003</c:v>
+                </c:pt>
+                <c:pt idx="104">
+                  <c:v>432.39297699999997</c:v>
+                </c:pt>
+                <c:pt idx="105">
+                  <c:v>434.05980699999998</c:v>
+                </c:pt>
+                <c:pt idx="106">
+                  <c:v>434.90707600000002</c:v>
+                </c:pt>
+                <c:pt idx="107">
+                  <c:v>434.91402099999999</c:v>
+                </c:pt>
+                <c:pt idx="108">
+                  <c:v>434.26932499999998</c:v>
+                </c:pt>
+                <c:pt idx="109">
+                  <c:v>432.74379199999998</c:v>
+                </c:pt>
+                <c:pt idx="110">
+                  <c:v>431.81727899999998</c:v>
+                </c:pt>
+                <c:pt idx="111">
+                  <c:v>427.26429100000001</c:v>
+                </c:pt>
+                <c:pt idx="112">
+                  <c:v>427.06318199999998</c:v>
+                </c:pt>
+                <c:pt idx="113">
+                  <c:v>419.48319900000001</c:v>
+                </c:pt>
+                <c:pt idx="114">
+                  <c:v>419.22594600000002</c:v>
+                </c:pt>
+                <c:pt idx="115">
+                  <c:v>410.14138500000001</c:v>
+                </c:pt>
+                <c:pt idx="116">
+                  <c:v>406.92649299999999</c:v>
+                </c:pt>
+                <c:pt idx="117">
+                  <c:v>399.78120200000001</c:v>
+                </c:pt>
+                <c:pt idx="118">
+                  <c:v>388.80131599999999</c:v>
+                </c:pt>
+                <c:pt idx="119">
+                  <c:v>387.277962</c:v>
+                </c:pt>
+                <c:pt idx="120">
+                  <c:v>377.49005799999998</c:v>
+                </c:pt>
+                <c:pt idx="121">
+                  <c:v>366.05692800000003</c:v>
+                </c:pt>
+                <c:pt idx="122">
+                  <c:v>354.65327600000001</c:v>
+                </c:pt>
+                <c:pt idx="123">
+                  <c:v>351.90837599999998</c:v>
+                </c:pt>
+                <c:pt idx="124">
+                  <c:v>343.385267</c:v>
+                </c:pt>
+                <c:pt idx="125">
+                  <c:v>332.74190599999997</c:v>
+                </c:pt>
+                <c:pt idx="126">
+                  <c:v>322.098546</c:v>
+                </c:pt>
+                <c:pt idx="127">
+                  <c:v>311.45518499999997</c:v>
+                </c:pt>
+                <c:pt idx="128">
+                  <c:v>300.811825</c:v>
+                </c:pt>
+                <c:pt idx="129">
+                  <c:v>290.16846399999997</c:v>
+                </c:pt>
+                <c:pt idx="130">
+                  <c:v>279.525104</c:v>
+                </c:pt>
+                <c:pt idx="131">
+                  <c:v>268.88174299999997</c:v>
+                </c:pt>
+                <c:pt idx="132">
+                  <c:v>258.238383</c:v>
+                </c:pt>
+              </c:numCache>
+            </c:numRef>
+          </c:xVal>
+          <c:yVal>
+            <c:numRef>
+              <c:f>Sheet1!$E$4:$E$136</c:f>
+              <c:numCache>
+                <c:formatCode>General</c:formatCode>
+                <c:ptCount val="133"/>
+                <c:pt idx="0">
+                  <c:v>1.01325</c:v>
+                </c:pt>
+                <c:pt idx="1">
+                  <c:v>1.8022450000000001</c:v>
+                </c:pt>
+                <c:pt idx="2">
+                  <c:v>2.9821399999999998</c:v>
+                </c:pt>
+                <c:pt idx="3">
+                  <c:v>4.6486320000000001</c:v>
+                </c:pt>
+                <c:pt idx="4">
+                  <c:v>6.8947570000000002</c:v>
+                </c:pt>
+                <c:pt idx="5">
+                  <c:v>8.1650329999999993</c:v>
+                </c:pt>
+                <c:pt idx="6">
+                  <c:v>8.6184469999999997</c:v>
+                </c:pt>
+                <c:pt idx="7">
+                  <c:v>10.773058000000001</c:v>
+                </c:pt>
+                <c:pt idx="8">
+                  <c:v>13.466322999999999</c:v>
+                </c:pt>
+                <c:pt idx="9">
+                  <c:v>16.330065999999999</c:v>
+                </c:pt>
+                <c:pt idx="10">
+                  <c:v>16.832903999999999</c:v>
+                </c:pt>
+                <c:pt idx="11">
+                  <c:v>21.041129000000002</c:v>
+                </c:pt>
+                <c:pt idx="12">
+                  <c:v>24.495099</c:v>
+                </c:pt>
+                <c:pt idx="13">
+                  <c:v>26.301411999999999</c:v>
+                </c:pt>
+                <c:pt idx="14">
+                  <c:v>32.660131</c:v>
+                </c:pt>
+                <c:pt idx="15">
+                  <c:v>32.876764999999999</c:v>
+                </c:pt>
+                <c:pt idx="16">
+                  <c:v>36.721319000000001</c:v>
+                </c:pt>
+                <c:pt idx="17">
+                  <c:v>40.825164000000001</c:v>
+                </c:pt>
+                <c:pt idx="18">
+                  <c:v>41.095956000000001</c:v>
+                </c:pt>
+                <c:pt idx="19">
+                  <c:v>48.990197000000002</c:v>
+                </c:pt>
+                <c:pt idx="20">
+                  <c:v>51.369945000000001</c:v>
+                </c:pt>
+                <c:pt idx="21">
+                  <c:v>57.155230000000003</c:v>
+                </c:pt>
+                <c:pt idx="22">
+                  <c:v>64.212430999999995</c:v>
+                </c:pt>
+                <c:pt idx="23">
+                  <c:v>65.320262999999997</c:v>
+                </c:pt>
+                <c:pt idx="24">
+                  <c:v>73.485296000000005</c:v>
+                </c:pt>
+                <c:pt idx="25">
+                  <c:v>80.265539000000004</c:v>
+                </c:pt>
+                <c:pt idx="26">
+                  <c:v>81.650328999999999</c:v>
+                </c:pt>
+                <c:pt idx="27">
+                  <c:v>89.815360999999996</c:v>
+                </c:pt>
+                <c:pt idx="28">
+                  <c:v>97.980394000000004</c:v>
+                </c:pt>
+                <c:pt idx="29">
+                  <c:v>100.331924</c:v>
+                </c:pt>
+                <c:pt idx="30">
+                  <c:v>106.145427</c:v>
+                </c:pt>
+                <c:pt idx="31">
+                  <c:v>114.31046000000001</c:v>
+                </c:pt>
+                <c:pt idx="32">
+                  <c:v>122.475493</c:v>
+                </c:pt>
+                <c:pt idx="33">
+                  <c:v>125.414905</c:v>
+                </c:pt>
+                <c:pt idx="34">
+                  <c:v>130.64052599999999</c:v>
+                </c:pt>
+                <c:pt idx="35">
+                  <c:v>138.80555899999999</c:v>
+                </c:pt>
+                <c:pt idx="36">
+                  <c:v>146.97059100000001</c:v>
+                </c:pt>
+                <c:pt idx="37">
+                  <c:v>155.13562400000001</c:v>
+                </c:pt>
+                <c:pt idx="38">
+                  <c:v>156.768631</c:v>
+                </c:pt>
+                <c:pt idx="39">
+                  <c:v>163.300657</c:v>
+                </c:pt>
+                <c:pt idx="40">
+                  <c:v>168.215585</c:v>
+                </c:pt>
+                <c:pt idx="41">
+                  <c:v>174.26529300000001</c:v>
+                </c:pt>
+                <c:pt idx="42">
+                  <c:v>182.66084900000001</c:v>
+                </c:pt>
+                <c:pt idx="43">
+                  <c:v>190.279618</c:v>
+                </c:pt>
+                <c:pt idx="44">
+                  <c:v>197.14674299999999</c:v>
+                </c:pt>
+                <c:pt idx="45">
+                  <c:v>203.278999</c:v>
+                </c:pt>
+                <c:pt idx="46">
+                  <c:v>208.69178299999999</c:v>
+                </c:pt>
+                <c:pt idx="47">
+                  <c:v>213.398967</c:v>
+                </c:pt>
+                <c:pt idx="48">
+                  <c:v>217.417239</c:v>
+                </c:pt>
+                <c:pt idx="49">
+                  <c:v>220.76252700000001</c:v>
+                </c:pt>
+                <c:pt idx="50">
+                  <c:v>223.45015699999999</c:v>
+                </c:pt>
+                <c:pt idx="51">
+                  <c:v>225.49844999999999</c:v>
+                </c:pt>
+                <c:pt idx="52">
+                  <c:v>226.92018300000001</c:v>
+                </c:pt>
+                <c:pt idx="53">
+                  <c:v>227.73249300000001</c:v>
+                </c:pt>
+                <c:pt idx="54">
+                  <c:v>227.94902099999999</c:v>
+                </c:pt>
+                <c:pt idx="55">
+                  <c:v>227.58755199999999</c:v>
+                </c:pt>
+                <c:pt idx="56">
+                  <c:v>226.65426099999999</c:v>
+                </c:pt>
+                <c:pt idx="57">
+                  <c:v>225.16287199999999</c:v>
+                </c:pt>
+                <c:pt idx="58">
+                  <c:v>223.124605</c:v>
+                </c:pt>
+                <c:pt idx="59">
+                  <c:v>220.550307</c:v>
+                </c:pt>
+                <c:pt idx="60">
+                  <c:v>217.445066</c:v>
+                </c:pt>
+                <c:pt idx="61">
+                  <c:v>213.816101</c:v>
+                </c:pt>
+                <c:pt idx="62">
+                  <c:v>209.66465299999999</c:v>
+                </c:pt>
+                <c:pt idx="63">
+                  <c:v>204.993312</c:v>
+                </c:pt>
+                <c:pt idx="64">
+                  <c:v>199.79728</c:v>
+                </c:pt>
+                <c:pt idx="65">
+                  <c:v>194.070131</c:v>
+                </c:pt>
+                <c:pt idx="66">
+                  <c:v>187.79575600000001</c:v>
+                </c:pt>
+                <c:pt idx="67">
+                  <c:v>185.92177599999999</c:v>
+                </c:pt>
+                <c:pt idx="68">
+                  <c:v>184.00118900000001</c:v>
+                </c:pt>
+                <c:pt idx="69">
+                  <c:v>183.81614400000001</c:v>
+                </c:pt>
+                <c:pt idx="70">
+                  <c:v>182.03402800000001</c:v>
+                </c:pt>
+                <c:pt idx="71">
+                  <c:v>180.019429</c:v>
+                </c:pt>
+                <c:pt idx="72">
+                  <c:v>179.63072299999999</c:v>
+                </c:pt>
+                <c:pt idx="73">
+                  <c:v>177.95644799999999</c:v>
+                </c:pt>
+                <c:pt idx="74">
+                  <c:v>177.658086</c:v>
+                </c:pt>
+                <c:pt idx="75">
+                  <c:v>175.84404499999999</c:v>
+                </c:pt>
+                <c:pt idx="76">
+                  <c:v>175.64048299999999</c:v>
+                </c:pt>
+                <c:pt idx="77">
+                  <c:v>173.68105499999999</c:v>
+                </c:pt>
+                <c:pt idx="78">
+                  <c:v>173.57641000000001</c:v>
+                </c:pt>
+                <c:pt idx="79">
+                  <c:v>171.46569</c:v>
+                </c:pt>
+                <c:pt idx="80">
+                  <c:v>171.458091</c:v>
+                </c:pt>
+                <c:pt idx="81">
+                  <c:v>171.453427</c:v>
+                </c:pt>
+                <c:pt idx="82">
+                  <c:v>171.45026999999999</c:v>
+                </c:pt>
+                <c:pt idx="83">
+                  <c:v>171.46569</c:v>
+                </c:pt>
+                <c:pt idx="84">
+                  <c:v>170.48100299999999</c:v>
+                </c:pt>
+                <c:pt idx="85">
+                  <c:v>169.48761400000001</c:v>
+                </c:pt>
+                <c:pt idx="86">
+                  <c:v>168.48389299999999</c:v>
+                </c:pt>
+                <c:pt idx="87">
+                  <c:v>167.46922900000001</c:v>
+                </c:pt>
+                <c:pt idx="88">
+                  <c:v>163.300657</c:v>
+                </c:pt>
+                <c:pt idx="89">
+                  <c:v>156.768631</c:v>
+                </c:pt>
+                <c:pt idx="90">
+                  <c:v>155.13562400000001</c:v>
+                </c:pt>
+                <c:pt idx="91">
+                  <c:v>151.13631699999999</c:v>
+                </c:pt>
+                <c:pt idx="92">
+                  <c:v>146.97059100000001</c:v>
+                </c:pt>
+                <c:pt idx="93">
+                  <c:v>142.974245</c:v>
+                </c:pt>
+                <c:pt idx="94">
+                  <c:v>138.80555899999999</c:v>
+                </c:pt>
+                <c:pt idx="95">
+                  <c:v>130.64052599999999</c:v>
+                </c:pt>
+                <c:pt idx="96">
+                  <c:v>125.414905</c:v>
+                </c:pt>
+                <c:pt idx="97">
+                  <c:v>122.475493</c:v>
+                </c:pt>
+                <c:pt idx="98">
+                  <c:v>114.31046000000001</c:v>
+                </c:pt>
+                <c:pt idx="99">
+                  <c:v>106.145427</c:v>
+                </c:pt>
+                <c:pt idx="100">
+                  <c:v>100.331924</c:v>
+                </c:pt>
+                <c:pt idx="101">
+                  <c:v>97.980394000000004</c:v>
+                </c:pt>
+                <c:pt idx="102">
+                  <c:v>89.815360999999996</c:v>
+                </c:pt>
+                <c:pt idx="103">
+                  <c:v>81.650328999999999</c:v>
+                </c:pt>
+                <c:pt idx="104">
+                  <c:v>80.265539000000004</c:v>
+                </c:pt>
+                <c:pt idx="105">
+                  <c:v>73.485296000000005</c:v>
+                </c:pt>
+                <c:pt idx="106">
+                  <c:v>65.320262999999997</c:v>
+                </c:pt>
+                <c:pt idx="107">
+                  <c:v>64.212430999999995</c:v>
+                </c:pt>
+                <c:pt idx="108">
+                  <c:v>57.155230000000003</c:v>
+                </c:pt>
+                <c:pt idx="109">
+                  <c:v>51.369945000000001</c:v>
+                </c:pt>
+                <c:pt idx="110">
+                  <c:v>48.990197000000002</c:v>
+                </c:pt>
+                <c:pt idx="111">
+                  <c:v>41.095956000000001</c:v>
+                </c:pt>
+                <c:pt idx="112">
+                  <c:v>40.825164000000001</c:v>
+                </c:pt>
+                <c:pt idx="113">
+                  <c:v>32.876764999999999</c:v>
+                </c:pt>
+                <c:pt idx="114">
+                  <c:v>32.660131</c:v>
+                </c:pt>
+                <c:pt idx="115">
+                  <c:v>26.301411999999999</c:v>
+                </c:pt>
+                <c:pt idx="116">
+                  <c:v>24.495099</c:v>
+                </c:pt>
+                <c:pt idx="117">
+                  <c:v>21.041129000000002</c:v>
+                </c:pt>
+                <c:pt idx="118">
+                  <c:v>16.832903999999999</c:v>
+                </c:pt>
+                <c:pt idx="119">
+                  <c:v>16.330065999999999</c:v>
+                </c:pt>
+                <c:pt idx="120">
+                  <c:v>13.466322999999999</c:v>
+                </c:pt>
+                <c:pt idx="121">
+                  <c:v>10.773058000000001</c:v>
+                </c:pt>
+                <c:pt idx="122">
+                  <c:v>8.6184469999999997</c:v>
+                </c:pt>
+                <c:pt idx="123">
+                  <c:v>8.1650329999999993</c:v>
+                </c:pt>
+                <c:pt idx="124">
+                  <c:v>6.8947570000000002</c:v>
+                </c:pt>
+                <c:pt idx="125">
+                  <c:v>5.562487</c:v>
+                </c:pt>
+                <c:pt idx="126">
+                  <c:v>4.4651319999999997</c:v>
+                </c:pt>
+                <c:pt idx="127">
+                  <c:v>3.5623170000000002</c:v>
+                </c:pt>
+                <c:pt idx="128">
+                  <c:v>2.8218019999999999</c:v>
+                </c:pt>
+                <c:pt idx="129">
+                  <c:v>2.2170160000000001</c:v>
+                </c:pt>
+                <c:pt idx="130">
+                  <c:v>1.725911</c:v>
+                </c:pt>
+                <c:pt idx="131">
+                  <c:v>1.3299110000000001</c:v>
+                </c:pt>
+                <c:pt idx="132">
+                  <c:v>1.01325</c:v>
+                </c:pt>
+              </c:numCache>
+            </c:numRef>
+          </c:yVal>
+          <c:smooth val="1"/>
+          <c:extLst>
+            <c:ext xmlns:c16="http://schemas.microsoft.com/office/drawing/2014/chart" uri="{C3380CC4-5D6E-409C-BE32-E72D297353CC}">
+              <c16:uniqueId val="{00000001-6ECB-47C5-83C4-B8F600F7350D}"/>
+            </c:ext>
+          </c:extLst>
+        </c:ser>
+        <c:ser>
+          <c:idx val="2"/>
+          <c:order val="2"/>
+          <c:tx>
+            <c:strRef>
+              <c:f>Sheet1!$G$2</c:f>
+              <c:strCache>
+                <c:ptCount val="1"/>
+                <c:pt idx="0">
+                  <c:v>EPPR78 Match Aro</c:v>
+                </c:pt>
+              </c:strCache>
+            </c:strRef>
+          </c:tx>
+          <c:spPr>
+            <a:ln w="19050" cap="rnd">
+              <a:solidFill>
+                <a:srgbClr val="0070C0"/>
+              </a:solidFill>
+              <a:prstDash val="dash"/>
+              <a:round/>
+            </a:ln>
+            <a:effectLst/>
+          </c:spPr>
+          <c:marker>
+            <c:symbol val="none"/>
+          </c:marker>
+          <c:xVal>
+            <c:numRef>
+              <c:f>Sheet1!$G$4:$G$142</c:f>
+              <c:numCache>
+                <c:formatCode>General</c:formatCode>
+                <c:ptCount val="139"/>
+                <c:pt idx="0">
+                  <c:v>-151.97335000000001</c:v>
+                </c:pt>
+                <c:pt idx="1">
+                  <c:v>-139.832145</c:v>
+                </c:pt>
+                <c:pt idx="2">
+                  <c:v>-127.69094</c:v>
+                </c:pt>
+                <c:pt idx="3">
+                  <c:v>-115.549735</c:v>
+                </c:pt>
+                <c:pt idx="4">
+                  <c:v>-109.898965</c:v>
+                </c:pt>
+                <c:pt idx="5">
+                  <c:v>-105.346716</c:v>
+                </c:pt>
+                <c:pt idx="6">
+                  <c:v>-103.83969999999999</c:v>
+                </c:pt>
+                <c:pt idx="7">
+                  <c:v>-97.327698999999996</c:v>
+                </c:pt>
+                <c:pt idx="8">
+                  <c:v>-90.310804000000005</c:v>
+                </c:pt>
+                <c:pt idx="9">
+                  <c:v>-83.794218999999998</c:v>
+                </c:pt>
+                <c:pt idx="10">
+                  <c:v>-82.727879000000001</c:v>
+                </c:pt>
+                <c:pt idx="11">
+                  <c:v>-74.509726000000001</c:v>
+                </c:pt>
+                <c:pt idx="12">
+                  <c:v>-68.506905000000003</c:v>
+                </c:pt>
+                <c:pt idx="13">
+                  <c:v>-65.574686</c:v>
+                </c:pt>
+                <c:pt idx="14">
+                  <c:v>-56.128976000000002</c:v>
+                </c:pt>
+                <c:pt idx="15">
+                  <c:v>-55.827489999999997</c:v>
+                </c:pt>
+                <c:pt idx="16">
+                  <c:v>-45.486792999999999</c:v>
+                </c:pt>
+                <c:pt idx="17">
+                  <c:v>-45.156402</c:v>
+                </c:pt>
+                <c:pt idx="18">
+                  <c:v>-36.017088000000001</c:v>
+                </c:pt>
+                <c:pt idx="19">
+                  <c:v>-33.428243999999999</c:v>
+                </c:pt>
+                <c:pt idx="20">
+                  <c:v>-27.401077999999998</c:v>
+                </c:pt>
+                <c:pt idx="21">
+                  <c:v>-20.486418</c:v>
+                </c:pt>
+                <c:pt idx="22">
+                  <c:v>-19.438904000000001</c:v>
+                </c:pt>
+                <c:pt idx="23">
+                  <c:v>-12.684618</c:v>
+                </c:pt>
+                <c:pt idx="24">
+                  <c:v>-6.9444530000000002</c:v>
+                </c:pt>
+                <c:pt idx="25">
+                  <c:v>-5.8047069999999996</c:v>
+                </c:pt>
+                <c:pt idx="26">
+                  <c:v>0.72718899999999997</c:v>
+                </c:pt>
+                <c:pt idx="27">
+                  <c:v>6.9614240000000001</c:v>
+                </c:pt>
+                <c:pt idx="28">
+                  <c:v>8.7002970000000008</c:v>
+                </c:pt>
+                <c:pt idx="29">
+                  <c:v>12.891591999999999</c:v>
+                </c:pt>
+                <c:pt idx="30">
+                  <c:v>18.549821999999999</c:v>
+                </c:pt>
+                <c:pt idx="31">
+                  <c:v>23.985453</c:v>
+                </c:pt>
+                <c:pt idx="32">
+                  <c:v>25.895126999999999</c:v>
+                </c:pt>
+                <c:pt idx="33">
+                  <c:v>29.235102999999999</c:v>
+                </c:pt>
+                <c:pt idx="34">
+                  <c:v>45.074373000000001</c:v>
+                </c:pt>
+                <c:pt idx="35">
+                  <c:v>59.278530000000003</c:v>
+                </c:pt>
+                <c:pt idx="36">
+                  <c:v>63.177751000000001</c:v>
+                </c:pt>
+                <c:pt idx="37">
+                  <c:v>67.124330999999998</c:v>
+                </c:pt>
+                <c:pt idx="38">
+                  <c:v>73.482686000000001</c:v>
+                </c:pt>
+                <c:pt idx="39">
+                  <c:v>87.686842999999996</c:v>
+                </c:pt>
+                <c:pt idx="40">
+                  <c:v>101.89100000000001</c:v>
+                </c:pt>
+                <c:pt idx="41">
+                  <c:v>116.095156</c:v>
+                </c:pt>
+                <c:pt idx="42">
+                  <c:v>130.29931300000001</c:v>
+                </c:pt>
+                <c:pt idx="43">
+                  <c:v>144.503469</c:v>
+                </c:pt>
+                <c:pt idx="44">
+                  <c:v>158.707626</c:v>
+                </c:pt>
+                <c:pt idx="45">
+                  <c:v>172.91178199999999</c:v>
+                </c:pt>
+                <c:pt idx="46">
+                  <c:v>187.115939</c:v>
+                </c:pt>
+                <c:pt idx="47">
+                  <c:v>201.32009500000001</c:v>
+                </c:pt>
+                <c:pt idx="48">
+                  <c:v>215.52425199999999</c:v>
+                </c:pt>
+                <c:pt idx="49">
+                  <c:v>229.728409</c:v>
+                </c:pt>
+                <c:pt idx="50">
+                  <c:v>243.93256500000001</c:v>
+                </c:pt>
+                <c:pt idx="51">
+                  <c:v>258.13672200000002</c:v>
+                </c:pt>
+                <c:pt idx="52">
+                  <c:v>272.34087799999998</c:v>
+                </c:pt>
+                <c:pt idx="53">
+                  <c:v>286.54503499999998</c:v>
+                </c:pt>
+                <c:pt idx="54">
+                  <c:v>291.08896199999998</c:v>
+                </c:pt>
+                <c:pt idx="55">
+                  <c:v>295.632946</c:v>
+                </c:pt>
+                <c:pt idx="56">
+                  <c:v>297.23064499999998</c:v>
+                </c:pt>
+                <c:pt idx="57">
+                  <c:v>300.17693000000003</c:v>
+                </c:pt>
+                <c:pt idx="58">
+                  <c:v>304.72091399999999</c:v>
+                </c:pt>
+                <c:pt idx="59">
+                  <c:v>307.91625499999998</c:v>
+                </c:pt>
+                <c:pt idx="60">
+                  <c:v>309.26489800000002</c:v>
+                </c:pt>
+                <c:pt idx="61">
+                  <c:v>313.80888199999998</c:v>
+                </c:pt>
+                <c:pt idx="62">
+                  <c:v>317.03589199999999</c:v>
+                </c:pt>
+                <c:pt idx="63">
+                  <c:v>318.35286600000001</c:v>
+                </c:pt>
+                <c:pt idx="64">
+                  <c:v>322.89684999999997</c:v>
+                </c:pt>
+                <c:pt idx="65">
+                  <c:v>326.15553</c:v>
+                </c:pt>
+                <c:pt idx="66">
+                  <c:v>327.440834</c:v>
+                </c:pt>
+                <c:pt idx="67">
+                  <c:v>331.98481900000002</c:v>
+                </c:pt>
+                <c:pt idx="68">
+                  <c:v>334.20879300000001</c:v>
+                </c:pt>
+                <c:pt idx="69">
+                  <c:v>336.52880299999998</c:v>
+                </c:pt>
+                <c:pt idx="70">
+                  <c:v>341.07278700000001</c:v>
+                </c:pt>
+                <c:pt idx="71">
+                  <c:v>342.26205700000003</c:v>
+                </c:pt>
+                <c:pt idx="72">
+                  <c:v>345.61677100000003</c:v>
+                </c:pt>
+                <c:pt idx="73">
+                  <c:v>349.50728400000003</c:v>
+                </c:pt>
+                <c:pt idx="74">
+                  <c:v>350.16075499999999</c:v>
+                </c:pt>
+                <c:pt idx="75">
+                  <c:v>354.70473900000002</c:v>
+                </c:pt>
+                <c:pt idx="76">
+                  <c:v>356.75251100000003</c:v>
+                </c:pt>
+                <c:pt idx="77">
+                  <c:v>359.24872299999998</c:v>
+                </c:pt>
+                <c:pt idx="78">
+                  <c:v>363.33996400000001</c:v>
+                </c:pt>
+                <c:pt idx="79">
+                  <c:v>363.79270700000001</c:v>
+                </c:pt>
+                <c:pt idx="80">
+                  <c:v>368.23950500000001</c:v>
+                </c:pt>
+                <c:pt idx="81">
+                  <c:v>368.33669099999997</c:v>
+                </c:pt>
+                <c:pt idx="82">
+                  <c:v>369.92741799999999</c:v>
+                </c:pt>
+                <c:pt idx="83">
+                  <c:v>372.880675</c:v>
+                </c:pt>
+                <c:pt idx="84">
+                  <c:v>373.94115900000003</c:v>
+                </c:pt>
+                <c:pt idx="85">
+                  <c:v>377.42465900000002</c:v>
+                </c:pt>
+                <c:pt idx="86">
+                  <c:v>377.95490100000001</c:v>
+                </c:pt>
+                <c:pt idx="87">
+                  <c:v>381.19874099999998</c:v>
+                </c:pt>
+                <c:pt idx="88">
+                  <c:v>381.96864299999999</c:v>
+                </c:pt>
+                <c:pt idx="89">
+                  <c:v>381.97709200000003</c:v>
+                </c:pt>
+                <c:pt idx="90">
+                  <c:v>381.982305</c:v>
+                </c:pt>
+                <c:pt idx="91">
+                  <c:v>381.985838</c:v>
+                </c:pt>
+                <c:pt idx="92">
+                  <c:v>381.98839199999998</c:v>
+                </c:pt>
+                <c:pt idx="93">
+                  <c:v>381.96868000000001</c:v>
+                </c:pt>
+                <c:pt idx="94">
+                  <c:v>383.072205</c:v>
+                </c:pt>
+                <c:pt idx="95">
+                  <c:v>384.17403400000001</c:v>
+                </c:pt>
+                <c:pt idx="96">
+                  <c:v>385.27576199999999</c:v>
+                </c:pt>
+                <c:pt idx="97">
+                  <c:v>386.377456</c:v>
+                </c:pt>
+                <c:pt idx="98">
+                  <c:v>387.47913299999999</c:v>
+                </c:pt>
+                <c:pt idx="99">
+                  <c:v>392.98958599999997</c:v>
+                </c:pt>
+                <c:pt idx="100">
+                  <c:v>399.53894100000002</c:v>
+                </c:pt>
+                <c:pt idx="101">
+                  <c:v>403.054148</c:v>
+                </c:pt>
+                <c:pt idx="102">
+                  <c:v>412.191732</c:v>
+                </c:pt>
+                <c:pt idx="103">
+                  <c:v>420.40488399999998</c:v>
+                </c:pt>
+                <c:pt idx="104">
+                  <c:v>425.69381499999997</c:v>
+                </c:pt>
+                <c:pt idx="105">
+                  <c:v>427.75237299999998</c:v>
+                </c:pt>
+                <c:pt idx="106">
+                  <c:v>433.88708300000002</c:v>
+                </c:pt>
+                <c:pt idx="107">
+                  <c:v>439.01043900000002</c:v>
+                </c:pt>
+                <c:pt idx="108">
+                  <c:v>439.76222200000001</c:v>
+                </c:pt>
+                <c:pt idx="109">
+                  <c:v>442.90942999999999</c:v>
+                </c:pt>
+                <c:pt idx="110">
+                  <c:v>445.40443699999997</c:v>
+                </c:pt>
+                <c:pt idx="111">
+                  <c:v>445.62168300000002</c:v>
+                </c:pt>
+                <c:pt idx="112">
+                  <c:v>446.24717299999998</c:v>
+                </c:pt>
+                <c:pt idx="113">
+                  <c:v>445.65731899999997</c:v>
+                </c:pt>
+                <c:pt idx="114">
+                  <c:v>445.08515499999999</c:v>
+                </c:pt>
+                <c:pt idx="115">
+                  <c:v>441.56473199999999</c:v>
+                </c:pt>
+                <c:pt idx="116">
+                  <c:v>441.39375100000001</c:v>
+                </c:pt>
+                <c:pt idx="117">
+                  <c:v>434.57501000000002</c:v>
+                </c:pt>
+                <c:pt idx="118">
+                  <c:v>434.33356700000002</c:v>
+                </c:pt>
+                <c:pt idx="119">
+                  <c:v>425.59296699999999</c:v>
+                </c:pt>
+                <c:pt idx="120">
+                  <c:v>422.42408</c:v>
+                </c:pt>
+                <c:pt idx="121">
+                  <c:v>415.28611899999999</c:v>
+                </c:pt>
+                <c:pt idx="122">
+                  <c:v>404.14163200000002</c:v>
+                </c:pt>
+                <c:pt idx="123">
+                  <c:v>402.58301499999999</c:v>
+                </c:pt>
+                <c:pt idx="124">
+                  <c:v>392.51492100000002</c:v>
+                </c:pt>
+                <c:pt idx="125">
+                  <c:v>380.66489300000001</c:v>
+                </c:pt>
+                <c:pt idx="126">
+                  <c:v>368.77696800000001</c:v>
+                </c:pt>
+                <c:pt idx="127">
+                  <c:v>365.90810499999998</c:v>
+                </c:pt>
+                <c:pt idx="128">
+                  <c:v>356.98481600000002</c:v>
+                </c:pt>
+                <c:pt idx="129">
+                  <c:v>345.38165400000003</c:v>
+                </c:pt>
+                <c:pt idx="130">
+                  <c:v>330.90105399999999</c:v>
+                </c:pt>
+                <c:pt idx="131">
+                  <c:v>316.42045400000001</c:v>
+                </c:pt>
+                <c:pt idx="132">
+                  <c:v>301.93985400000003</c:v>
+                </c:pt>
+                <c:pt idx="133">
+                  <c:v>287.45925299999999</c:v>
+                </c:pt>
+                <c:pt idx="134">
+                  <c:v>272.97865300000001</c:v>
+                </c:pt>
+                <c:pt idx="135">
+                  <c:v>258.49805300000003</c:v>
+                </c:pt>
+                <c:pt idx="136">
+                  <c:v>265.002769</c:v>
+                </c:pt>
+                <c:pt idx="137">
+                  <c:v>250.75226000000001</c:v>
+                </c:pt>
+                <c:pt idx="138">
+                  <c:v>236.50174999999999</c:v>
+                </c:pt>
+              </c:numCache>
+            </c:numRef>
+          </c:xVal>
+          <c:yVal>
+            <c:numRef>
+              <c:f>Sheet1!$H$4:$H$142</c:f>
+              <c:numCache>
+                <c:formatCode>General</c:formatCode>
+                <c:ptCount val="139"/>
+                <c:pt idx="0">
+                  <c:v>1.01325</c:v>
+                </c:pt>
+                <c:pt idx="1">
+                  <c:v>2.147418</c:v>
+                </c:pt>
+                <c:pt idx="2">
+                  <c:v>4.0333050000000004</c:v>
+                </c:pt>
+                <c:pt idx="3">
+                  <c:v>6.8947570000000002</c:v>
+                </c:pt>
+                <c:pt idx="4">
+                  <c:v>8.6184469999999997</c:v>
+                </c:pt>
+                <c:pt idx="5">
+                  <c:v>10.206291</c:v>
+                </c:pt>
+                <c:pt idx="6">
+                  <c:v>10.773058000000001</c:v>
+                </c:pt>
+                <c:pt idx="7">
+                  <c:v>13.466322999999999</c:v>
+                </c:pt>
+                <c:pt idx="8">
+                  <c:v>16.832903999999999</c:v>
+                </c:pt>
+                <c:pt idx="9">
+                  <c:v>20.412582</c:v>
+                </c:pt>
+                <c:pt idx="10">
+                  <c:v>21.041129000000002</c:v>
+                </c:pt>
+                <c:pt idx="11">
+                  <c:v>26.301411999999999</c:v>
+                </c:pt>
+                <c:pt idx="12">
+                  <c:v>30.618873000000001</c:v>
+                </c:pt>
+                <c:pt idx="13">
+                  <c:v>32.876764999999999</c:v>
+                </c:pt>
+                <c:pt idx="14">
+                  <c:v>40.825164000000001</c:v>
+                </c:pt>
+                <c:pt idx="15">
+                  <c:v>41.095956000000001</c:v>
+                </c:pt>
+                <c:pt idx="16">
+                  <c:v>51.031455000000001</c:v>
+                </c:pt>
+                <c:pt idx="17">
+                  <c:v>51.369945000000001</c:v>
+                </c:pt>
+                <c:pt idx="18">
+                  <c:v>61.237746000000001</c:v>
+                </c:pt>
+                <c:pt idx="19">
+                  <c:v>64.212430999999995</c:v>
+                </c:pt>
+                <c:pt idx="20">
+                  <c:v>71.444038000000006</c:v>
+                </c:pt>
+                <c:pt idx="21">
+                  <c:v>80.265539000000004</c:v>
+                </c:pt>
+                <c:pt idx="22">
+                  <c:v>81.650328999999999</c:v>
+                </c:pt>
+                <c:pt idx="23">
+                  <c:v>91.856620000000007</c:v>
+                </c:pt>
+                <c:pt idx="24">
+                  <c:v>100.331924</c:v>
+                </c:pt>
+                <c:pt idx="25">
+                  <c:v>102.062911</c:v>
+                </c:pt>
+                <c:pt idx="26">
+                  <c:v>112.26920200000001</c:v>
+                </c:pt>
+                <c:pt idx="27">
+                  <c:v>122.475493</c:v>
+                </c:pt>
+                <c:pt idx="28">
+                  <c:v>125.414905</c:v>
+                </c:pt>
+                <c:pt idx="29">
+                  <c:v>132.68178399999999</c:v>
+                </c:pt>
+                <c:pt idx="30">
+                  <c:v>142.88807499999999</c:v>
+                </c:pt>
+                <c:pt idx="31">
+                  <c:v>153.09436600000001</c:v>
+                </c:pt>
+                <c:pt idx="32">
+                  <c:v>156.768631</c:v>
+                </c:pt>
+                <c:pt idx="33">
+                  <c:v>163.300657</c:v>
+                </c:pt>
+                <c:pt idx="34">
+                  <c:v>195.96078900000001</c:v>
+                </c:pt>
+                <c:pt idx="35">
+                  <c:v>217.519147</c:v>
+                </c:pt>
+                <c:pt idx="36">
+                  <c:v>220.044623</c:v>
+                </c:pt>
+                <c:pt idx="37">
+                  <c:v>222.51104699999999</c:v>
+                </c:pt>
+                <c:pt idx="38">
+                  <c:v>226.29534899999999</c:v>
+                </c:pt>
+                <c:pt idx="39">
+                  <c:v>233.92232799999999</c:v>
+                </c:pt>
+                <c:pt idx="40">
+                  <c:v>240.42609400000001</c:v>
+                </c:pt>
+                <c:pt idx="41">
+                  <c:v>245.827191</c:v>
+                </c:pt>
+                <c:pt idx="42">
+                  <c:v>250.15446600000001</c:v>
+                </c:pt>
+                <c:pt idx="43">
+                  <c:v>253.435869</c:v>
+                </c:pt>
+                <c:pt idx="44">
+                  <c:v>255.70352600000001</c:v>
+                </c:pt>
+                <c:pt idx="45">
+                  <c:v>256.98276600000003</c:v>
+                </c:pt>
+                <c:pt idx="46">
+                  <c:v>257.304821</c:v>
+                </c:pt>
+                <c:pt idx="47">
+                  <c:v>256.70079600000003</c:v>
+                </c:pt>
+                <c:pt idx="48">
+                  <c:v>255.189131</c:v>
+                </c:pt>
+                <c:pt idx="49">
+                  <c:v>252.79276999999999</c:v>
+                </c:pt>
+                <c:pt idx="50">
+                  <c:v>249.534738</c:v>
+                </c:pt>
+                <c:pt idx="51">
+                  <c:v>245.43309600000001</c:v>
+                </c:pt>
+                <c:pt idx="52">
+                  <c:v>240.49957800000001</c:v>
+                </c:pt>
+                <c:pt idx="53">
+                  <c:v>234.74469500000001</c:v>
+                </c:pt>
+                <c:pt idx="54">
+                  <c:v>232.73010500000001</c:v>
+                </c:pt>
+                <c:pt idx="55">
+                  <c:v>230.63346300000001</c:v>
+                </c:pt>
+                <c:pt idx="56">
+                  <c:v>229.87442999999999</c:v>
+                </c:pt>
+                <c:pt idx="57">
+                  <c:v>228.45083299999999</c:v>
+                </c:pt>
+                <c:pt idx="58">
+                  <c:v>226.182233</c:v>
+                </c:pt>
+                <c:pt idx="59">
+                  <c:v>224.53840400000001</c:v>
+                </c:pt>
+                <c:pt idx="60">
+                  <c:v>223.83044100000001</c:v>
+                </c:pt>
+                <c:pt idx="61">
+                  <c:v>221.39326</c:v>
+                </c:pt>
+                <c:pt idx="62">
+                  <c:v>219.60981799999999</c:v>
+                </c:pt>
+                <c:pt idx="63">
+                  <c:v>218.868752</c:v>
+                </c:pt>
+                <c:pt idx="64">
+                  <c:v>216.25847200000001</c:v>
+                </c:pt>
+                <c:pt idx="65">
+                  <c:v>214.33211299999999</c:v>
+                </c:pt>
+                <c:pt idx="66">
+                  <c:v>213.559089</c:v>
+                </c:pt>
+                <c:pt idx="67">
+                  <c:v>210.770522</c:v>
+                </c:pt>
+                <c:pt idx="68">
+                  <c:v>209.372726</c:v>
+                </c:pt>
+                <c:pt idx="69">
+                  <c:v>207.89123900000001</c:v>
+                </c:pt>
+                <c:pt idx="70">
+                  <c:v>204.91871399999999</c:v>
+                </c:pt>
+                <c:pt idx="71">
+                  <c:v>204.125821</c:v>
+                </c:pt>
+                <c:pt idx="72">
+                  <c:v>201.852394</c:v>
+                </c:pt>
+                <c:pt idx="73">
+                  <c:v>199.14923300000001</c:v>
+                </c:pt>
+                <c:pt idx="74">
+                  <c:v>198.68843200000001</c:v>
+                </c:pt>
+                <c:pt idx="75">
+                  <c:v>195.42413099999999</c:v>
+                </c:pt>
+                <c:pt idx="76">
+                  <c:v>193.91953000000001</c:v>
+                </c:pt>
+                <c:pt idx="77">
+                  <c:v>192.056837</c:v>
+                </c:pt>
+                <c:pt idx="78">
+                  <c:v>188.93350899999999</c:v>
+                </c:pt>
+                <c:pt idx="79">
+                  <c:v>188.58216300000001</c:v>
+                </c:pt>
+                <c:pt idx="80">
+                  <c:v>185.07407799999999</c:v>
+                </c:pt>
+                <c:pt idx="81">
+                  <c:v>184.99604199999999</c:v>
+                </c:pt>
+                <c:pt idx="82">
+                  <c:v>183.71323899999999</c:v>
+                </c:pt>
+                <c:pt idx="83">
+                  <c:v>181.29270500000001</c:v>
+                </c:pt>
+                <c:pt idx="84">
+                  <c:v>180.41070999999999</c:v>
+                </c:pt>
+                <c:pt idx="85">
+                  <c:v>177.465476</c:v>
+                </c:pt>
+                <c:pt idx="86">
+                  <c:v>177.01049699999999</c:v>
+                </c:pt>
+                <c:pt idx="87">
+                  <c:v>174.18736799999999</c:v>
+                </c:pt>
+                <c:pt idx="88">
+                  <c:v>173.50694799999999</c:v>
+                </c:pt>
+                <c:pt idx="89">
+                  <c:v>173.49933100000001</c:v>
+                </c:pt>
+                <c:pt idx="90">
+                  <c:v>173.494641</c:v>
+                </c:pt>
+                <c:pt idx="91">
+                  <c:v>173.49146200000001</c:v>
+                </c:pt>
+                <c:pt idx="92">
+                  <c:v>173.48916500000001</c:v>
+                </c:pt>
+                <c:pt idx="93">
+                  <c:v>173.50694799999999</c:v>
+                </c:pt>
+                <c:pt idx="94">
+                  <c:v>172.52496199999999</c:v>
+                </c:pt>
+                <c:pt idx="95">
+                  <c:v>171.53588500000001</c:v>
+                </c:pt>
+                <c:pt idx="96">
+                  <c:v>170.53840400000001</c:v>
+                </c:pt>
+                <c:pt idx="97">
+                  <c:v>169.532298</c:v>
+                </c:pt>
+                <c:pt idx="98">
+                  <c:v>168.51737900000001</c:v>
+                </c:pt>
+                <c:pt idx="99">
+                  <c:v>163.300657</c:v>
+                </c:pt>
+                <c:pt idx="100">
+                  <c:v>156.768631</c:v>
+                </c:pt>
+                <c:pt idx="101">
+                  <c:v>153.09436600000001</c:v>
+                </c:pt>
+                <c:pt idx="102">
+                  <c:v>142.88807499999999</c:v>
+                </c:pt>
+                <c:pt idx="103">
+                  <c:v>132.68178399999999</c:v>
+                </c:pt>
+                <c:pt idx="104">
+                  <c:v>125.414905</c:v>
+                </c:pt>
+                <c:pt idx="105">
+                  <c:v>122.475493</c:v>
+                </c:pt>
+                <c:pt idx="106">
+                  <c:v>112.26920200000001</c:v>
+                </c:pt>
+                <c:pt idx="107">
+                  <c:v>102.062911</c:v>
+                </c:pt>
+                <c:pt idx="108">
+                  <c:v>100.331924</c:v>
+                </c:pt>
+                <c:pt idx="109">
+                  <c:v>91.856620000000007</c:v>
+                </c:pt>
+                <c:pt idx="110">
+                  <c:v>81.650328999999999</c:v>
+                </c:pt>
+                <c:pt idx="111">
+                  <c:v>80.265539000000004</c:v>
+                </c:pt>
+                <c:pt idx="112">
+                  <c:v>71.444038000000006</c:v>
+                </c:pt>
+                <c:pt idx="113">
+                  <c:v>64.212430999999995</c:v>
+                </c:pt>
+                <c:pt idx="114">
+                  <c:v>61.237746000000001</c:v>
+                </c:pt>
+                <c:pt idx="115">
+                  <c:v>51.369945000000001</c:v>
+                </c:pt>
+                <c:pt idx="116">
+                  <c:v>51.031455000000001</c:v>
+                </c:pt>
+                <c:pt idx="117">
+                  <c:v>41.095956000000001</c:v>
+                </c:pt>
+                <c:pt idx="118">
+                  <c:v>40.825164000000001</c:v>
+                </c:pt>
+                <c:pt idx="119">
+                  <c:v>32.876764999999999</c:v>
+                </c:pt>
+                <c:pt idx="120">
+                  <c:v>30.618873000000001</c:v>
+                </c:pt>
+                <c:pt idx="121">
+                  <c:v>26.301411999999999</c:v>
+                </c:pt>
+                <c:pt idx="122">
+                  <c:v>21.041129000000002</c:v>
+                </c:pt>
+                <c:pt idx="123">
+                  <c:v>20.412582</c:v>
+                </c:pt>
+                <c:pt idx="124">
+                  <c:v>16.832903999999999</c:v>
+                </c:pt>
+                <c:pt idx="125">
+                  <c:v>13.466322999999999</c:v>
+                </c:pt>
+                <c:pt idx="126">
+                  <c:v>10.773058000000001</c:v>
+                </c:pt>
+                <c:pt idx="127">
+                  <c:v>10.206291</c:v>
+                </c:pt>
+                <c:pt idx="128">
+                  <c:v>8.6184469999999997</c:v>
+                </c:pt>
+                <c:pt idx="129">
+                  <c:v>6.8947570000000002</c:v>
+                </c:pt>
+                <c:pt idx="130">
+                  <c:v>5.1813039999999999</c:v>
+                </c:pt>
+                <c:pt idx="131">
+                  <c:v>3.853329</c:v>
+                </c:pt>
+                <c:pt idx="132">
+                  <c:v>2.8293789999999999</c:v>
+                </c:pt>
+                <c:pt idx="133">
+                  <c:v>2.0463809999999998</c:v>
+                </c:pt>
+                <c:pt idx="134">
+                  <c:v>1.454418</c:v>
+                </c:pt>
+                <c:pt idx="135">
+                  <c:v>1.01325</c:v>
+                </c:pt>
+                <c:pt idx="136">
+                  <c:v>2.050586</c:v>
+                </c:pt>
+                <c:pt idx="137">
+                  <c:v>1.456332</c:v>
+                </c:pt>
+                <c:pt idx="138">
+                  <c:v>1.01325</c:v>
+                </c:pt>
+              </c:numCache>
+            </c:numRef>
+          </c:yVal>
+          <c:smooth val="1"/>
+          <c:extLst>
+            <c:ext xmlns:c16="http://schemas.microsoft.com/office/drawing/2014/chart" uri="{C3380CC4-5D6E-409C-BE32-E72D297353CC}">
+              <c16:uniqueId val="{00000002-6ECB-47C5-83C4-B8F600F7350D}"/>
+            </c:ext>
+          </c:extLst>
+        </c:ser>
+        <c:ser>
+          <c:idx val="3"/>
+          <c:order val="3"/>
+          <c:tx>
+            <c:strRef>
+              <c:f>Sheet1!$J$2</c:f>
+              <c:strCache>
+                <c:ptCount val="1"/>
+                <c:pt idx="0">
+                  <c:v>EPPR78 Match Aro + HvyAlpha</c:v>
+                </c:pt>
+              </c:strCache>
+            </c:strRef>
+          </c:tx>
+          <c:spPr>
+            <a:ln w="31750" cap="rnd">
+              <a:solidFill>
+                <a:srgbClr val="002060"/>
+              </a:solidFill>
+              <a:round/>
+            </a:ln>
+            <a:effectLst/>
+          </c:spPr>
+          <c:marker>
+            <c:symbol val="none"/>
+          </c:marker>
+          <c:xVal>
+            <c:numRef>
+              <c:f>Sheet1!$J$4:$J$186</c:f>
+              <c:numCache>
+                <c:formatCode>General</c:formatCode>
+                <c:ptCount val="183"/>
+                <c:pt idx="0">
+                  <c:v>-151.973355</c:v>
+                </c:pt>
+                <c:pt idx="1">
+                  <c:v>-139.83219500000001</c:v>
+                </c:pt>
+                <c:pt idx="2">
+                  <c:v>-127.691034</c:v>
+                </c:pt>
+                <c:pt idx="3">
+                  <c:v>-115.549874</c:v>
+                </c:pt>
+                <c:pt idx="4">
+                  <c:v>-109.89857000000001</c:v>
+                </c:pt>
+                <c:pt idx="5">
+                  <c:v>-105.346692</c:v>
+                </c:pt>
+                <c:pt idx="6">
+                  <c:v>-103.839714</c:v>
+                </c:pt>
+                <c:pt idx="7">
+                  <c:v>-97.328041999999996</c:v>
+                </c:pt>
+                <c:pt idx="8">
+                  <c:v>-90.310699</c:v>
+                </c:pt>
+                <c:pt idx="9">
+                  <c:v>-83.794148000000007</c:v>
+                </c:pt>
+                <c:pt idx="10">
+                  <c:v>-82.727787000000006</c:v>
+                </c:pt>
+                <c:pt idx="11">
+                  <c:v>-74.50958</c:v>
+                </c:pt>
+                <c:pt idx="12">
+                  <c:v>-68.506990000000002</c:v>
+                </c:pt>
+                <c:pt idx="13">
+                  <c:v>-65.574916999999999</c:v>
+                </c:pt>
+                <c:pt idx="14">
+                  <c:v>-56.128933000000004</c:v>
+                </c:pt>
+                <c:pt idx="15">
+                  <c:v>-55.827455</c:v>
+                </c:pt>
+                <c:pt idx="16">
+                  <c:v>-45.486790999999997</c:v>
+                </c:pt>
+                <c:pt idx="17">
+                  <c:v>-45.156402</c:v>
+                </c:pt>
+                <c:pt idx="18">
+                  <c:v>-36.017107000000003</c:v>
+                </c:pt>
+                <c:pt idx="19">
+                  <c:v>-33.428643000000001</c:v>
+                </c:pt>
+                <c:pt idx="20">
+                  <c:v>-27.401123999999999</c:v>
+                </c:pt>
+                <c:pt idx="21">
+                  <c:v>-20.486384999999999</c:v>
+                </c:pt>
+                <c:pt idx="22">
+                  <c:v>-19.438863000000001</c:v>
+                </c:pt>
+                <c:pt idx="23">
+                  <c:v>-12.684671</c:v>
+                </c:pt>
+                <c:pt idx="24">
+                  <c:v>-6.9441100000000002</c:v>
+                </c:pt>
+                <c:pt idx="25">
+                  <c:v>-5.8047969999999998</c:v>
+                </c:pt>
+                <c:pt idx="26">
+                  <c:v>0.72748900000000005</c:v>
+                </c:pt>
+                <c:pt idx="27">
+                  <c:v>6.96157</c:v>
+                </c:pt>
+                <c:pt idx="28">
+                  <c:v>8.700094</c:v>
+                </c:pt>
+                <c:pt idx="29">
+                  <c:v>12.891768000000001</c:v>
+                </c:pt>
+                <c:pt idx="30">
+                  <c:v>18.54975</c:v>
+                </c:pt>
+                <c:pt idx="31">
+                  <c:v>23.985291</c:v>
+                </c:pt>
+                <c:pt idx="32">
+                  <c:v>25.894960999999999</c:v>
+                </c:pt>
+                <c:pt idx="33">
+                  <c:v>29.234940000000002</c:v>
+                </c:pt>
+                <c:pt idx="34">
+                  <c:v>34.326424000000003</c:v>
+                </c:pt>
+                <c:pt idx="35">
+                  <c:v>39.281832000000001</c:v>
+                </c:pt>
+                <c:pt idx="36">
+                  <c:v>45.074241999999998</c:v>
+                </c:pt>
+                <c:pt idx="37">
+                  <c:v>59.400039</c:v>
+                </c:pt>
+                <c:pt idx="38">
+                  <c:v>73.725836000000001</c:v>
+                </c:pt>
+                <c:pt idx="39">
+                  <c:v>76.915640999999994</c:v>
+                </c:pt>
+                <c:pt idx="40">
+                  <c:v>80.190792999999999</c:v>
+                </c:pt>
+                <c:pt idx="41">
+                  <c:v>84.080145000000002</c:v>
+                </c:pt>
+                <c:pt idx="42">
+                  <c:v>88.051634000000007</c:v>
+                </c:pt>
+                <c:pt idx="43">
+                  <c:v>102.377431</c:v>
+                </c:pt>
+                <c:pt idx="44">
+                  <c:v>116.703228</c:v>
+                </c:pt>
+                <c:pt idx="45">
+                  <c:v>131.02902499999999</c:v>
+                </c:pt>
+                <c:pt idx="46">
+                  <c:v>145.35482300000001</c:v>
+                </c:pt>
+                <c:pt idx="47">
+                  <c:v>159.68062</c:v>
+                </c:pt>
+                <c:pt idx="48">
+                  <c:v>174.006417</c:v>
+                </c:pt>
+                <c:pt idx="49">
+                  <c:v>188.33221399999999</c:v>
+                </c:pt>
+                <c:pt idx="50">
+                  <c:v>202.65801200000001</c:v>
+                </c:pt>
+                <c:pt idx="51">
+                  <c:v>216.98380900000001</c:v>
+                </c:pt>
+                <c:pt idx="52">
+                  <c:v>231.309606</c:v>
+                </c:pt>
+                <c:pt idx="53">
+                  <c:v>245.635403</c:v>
+                </c:pt>
+                <c:pt idx="54">
+                  <c:v>259.96120100000002</c:v>
+                </c:pt>
+                <c:pt idx="55">
+                  <c:v>274.28699799999998</c:v>
+                </c:pt>
+                <c:pt idx="56">
+                  <c:v>288.61279500000001</c:v>
+                </c:pt>
+                <c:pt idx="57">
+                  <c:v>302.93859200000003</c:v>
+                </c:pt>
+                <c:pt idx="58">
+                  <c:v>317.26438999999999</c:v>
+                </c:pt>
+                <c:pt idx="59">
+                  <c:v>331.59018700000001</c:v>
+                </c:pt>
+                <c:pt idx="60">
+                  <c:v>345.91598399999998</c:v>
+                </c:pt>
+                <c:pt idx="61">
+                  <c:v>349.978543</c:v>
+                </c:pt>
+                <c:pt idx="62">
+                  <c:v>353.35213599999997</c:v>
+                </c:pt>
+                <c:pt idx="63">
+                  <c:v>354.04092500000002</c:v>
+                </c:pt>
+                <c:pt idx="64">
+                  <c:v>358.10330699999997</c:v>
+                </c:pt>
+                <c:pt idx="65">
+                  <c:v>360.78828800000002</c:v>
+                </c:pt>
+                <c:pt idx="66">
+                  <c:v>362.16568899999999</c:v>
+                </c:pt>
+                <c:pt idx="67">
+                  <c:v>366.228071</c:v>
+                </c:pt>
+                <c:pt idx="68">
+                  <c:v>367.60883999999999</c:v>
+                </c:pt>
+                <c:pt idx="69">
+                  <c:v>370.29045300000001</c:v>
+                </c:pt>
+                <c:pt idx="70">
+                  <c:v>374.35283399999997</c:v>
+                </c:pt>
+                <c:pt idx="71">
+                  <c:v>374.42939200000001</c:v>
+                </c:pt>
+                <c:pt idx="72">
+                  <c:v>378.41521599999999</c:v>
+                </c:pt>
+                <c:pt idx="73">
+                  <c:v>380.73165699999998</c:v>
+                </c:pt>
+                <c:pt idx="74">
+                  <c:v>382.477598</c:v>
+                </c:pt>
+                <c:pt idx="75">
+                  <c:v>386.53998000000001</c:v>
+                </c:pt>
+                <c:pt idx="76">
+                  <c:v>387.03392200000002</c:v>
+                </c:pt>
+                <c:pt idx="77">
+                  <c:v>390.60236200000003</c:v>
+                </c:pt>
+                <c:pt idx="78">
+                  <c:v>390.93165699999997</c:v>
+                </c:pt>
+                <c:pt idx="79">
+                  <c:v>394.66474399999998</c:v>
+                </c:pt>
+                <c:pt idx="80">
+                  <c:v>394.82939099999999</c:v>
+                </c:pt>
+                <c:pt idx="81">
+                  <c:v>398.727126</c:v>
+                </c:pt>
+                <c:pt idx="82">
+                  <c:v>398.73577999999998</c:v>
+                </c:pt>
+                <c:pt idx="83">
+                  <c:v>398.74165799999997</c:v>
+                </c:pt>
+                <c:pt idx="84">
+                  <c:v>398.74589400000002</c:v>
+                </c:pt>
+                <c:pt idx="85">
+                  <c:v>398.74909500000001</c:v>
+                </c:pt>
+                <c:pt idx="86">
+                  <c:v>398.72734500000001</c:v>
+                </c:pt>
+                <c:pt idx="87">
+                  <c:v>399.81500199999999</c:v>
+                </c:pt>
+                <c:pt idx="88">
+                  <c:v>400.90124300000002</c:v>
+                </c:pt>
+                <c:pt idx="89">
+                  <c:v>401.98739699999999</c:v>
+                </c:pt>
+                <c:pt idx="90">
+                  <c:v>403.07352400000002</c:v>
+                </c:pt>
+                <c:pt idx="91">
+                  <c:v>404.15963799999997</c:v>
+                </c:pt>
+                <c:pt idx="92">
+                  <c:v>409.59193099999999</c:v>
+                </c:pt>
+                <c:pt idx="93">
+                  <c:v>419.67727500000001</c:v>
+                </c:pt>
+                <c:pt idx="94">
+                  <c:v>429.009186</c:v>
+                </c:pt>
+                <c:pt idx="95">
+                  <c:v>434.58975900000002</c:v>
+                </c:pt>
+                <c:pt idx="96">
+                  <c:v>437.59340900000001</c:v>
+                </c:pt>
+                <c:pt idx="97">
+                  <c:v>445.41829799999999</c:v>
+                </c:pt>
+                <c:pt idx="98">
+                  <c:v>452.470168</c:v>
+                </c:pt>
+                <c:pt idx="99">
+                  <c:v>456.962131</c:v>
+                </c:pt>
+                <c:pt idx="100">
+                  <c:v>458.63413400000002</c:v>
+                </c:pt>
+                <c:pt idx="101">
+                  <c:v>463.87707599999999</c:v>
+                </c:pt>
+                <c:pt idx="102">
+                  <c:v>468.10744999999997</c:v>
+                </c:pt>
+                <c:pt idx="103">
+                  <c:v>468.71461699999998</c:v>
+                </c:pt>
+                <c:pt idx="104">
+                  <c:v>471.17844700000001</c:v>
+                </c:pt>
+                <c:pt idx="105">
+                  <c:v>472.90319199999999</c:v>
+                </c:pt>
+                <c:pt idx="106">
+                  <c:v>473.02083599999997</c:v>
+                </c:pt>
+                <c:pt idx="107">
+                  <c:v>473.02731299999999</c:v>
+                </c:pt>
+                <c:pt idx="108">
+                  <c:v>471.95331199999998</c:v>
+                </c:pt>
+                <c:pt idx="109">
+                  <c:v>471.18791199999998</c:v>
+                </c:pt>
+                <c:pt idx="110">
+                  <c:v>467.04378800000001</c:v>
+                </c:pt>
+                <c:pt idx="111">
+                  <c:v>466.85249099999999</c:v>
+                </c:pt>
+                <c:pt idx="112">
+                  <c:v>459.42708800000003</c:v>
+                </c:pt>
+                <c:pt idx="113">
+                  <c:v>459.16920599999997</c:v>
+                </c:pt>
+                <c:pt idx="114">
+                  <c:v>449.94692900000001</c:v>
+                </c:pt>
+                <c:pt idx="115">
+                  <c:v>446.63957799999997</c:v>
+                </c:pt>
+                <c:pt idx="116">
+                  <c:v>439.23147399999999</c:v>
+                </c:pt>
+                <c:pt idx="117">
+                  <c:v>427.74073399999997</c:v>
+                </c:pt>
+                <c:pt idx="118">
+                  <c:v>426.13920200000001</c:v>
+                </c:pt>
+                <c:pt idx="119">
+                  <c:v>415.81297599999999</c:v>
+                </c:pt>
+                <c:pt idx="120">
+                  <c:v>403.69515799999999</c:v>
+                </c:pt>
+                <c:pt idx="121">
+                  <c:v>391.56364200000002</c:v>
+                </c:pt>
+                <c:pt idx="122">
+                  <c:v>388.63854700000002</c:v>
+                </c:pt>
+                <c:pt idx="123">
+                  <c:v>379.54600499999998</c:v>
+                </c:pt>
+                <c:pt idx="124">
+                  <c:v>367.73117500000001</c:v>
+                </c:pt>
+                <c:pt idx="125">
+                  <c:v>352.99599799999999</c:v>
+                </c:pt>
+                <c:pt idx="126">
+                  <c:v>338.26082100000002</c:v>
+                </c:pt>
+                <c:pt idx="127">
+                  <c:v>323.525644</c:v>
+                </c:pt>
+                <c:pt idx="128">
+                  <c:v>308.79046699999998</c:v>
+                </c:pt>
+                <c:pt idx="129">
+                  <c:v>294.05529000000001</c:v>
+                </c:pt>
+                <c:pt idx="130">
+                  <c:v>279.32011199999999</c:v>
+                </c:pt>
+              </c:numCache>
+            </c:numRef>
+          </c:xVal>
+          <c:yVal>
+            <c:numRef>
+              <c:f>Sheet1!$K$4:$K$186</c:f>
+              <c:numCache>
+                <c:formatCode>General</c:formatCode>
+                <c:ptCount val="183"/>
+                <c:pt idx="0">
+                  <c:v>1.01325</c:v>
+                </c:pt>
+                <c:pt idx="1">
+                  <c:v>2.1474129999999998</c:v>
+                </c:pt>
+                <c:pt idx="2">
+                  <c:v>4.0332869999999996</c:v>
+                </c:pt>
+                <c:pt idx="3">
+                  <c:v>6.8947570000000002</c:v>
+                </c:pt>
+                <c:pt idx="4">
+                  <c:v>8.6184469999999997</c:v>
+                </c:pt>
+                <c:pt idx="5">
+                  <c:v>10.206291</c:v>
+                </c:pt>
+                <c:pt idx="6">
+                  <c:v>10.773058000000001</c:v>
+                </c:pt>
+                <c:pt idx="7">
+                  <c:v>13.466322999999999</c:v>
+                </c:pt>
+                <c:pt idx="8">
+                  <c:v>16.832903999999999</c:v>
+                </c:pt>
+                <c:pt idx="9">
+                  <c:v>20.412582</c:v>
+                </c:pt>
+                <c:pt idx="10">
+                  <c:v>21.041129000000002</c:v>
+                </c:pt>
+                <c:pt idx="11">
+                  <c:v>26.301411999999999</c:v>
+                </c:pt>
+                <c:pt idx="12">
+                  <c:v>30.618873000000001</c:v>
+                </c:pt>
+                <c:pt idx="13">
+                  <c:v>32.876764999999999</c:v>
+                </c:pt>
+                <c:pt idx="14">
+                  <c:v>40.825164000000001</c:v>
+                </c:pt>
+                <c:pt idx="15">
+                  <c:v>41.095956000000001</c:v>
+                </c:pt>
+                <c:pt idx="16">
+                  <c:v>51.031455000000001</c:v>
+                </c:pt>
+                <c:pt idx="17">
+                  <c:v>51.369945000000001</c:v>
+                </c:pt>
+                <c:pt idx="18">
+                  <c:v>61.237746000000001</c:v>
+                </c:pt>
+                <c:pt idx="19">
+                  <c:v>64.212430999999995</c:v>
+                </c:pt>
+                <c:pt idx="20">
+                  <c:v>71.444038000000006</c:v>
+                </c:pt>
+                <c:pt idx="21">
+                  <c:v>80.265539000000004</c:v>
+                </c:pt>
+                <c:pt idx="22">
+                  <c:v>81.650328999999999</c:v>
+                </c:pt>
+                <c:pt idx="23">
+                  <c:v>91.856620000000007</c:v>
+                </c:pt>
+                <c:pt idx="24">
+                  <c:v>100.331924</c:v>
+                </c:pt>
+                <c:pt idx="25">
+                  <c:v>102.062911</c:v>
+                </c:pt>
+                <c:pt idx="26">
+                  <c:v>112.26920200000001</c:v>
+                </c:pt>
+                <c:pt idx="27">
+                  <c:v>122.475493</c:v>
+                </c:pt>
+                <c:pt idx="28">
+                  <c:v>125.414905</c:v>
+                </c:pt>
+                <c:pt idx="29">
+                  <c:v>132.68178399999999</c:v>
+                </c:pt>
+                <c:pt idx="30">
+                  <c:v>142.88807499999999</c:v>
+                </c:pt>
+                <c:pt idx="31">
+                  <c:v>153.09436600000001</c:v>
+                </c:pt>
+                <c:pt idx="32">
+                  <c:v>156.768631</c:v>
+                </c:pt>
+                <c:pt idx="33">
+                  <c:v>163.300657</c:v>
+                </c:pt>
+                <c:pt idx="34">
+                  <c:v>173.50694799999999</c:v>
+                </c:pt>
+                <c:pt idx="35">
+                  <c:v>183.71323899999999</c:v>
+                </c:pt>
+                <c:pt idx="36">
+                  <c:v>195.96078900000001</c:v>
+                </c:pt>
+                <c:pt idx="37">
+                  <c:v>227.54031800000001</c:v>
+                </c:pt>
+                <c:pt idx="38">
+                  <c:v>255.06505999999999</c:v>
+                </c:pt>
+                <c:pt idx="39">
+                  <c:v>256.93884800000001</c:v>
+                </c:pt>
+                <c:pt idx="40">
+                  <c:v>258.80292500000002</c:v>
+                </c:pt>
+                <c:pt idx="41">
+                  <c:v>260.93404800000002</c:v>
+                </c:pt>
+                <c:pt idx="42">
+                  <c:v>263.02675799999997</c:v>
+                </c:pt>
+                <c:pt idx="43">
+                  <c:v>269.84126099999997</c:v>
+                </c:pt>
+                <c:pt idx="44">
+                  <c:v>275.527379</c:v>
+                </c:pt>
+                <c:pt idx="45">
+                  <c:v>280.10857800000002</c:v>
+                </c:pt>
+                <c:pt idx="46">
+                  <c:v>283.61171000000002</c:v>
+                </c:pt>
+                <c:pt idx="47">
+                  <c:v>286.068624</c:v>
+                </c:pt>
+                <c:pt idx="48">
+                  <c:v>287.50566700000002</c:v>
+                </c:pt>
+                <c:pt idx="49">
+                  <c:v>287.95697799999999</c:v>
+                </c:pt>
+                <c:pt idx="50">
+                  <c:v>287.45484599999997</c:v>
+                </c:pt>
+                <c:pt idx="51">
+                  <c:v>286.01865299999997</c:v>
+                </c:pt>
+                <c:pt idx="52">
+                  <c:v>283.67911900000001</c:v>
+                </c:pt>
+                <c:pt idx="53">
+                  <c:v>280.46023100000002</c:v>
+                </c:pt>
+                <c:pt idx="54">
+                  <c:v>276.38619</c:v>
+                </c:pt>
+                <c:pt idx="55">
+                  <c:v>271.47674599999999</c:v>
+                </c:pt>
+                <c:pt idx="56">
+                  <c:v>265.74585000000002</c:v>
+                </c:pt>
+                <c:pt idx="57">
+                  <c:v>259.20830599999999</c:v>
+                </c:pt>
+                <c:pt idx="58">
+                  <c:v>251.86564999999999</c:v>
+                </c:pt>
+                <c:pt idx="59">
+                  <c:v>243.71550999999999</c:v>
+                </c:pt>
+                <c:pt idx="60">
+                  <c:v>234.74469500000001</c:v>
+                </c:pt>
+                <c:pt idx="61">
+                  <c:v>232.04940199999999</c:v>
+                </c:pt>
+                <c:pt idx="62">
+                  <c:v>229.757732</c:v>
+                </c:pt>
+                <c:pt idx="63">
+                  <c:v>229.28445099999999</c:v>
+                </c:pt>
+                <c:pt idx="64">
+                  <c:v>226.45009099999999</c:v>
+                </c:pt>
+                <c:pt idx="65">
+                  <c:v>224.53840400000001</c:v>
+                </c:pt>
+                <c:pt idx="66">
+                  <c:v>223.54512800000001</c:v>
+                </c:pt>
+                <c:pt idx="67">
+                  <c:v>220.56823900000001</c:v>
+                </c:pt>
+                <c:pt idx="68">
+                  <c:v>219.53951799999999</c:v>
+                </c:pt>
+                <c:pt idx="69">
+                  <c:v>217.517912</c:v>
+                </c:pt>
+                <c:pt idx="70">
+                  <c:v>214.39165700000001</c:v>
+                </c:pt>
+                <c:pt idx="71">
+                  <c:v>214.33211299999999</c:v>
+                </c:pt>
+                <c:pt idx="72">
+                  <c:v>211.18834699999999</c:v>
+                </c:pt>
+                <c:pt idx="73">
+                  <c:v>209.32621</c:v>
+                </c:pt>
+                <c:pt idx="74">
+                  <c:v>207.90566999999999</c:v>
+                </c:pt>
+                <c:pt idx="75">
+                  <c:v>204.54043799999999</c:v>
+                </c:pt>
+                <c:pt idx="76">
+                  <c:v>204.125821</c:v>
+                </c:pt>
+                <c:pt idx="77">
+                  <c:v>201.09028900000001</c:v>
+                </c:pt>
+                <c:pt idx="78">
+                  <c:v>200.80698000000001</c:v>
+                </c:pt>
+                <c:pt idx="79">
+                  <c:v>197.55127400000001</c:v>
+                </c:pt>
+                <c:pt idx="80">
+                  <c:v>197.40601100000001</c:v>
+                </c:pt>
+                <c:pt idx="81">
+                  <c:v>193.91953000000001</c:v>
+                </c:pt>
+                <c:pt idx="82">
+                  <c:v>193.911507</c:v>
+                </c:pt>
+                <c:pt idx="83">
+                  <c:v>193.90609900000001</c:v>
+                </c:pt>
+                <c:pt idx="84">
+                  <c:v>193.90220199999999</c:v>
+                </c:pt>
+                <c:pt idx="85">
+                  <c:v>193.89925600000001</c:v>
+                </c:pt>
+                <c:pt idx="86">
+                  <c:v>193.91953000000001</c:v>
+                </c:pt>
+                <c:pt idx="87">
+                  <c:v>192.930894</c:v>
+                </c:pt>
+                <c:pt idx="88">
+                  <c:v>191.936363</c:v>
+                </c:pt>
+                <c:pt idx="89">
+                  <c:v>190.934797</c:v>
+                </c:pt>
+                <c:pt idx="90">
+                  <c:v>189.92603</c:v>
+                </c:pt>
+                <c:pt idx="91">
+                  <c:v>188.90993900000001</c:v>
+                </c:pt>
+                <c:pt idx="92">
+                  <c:v>183.71323899999999</c:v>
+                </c:pt>
+                <c:pt idx="93">
+                  <c:v>173.50694799999999</c:v>
+                </c:pt>
+                <c:pt idx="94">
+                  <c:v>163.300657</c:v>
+                </c:pt>
+                <c:pt idx="95">
+                  <c:v>156.768631</c:v>
+                </c:pt>
+                <c:pt idx="96">
+                  <c:v>153.09436600000001</c:v>
+                </c:pt>
+                <c:pt idx="97">
+                  <c:v>142.88807499999999</c:v>
+                </c:pt>
+                <c:pt idx="98">
+                  <c:v>132.68178399999999</c:v>
+                </c:pt>
+                <c:pt idx="99">
+                  <c:v>125.414905</c:v>
+                </c:pt>
+                <c:pt idx="100">
+                  <c:v>122.475493</c:v>
+                </c:pt>
+                <c:pt idx="101">
+                  <c:v>112.26920200000001</c:v>
+                </c:pt>
+                <c:pt idx="102">
+                  <c:v>102.062911</c:v>
+                </c:pt>
+                <c:pt idx="103">
+                  <c:v>100.331924</c:v>
+                </c:pt>
+                <c:pt idx="104">
+                  <c:v>91.856620000000007</c:v>
+                </c:pt>
+                <c:pt idx="105">
+                  <c:v>81.650328999999999</c:v>
+                </c:pt>
+                <c:pt idx="106">
+                  <c:v>80.265539000000004</c:v>
+                </c:pt>
+                <c:pt idx="107">
+                  <c:v>71.444038000000006</c:v>
+                </c:pt>
+                <c:pt idx="108">
+                  <c:v>64.212430999999995</c:v>
+                </c:pt>
+                <c:pt idx="109">
+                  <c:v>61.237746000000001</c:v>
+                </c:pt>
+                <c:pt idx="110">
+                  <c:v>51.369945000000001</c:v>
+                </c:pt>
+                <c:pt idx="111">
+                  <c:v>51.031455000000001</c:v>
+                </c:pt>
+                <c:pt idx="112">
+                  <c:v>41.095956000000001</c:v>
+                </c:pt>
+                <c:pt idx="113">
+                  <c:v>40.825164000000001</c:v>
+                </c:pt>
+                <c:pt idx="114">
+                  <c:v>32.876764999999999</c:v>
+                </c:pt>
+                <c:pt idx="115">
+                  <c:v>30.618873000000001</c:v>
+                </c:pt>
+                <c:pt idx="116">
+                  <c:v>26.301411999999999</c:v>
+                </c:pt>
+                <c:pt idx="117">
+                  <c:v>21.041129000000002</c:v>
+                </c:pt>
+                <c:pt idx="118">
+                  <c:v>20.412582</c:v>
+                </c:pt>
+                <c:pt idx="119">
+                  <c:v>16.832903999999999</c:v>
+                </c:pt>
+                <c:pt idx="120">
+                  <c:v>13.466322999999999</c:v>
+                </c:pt>
+                <c:pt idx="121">
+                  <c:v>10.773058000000001</c:v>
+                </c:pt>
+                <c:pt idx="122">
+                  <c:v>10.206291</c:v>
+                </c:pt>
+                <c:pt idx="123">
+                  <c:v>8.6184469999999997</c:v>
+                </c:pt>
+                <c:pt idx="124">
+                  <c:v>6.8947570000000002</c:v>
+                </c:pt>
+                <c:pt idx="125">
+                  <c:v>5.1813440000000002</c:v>
+                </c:pt>
+                <c:pt idx="126">
+                  <c:v>3.8530720000000001</c:v>
+                </c:pt>
+                <c:pt idx="127">
+                  <c:v>2.828881</c:v>
+                </c:pt>
+                <c:pt idx="128">
+                  <c:v>2.0458850000000002</c:v>
+                </c:pt>
+                <c:pt idx="129">
+                  <c:v>1.454121</c:v>
+                </c:pt>
+                <c:pt idx="130">
+                  <c:v>1.01325</c:v>
+                </c:pt>
+              </c:numCache>
+            </c:numRef>
+          </c:yVal>
+          <c:smooth val="1"/>
+          <c:extLst>
+            <c:ext xmlns:c16="http://schemas.microsoft.com/office/drawing/2014/chart" uri="{C3380CC4-5D6E-409C-BE32-E72D297353CC}">
+              <c16:uniqueId val="{00000003-6ECB-47C5-83C4-B8F600F7350D}"/>
+            </c:ext>
+          </c:extLst>
+        </c:ser>
+        <c:dLbls>
+          <c:showLegendKey val="0"/>
+          <c:showVal val="0"/>
+          <c:showCatName val="0"/>
+          <c:showSerName val="0"/>
+          <c:showPercent val="0"/>
+          <c:showBubbleSize val="0"/>
+        </c:dLbls>
+        <c:axId val="1100060496"/>
+        <c:axId val="1100063736"/>
+      </c:scatterChart>
+      <c:scatterChart>
+        <c:scatterStyle val="lineMarker"/>
+        <c:varyColors val="0"/>
+        <c:ser>
+          <c:idx val="4"/>
+          <c:order val="4"/>
+          <c:tx>
+            <c:v>Bubble Point</c:v>
+          </c:tx>
+          <c:spPr>
+            <a:ln w="25400" cap="rnd">
+              <a:noFill/>
+              <a:round/>
+            </a:ln>
+            <a:effectLst/>
+          </c:spPr>
+          <c:marker>
+            <c:symbol val="square"/>
+            <c:size val="10"/>
+            <c:spPr>
+              <a:solidFill>
+                <a:sysClr val="window" lastClr="FFFFFF"/>
+              </a:solidFill>
+              <a:ln w="31750">
+                <a:solidFill>
+                  <a:srgbClr val="FF0000"/>
+                </a:solidFill>
+              </a:ln>
+              <a:effectLst/>
+            </c:spPr>
+          </c:marker>
+          <c:xVal>
+            <c:numRef>
+              <c:f>Sheet1!$M$19</c:f>
+              <c:numCache>
+                <c:formatCode>0.0</c:formatCode>
+                <c:ptCount val="1"/>
+                <c:pt idx="0">
+                  <c:v>106</c:v>
+                </c:pt>
+              </c:numCache>
+            </c:numRef>
+          </c:xVal>
+          <c:yVal>
+            <c:numRef>
+              <c:f>Sheet1!$N$19</c:f>
+              <c:numCache>
+                <c:formatCode>General</c:formatCode>
+                <c:ptCount val="1"/>
+                <c:pt idx="0">
+                  <c:v>273.2</c:v>
+                </c:pt>
+              </c:numCache>
+            </c:numRef>
+          </c:yVal>
+          <c:smooth val="0"/>
+          <c:extLst>
+            <c:ext xmlns:c16="http://schemas.microsoft.com/office/drawing/2014/chart" uri="{C3380CC4-5D6E-409C-BE32-E72D297353CC}">
+              <c16:uniqueId val="{00000004-6ECB-47C5-83C4-B8F600F7350D}"/>
+            </c:ext>
+          </c:extLst>
+        </c:ser>
+        <c:dLbls>
+          <c:showLegendKey val="0"/>
+          <c:showVal val="0"/>
+          <c:showCatName val="0"/>
+          <c:showSerName val="0"/>
+          <c:showPercent val="0"/>
+          <c:showBubbleSize val="0"/>
+        </c:dLbls>
+        <c:axId val="1100060496"/>
+        <c:axId val="1100063736"/>
+      </c:scatterChart>
+      <c:valAx>
+        <c:axId val="1100060496"/>
+        <c:scaling>
+          <c:orientation val="minMax"/>
+          <c:max val="480"/>
+          <c:min val="80"/>
+        </c:scaling>
+        <c:delete val="0"/>
+        <c:axPos val="b"/>
+        <c:majorGridlines>
+          <c:spPr>
+            <a:ln w="9525" cap="flat" cmpd="sng" algn="ctr">
+              <a:solidFill>
+                <a:schemeClr val="tx1">
+                  <a:lumMod val="15000"/>
+                  <a:lumOff val="85000"/>
+                </a:schemeClr>
+              </a:solidFill>
+              <a:round/>
+            </a:ln>
+            <a:effectLst/>
+          </c:spPr>
+        </c:majorGridlines>
+        <c:numFmt formatCode="General" sourceLinked="1"/>
+        <c:majorTickMark val="none"/>
+        <c:minorTickMark val="none"/>
+        <c:tickLblPos val="nextTo"/>
+        <c:spPr>
+          <a:noFill/>
+          <a:ln w="9525" cap="flat" cmpd="sng" algn="ctr">
+            <a:solidFill>
+              <a:schemeClr val="tx1">
+                <a:lumMod val="25000"/>
+                <a:lumOff val="75000"/>
+              </a:schemeClr>
+            </a:solidFill>
+            <a:round/>
+          </a:ln>
+          <a:effectLst/>
+        </c:spPr>
+        <c:txPr>
+          <a:bodyPr rot="-60000000" spcFirstLastPara="1" vertOverflow="ellipsis" vert="horz" wrap="square" anchor="ctr" anchorCtr="1"/>
+          <a:lstStyle/>
+          <a:p>
+            <a:pPr>
+              <a:defRPr sz="1400" b="0" i="0" u="none" strike="noStrike" kern="1200" baseline="0">
+                <a:solidFill>
+                  <a:schemeClr val="tx1">
+                    <a:lumMod val="65000"/>
+                    <a:lumOff val="35000"/>
+                  </a:schemeClr>
+                </a:solidFill>
+                <a:latin typeface="+mn-lt"/>
+                <a:ea typeface="+mn-ea"/>
+                <a:cs typeface="+mn-cs"/>
+              </a:defRPr>
+            </a:pPr>
+            <a:endParaRPr lang="en-US"/>
+          </a:p>
+        </c:txPr>
+        <c:crossAx val="1100063736"/>
+        <c:crosses val="autoZero"/>
+        <c:crossBetween val="midCat"/>
+      </c:valAx>
+      <c:valAx>
+        <c:axId val="1100063736"/>
+        <c:scaling>
+          <c:orientation val="minMax"/>
+          <c:max val="300"/>
+        </c:scaling>
+        <c:delete val="0"/>
+        <c:axPos val="l"/>
+        <c:majorGridlines>
+          <c:spPr>
+            <a:ln w="9525" cap="flat" cmpd="sng" algn="ctr">
+              <a:solidFill>
+                <a:schemeClr val="tx1">
+                  <a:lumMod val="15000"/>
+                  <a:lumOff val="85000"/>
+                </a:schemeClr>
+              </a:solidFill>
+              <a:round/>
+            </a:ln>
+            <a:effectLst/>
+          </c:spPr>
+        </c:majorGridlines>
+        <c:numFmt formatCode="General" sourceLinked="1"/>
+        <c:majorTickMark val="none"/>
+        <c:minorTickMark val="none"/>
+        <c:tickLblPos val="nextTo"/>
+        <c:spPr>
+          <a:noFill/>
+          <a:ln w="9525" cap="flat" cmpd="sng" algn="ctr">
+            <a:solidFill>
+              <a:schemeClr val="tx1">
+                <a:lumMod val="25000"/>
+                <a:lumOff val="75000"/>
+              </a:schemeClr>
+            </a:solidFill>
+            <a:round/>
+          </a:ln>
+          <a:effectLst/>
+        </c:spPr>
+        <c:txPr>
+          <a:bodyPr rot="-60000000" spcFirstLastPara="1" vertOverflow="ellipsis" vert="horz" wrap="square" anchor="ctr" anchorCtr="1"/>
+          <a:lstStyle/>
+          <a:p>
+            <a:pPr>
+              <a:defRPr sz="1400" b="0" i="0" u="none" strike="noStrike" kern="1200" baseline="0">
+                <a:solidFill>
+                  <a:schemeClr val="tx1">
+                    <a:lumMod val="65000"/>
+                    <a:lumOff val="35000"/>
+                  </a:schemeClr>
+                </a:solidFill>
+                <a:latin typeface="+mn-lt"/>
+                <a:ea typeface="+mn-ea"/>
+                <a:cs typeface="+mn-cs"/>
+              </a:defRPr>
+            </a:pPr>
+            <a:endParaRPr lang="en-US"/>
+          </a:p>
+        </c:txPr>
+        <c:crossAx val="1100060496"/>
+        <c:crosses val="autoZero"/>
+        <c:crossBetween val="midCat"/>
+      </c:valAx>
+      <c:spPr>
+        <a:noFill/>
+        <a:ln>
+          <a:noFill/>
+        </a:ln>
+        <a:effectLst/>
+      </c:spPr>
+    </c:plotArea>
+    <c:legend>
+      <c:legendPos val="r"/>
+      <c:overlay val="0"/>
+      <c:spPr>
+        <a:noFill/>
+        <a:ln>
+          <a:noFill/>
+        </a:ln>
+        <a:effectLst/>
+      </c:spPr>
+      <c:txPr>
+        <a:bodyPr rot="0" spcFirstLastPara="1" vertOverflow="ellipsis" vert="horz" wrap="square" anchor="ctr" anchorCtr="1"/>
+        <a:lstStyle/>
+        <a:p>
+          <a:pPr>
+            <a:defRPr sz="1400" b="0" i="0" u="none" strike="noStrike" kern="1200" baseline="0">
+              <a:solidFill>
+                <a:schemeClr val="tx1">
+                  <a:lumMod val="65000"/>
+                  <a:lumOff val="35000"/>
+                </a:schemeClr>
+              </a:solidFill>
+              <a:latin typeface="+mn-lt"/>
+              <a:ea typeface="+mn-ea"/>
+              <a:cs typeface="+mn-cs"/>
+            </a:defRPr>
+          </a:pPr>
+          <a:endParaRPr lang="en-US"/>
+        </a:p>
+      </c:txPr>
+    </c:legend>
+    <c:plotVisOnly val="1"/>
+    <c:dispBlanksAs val="gap"/>
+    <c:extLst>
+      <c:ext xmlns:c16r3="http://schemas.microsoft.com/office/drawing/2017/03/chart" uri="{56B9EC1D-385E-4148-901F-78D8002777C0}">
+        <c16r3:dataDisplayOptions16>
+          <c16r3:dispNaAsBlank val="1"/>
+        </c16r3:dataDisplayOptions16>
+      </c:ext>
+    </c:extLst>
+    <c:showDLblsOverMax val="0"/>
+  </c:chart>
+  <c:spPr>
+    <a:noFill/>
+    <a:ln>
+      <a:noFill/>
+    </a:ln>
+    <a:effectLst/>
+  </c:spPr>
+  <c:txPr>
+    <a:bodyPr/>
+    <a:lstStyle/>
+    <a:p>
+      <a:pPr>
+        <a:defRPr sz="1400"/>
+      </a:pPr>
+      <a:endParaRPr lang="en-US"/>
+    </a:p>
+  </c:txPr>
+  <c:externalData r:id="rId3">
     <c:autoUpdate val="0"/>
   </c:externalData>
 </c:chartSpace>
@@ -25994,6 +31521,126 @@
 </file>
 
 <file path=ppt/charts/colors12.xml><?xml version="1.0" encoding="utf-8"?>
+<cs:colorStyle xmlns:cs="http://schemas.microsoft.com/office/drawing/2012/chartStyle" xmlns:a="http://schemas.openxmlformats.org/drawingml/2006/main" meth="cycle" id="10">
+  <a:schemeClr val="accent1"/>
+  <a:schemeClr val="accent2"/>
+  <a:schemeClr val="accent3"/>
+  <a:schemeClr val="accent4"/>
+  <a:schemeClr val="accent5"/>
+  <a:schemeClr val="accent6"/>
+  <cs:variation/>
+  <cs:variation>
+    <a:lumMod val="60000"/>
+  </cs:variation>
+  <cs:variation>
+    <a:lumMod val="80000"/>
+    <a:lumOff val="20000"/>
+  </cs:variation>
+  <cs:variation>
+    <a:lumMod val="80000"/>
+  </cs:variation>
+  <cs:variation>
+    <a:lumMod val="60000"/>
+    <a:lumOff val="40000"/>
+  </cs:variation>
+  <cs:variation>
+    <a:lumMod val="50000"/>
+  </cs:variation>
+  <cs:variation>
+    <a:lumMod val="70000"/>
+    <a:lumOff val="30000"/>
+  </cs:variation>
+  <cs:variation>
+    <a:lumMod val="70000"/>
+  </cs:variation>
+  <cs:variation>
+    <a:lumMod val="50000"/>
+    <a:lumOff val="50000"/>
+  </cs:variation>
+</cs:colorStyle>
+</file>
+
+<file path=ppt/charts/colors13.xml><?xml version="1.0" encoding="utf-8"?>
+<cs:colorStyle xmlns:cs="http://schemas.microsoft.com/office/drawing/2012/chartStyle" xmlns:a="http://schemas.openxmlformats.org/drawingml/2006/main" meth="cycle" id="10">
+  <a:schemeClr val="accent1"/>
+  <a:schemeClr val="accent2"/>
+  <a:schemeClr val="accent3"/>
+  <a:schemeClr val="accent4"/>
+  <a:schemeClr val="accent5"/>
+  <a:schemeClr val="accent6"/>
+  <cs:variation/>
+  <cs:variation>
+    <a:lumMod val="60000"/>
+  </cs:variation>
+  <cs:variation>
+    <a:lumMod val="80000"/>
+    <a:lumOff val="20000"/>
+  </cs:variation>
+  <cs:variation>
+    <a:lumMod val="80000"/>
+  </cs:variation>
+  <cs:variation>
+    <a:lumMod val="60000"/>
+    <a:lumOff val="40000"/>
+  </cs:variation>
+  <cs:variation>
+    <a:lumMod val="50000"/>
+  </cs:variation>
+  <cs:variation>
+    <a:lumMod val="70000"/>
+    <a:lumOff val="30000"/>
+  </cs:variation>
+  <cs:variation>
+    <a:lumMod val="70000"/>
+  </cs:variation>
+  <cs:variation>
+    <a:lumMod val="50000"/>
+    <a:lumOff val="50000"/>
+  </cs:variation>
+</cs:colorStyle>
+</file>
+
+<file path=ppt/charts/colors14.xml><?xml version="1.0" encoding="utf-8"?>
+<cs:colorStyle xmlns:cs="http://schemas.microsoft.com/office/drawing/2012/chartStyle" xmlns:a="http://schemas.openxmlformats.org/drawingml/2006/main" meth="cycle" id="10">
+  <a:schemeClr val="accent1"/>
+  <a:schemeClr val="accent2"/>
+  <a:schemeClr val="accent3"/>
+  <a:schemeClr val="accent4"/>
+  <a:schemeClr val="accent5"/>
+  <a:schemeClr val="accent6"/>
+  <cs:variation/>
+  <cs:variation>
+    <a:lumMod val="60000"/>
+  </cs:variation>
+  <cs:variation>
+    <a:lumMod val="80000"/>
+    <a:lumOff val="20000"/>
+  </cs:variation>
+  <cs:variation>
+    <a:lumMod val="80000"/>
+  </cs:variation>
+  <cs:variation>
+    <a:lumMod val="60000"/>
+    <a:lumOff val="40000"/>
+  </cs:variation>
+  <cs:variation>
+    <a:lumMod val="50000"/>
+  </cs:variation>
+  <cs:variation>
+    <a:lumMod val="70000"/>
+    <a:lumOff val="30000"/>
+  </cs:variation>
+  <cs:variation>
+    <a:lumMod val="70000"/>
+  </cs:variation>
+  <cs:variation>
+    <a:lumMod val="50000"/>
+    <a:lumOff val="50000"/>
+  </cs:variation>
+</cs:colorStyle>
+</file>
+
+<file path=ppt/charts/colors15.xml><?xml version="1.0" encoding="utf-8"?>
 <cs:colorStyle xmlns:cs="http://schemas.microsoft.com/office/drawing/2012/chartStyle" xmlns:a="http://schemas.openxmlformats.org/drawingml/2006/main" meth="cycle" id="10">
   <a:schemeClr val="accent1"/>
   <a:schemeClr val="accent2"/>
@@ -27902,6 +33549,1554 @@
 </file>
 
 <file path=ppt/charts/style12.xml><?xml version="1.0" encoding="utf-8"?>
+<cs:chartStyle xmlns:cs="http://schemas.microsoft.com/office/drawing/2012/chartStyle" xmlns:a="http://schemas.openxmlformats.org/drawingml/2006/main" id="240">
+  <cs:axisTitle>
+    <cs:lnRef idx="0"/>
+    <cs:fillRef idx="0"/>
+    <cs:effectRef idx="0"/>
+    <cs:fontRef idx="minor">
+      <a:schemeClr val="tx1">
+        <a:lumMod val="65000"/>
+        <a:lumOff val="35000"/>
+      </a:schemeClr>
+    </cs:fontRef>
+    <cs:defRPr sz="1000" kern="1200"/>
+  </cs:axisTitle>
+  <cs:categoryAxis>
+    <cs:lnRef idx="0"/>
+    <cs:fillRef idx="0"/>
+    <cs:effectRef idx="0"/>
+    <cs:fontRef idx="minor">
+      <a:schemeClr val="tx1">
+        <a:lumMod val="65000"/>
+        <a:lumOff val="35000"/>
+      </a:schemeClr>
+    </cs:fontRef>
+    <cs:spPr>
+      <a:ln w="9525" cap="flat" cmpd="sng" algn="ctr">
+        <a:solidFill>
+          <a:schemeClr val="tx1">
+            <a:lumMod val="25000"/>
+            <a:lumOff val="75000"/>
+          </a:schemeClr>
+        </a:solidFill>
+        <a:round/>
+      </a:ln>
+    </cs:spPr>
+    <cs:defRPr sz="900" kern="1200"/>
+  </cs:categoryAxis>
+  <cs:chartArea mods="allowNoFillOverride allowNoLineOverride">
+    <cs:lnRef idx="0"/>
+    <cs:fillRef idx="0"/>
+    <cs:effectRef idx="0"/>
+    <cs:fontRef idx="minor">
+      <a:schemeClr val="tx1"/>
+    </cs:fontRef>
+    <cs:spPr>
+      <a:solidFill>
+        <a:schemeClr val="bg1"/>
+      </a:solidFill>
+      <a:ln w="9525" cap="flat" cmpd="sng" algn="ctr">
+        <a:solidFill>
+          <a:schemeClr val="tx1">
+            <a:lumMod val="15000"/>
+            <a:lumOff val="85000"/>
+          </a:schemeClr>
+        </a:solidFill>
+        <a:round/>
+      </a:ln>
+    </cs:spPr>
+    <cs:defRPr sz="1000" kern="1200"/>
+  </cs:chartArea>
+  <cs:dataLabel>
+    <cs:lnRef idx="0"/>
+    <cs:fillRef idx="0"/>
+    <cs:effectRef idx="0"/>
+    <cs:fontRef idx="minor">
+      <a:schemeClr val="tx1">
+        <a:lumMod val="75000"/>
+        <a:lumOff val="25000"/>
+      </a:schemeClr>
+    </cs:fontRef>
+    <cs:defRPr sz="900" kern="1200"/>
+  </cs:dataLabel>
+  <cs:dataLabelCallout>
+    <cs:lnRef idx="0"/>
+    <cs:fillRef idx="0"/>
+    <cs:effectRef idx="0"/>
+    <cs:fontRef idx="minor">
+      <a:schemeClr val="dk1">
+        <a:lumMod val="65000"/>
+        <a:lumOff val="35000"/>
+      </a:schemeClr>
+    </cs:fontRef>
+    <cs:spPr>
+      <a:solidFill>
+        <a:schemeClr val="lt1"/>
+      </a:solidFill>
+      <a:ln>
+        <a:solidFill>
+          <a:schemeClr val="dk1">
+            <a:lumMod val="25000"/>
+            <a:lumOff val="75000"/>
+          </a:schemeClr>
+        </a:solidFill>
+      </a:ln>
+    </cs:spPr>
+    <cs:defRPr sz="900" kern="1200"/>
+    <cs:bodyPr rot="0" spcFirstLastPara="1" vertOverflow="clip" horzOverflow="clip" vert="horz" wrap="square" lIns="36576" tIns="18288" rIns="36576" bIns="18288" anchor="ctr" anchorCtr="1">
+      <a:spAutoFit/>
+    </cs:bodyPr>
+  </cs:dataLabelCallout>
+  <cs:dataPoint>
+    <cs:lnRef idx="0"/>
+    <cs:fillRef idx="1">
+      <cs:styleClr val="auto"/>
+    </cs:fillRef>
+    <cs:effectRef idx="0"/>
+    <cs:fontRef idx="minor">
+      <a:schemeClr val="tx1"/>
+    </cs:fontRef>
+  </cs:dataPoint>
+  <cs:dataPoint3D>
+    <cs:lnRef idx="0"/>
+    <cs:fillRef idx="1">
+      <cs:styleClr val="auto"/>
+    </cs:fillRef>
+    <cs:effectRef idx="0"/>
+    <cs:fontRef idx="minor">
+      <a:schemeClr val="tx1"/>
+    </cs:fontRef>
+  </cs:dataPoint3D>
+  <cs:dataPointLine>
+    <cs:lnRef idx="0">
+      <cs:styleClr val="auto"/>
+    </cs:lnRef>
+    <cs:fillRef idx="1"/>
+    <cs:effectRef idx="0"/>
+    <cs:fontRef idx="minor">
+      <a:schemeClr val="tx1"/>
+    </cs:fontRef>
+    <cs:spPr>
+      <a:ln w="19050" cap="rnd">
+        <a:solidFill>
+          <a:schemeClr val="phClr"/>
+        </a:solidFill>
+        <a:round/>
+      </a:ln>
+    </cs:spPr>
+  </cs:dataPointLine>
+  <cs:dataPointMarker>
+    <cs:lnRef idx="0">
+      <cs:styleClr val="auto"/>
+    </cs:lnRef>
+    <cs:fillRef idx="1">
+      <cs:styleClr val="auto"/>
+    </cs:fillRef>
+    <cs:effectRef idx="0"/>
+    <cs:fontRef idx="minor">
+      <a:schemeClr val="tx1"/>
+    </cs:fontRef>
+    <cs:spPr>
+      <a:ln w="9525">
+        <a:solidFill>
+          <a:schemeClr val="phClr"/>
+        </a:solidFill>
+      </a:ln>
+    </cs:spPr>
+  </cs:dataPointMarker>
+  <cs:dataPointMarkerLayout symbol="circle" size="5"/>
+  <cs:dataPointWireframe>
+    <cs:lnRef idx="0">
+      <cs:styleClr val="auto"/>
+    </cs:lnRef>
+    <cs:fillRef idx="0"/>
+    <cs:effectRef idx="0"/>
+    <cs:fontRef idx="minor">
+      <a:schemeClr val="dk1"/>
+    </cs:fontRef>
+    <cs:spPr>
+      <a:ln w="9525" cap="rnd">
+        <a:solidFill>
+          <a:schemeClr val="phClr"/>
+        </a:solidFill>
+        <a:round/>
+      </a:ln>
+    </cs:spPr>
+  </cs:dataPointWireframe>
+  <cs:dataTable>
+    <cs:lnRef idx="0"/>
+    <cs:fillRef idx="0"/>
+    <cs:effectRef idx="0"/>
+    <cs:fontRef idx="minor">
+      <a:schemeClr val="tx1">
+        <a:lumMod val="65000"/>
+        <a:lumOff val="35000"/>
+      </a:schemeClr>
+    </cs:fontRef>
+    <cs:spPr>
+      <a:noFill/>
+      <a:ln w="9525" cap="flat" cmpd="sng" algn="ctr">
+        <a:solidFill>
+          <a:schemeClr val="tx1">
+            <a:lumMod val="15000"/>
+            <a:lumOff val="85000"/>
+          </a:schemeClr>
+        </a:solidFill>
+        <a:round/>
+      </a:ln>
+    </cs:spPr>
+    <cs:defRPr sz="900" kern="1200"/>
+  </cs:dataTable>
+  <cs:downBar>
+    <cs:lnRef idx="0"/>
+    <cs:fillRef idx="0"/>
+    <cs:effectRef idx="0"/>
+    <cs:fontRef idx="minor">
+      <a:schemeClr val="tx1"/>
+    </cs:fontRef>
+    <cs:spPr>
+      <a:solidFill>
+        <a:schemeClr val="dk1">
+          <a:lumMod val="75000"/>
+          <a:lumOff val="25000"/>
+        </a:schemeClr>
+      </a:solidFill>
+      <a:ln w="9525" cap="flat" cmpd="sng" algn="ctr">
+        <a:solidFill>
+          <a:schemeClr val="tx1">
+            <a:lumMod val="65000"/>
+            <a:lumOff val="35000"/>
+          </a:schemeClr>
+        </a:solidFill>
+        <a:round/>
+      </a:ln>
+    </cs:spPr>
+  </cs:downBar>
+  <cs:dropLine>
+    <cs:lnRef idx="0"/>
+    <cs:fillRef idx="0"/>
+    <cs:effectRef idx="0"/>
+    <cs:fontRef idx="minor">
+      <a:schemeClr val="tx1"/>
+    </cs:fontRef>
+    <cs:spPr>
+      <a:ln w="9525" cap="flat" cmpd="sng" algn="ctr">
+        <a:solidFill>
+          <a:schemeClr val="tx1">
+            <a:lumMod val="35000"/>
+            <a:lumOff val="65000"/>
+          </a:schemeClr>
+        </a:solidFill>
+        <a:round/>
+      </a:ln>
+    </cs:spPr>
+  </cs:dropLine>
+  <cs:errorBar>
+    <cs:lnRef idx="0"/>
+    <cs:fillRef idx="0"/>
+    <cs:effectRef idx="0"/>
+    <cs:fontRef idx="minor">
+      <a:schemeClr val="tx1"/>
+    </cs:fontRef>
+    <cs:spPr>
+      <a:ln w="9525" cap="flat" cmpd="sng" algn="ctr">
+        <a:solidFill>
+          <a:schemeClr val="tx1">
+            <a:lumMod val="65000"/>
+            <a:lumOff val="35000"/>
+          </a:schemeClr>
+        </a:solidFill>
+        <a:round/>
+      </a:ln>
+    </cs:spPr>
+  </cs:errorBar>
+  <cs:floor>
+    <cs:lnRef idx="0"/>
+    <cs:fillRef idx="0"/>
+    <cs:effectRef idx="0"/>
+    <cs:fontRef idx="minor">
+      <a:schemeClr val="tx1"/>
+    </cs:fontRef>
+    <cs:spPr>
+      <a:noFill/>
+      <a:ln>
+        <a:noFill/>
+      </a:ln>
+    </cs:spPr>
+  </cs:floor>
+  <cs:gridlineMajor>
+    <cs:lnRef idx="0"/>
+    <cs:fillRef idx="0"/>
+    <cs:effectRef idx="0"/>
+    <cs:fontRef idx="minor">
+      <a:schemeClr val="tx1"/>
+    </cs:fontRef>
+    <cs:spPr>
+      <a:ln w="9525" cap="flat" cmpd="sng" algn="ctr">
+        <a:solidFill>
+          <a:schemeClr val="tx1">
+            <a:lumMod val="15000"/>
+            <a:lumOff val="85000"/>
+          </a:schemeClr>
+        </a:solidFill>
+        <a:round/>
+      </a:ln>
+    </cs:spPr>
+  </cs:gridlineMajor>
+  <cs:gridlineMinor>
+    <cs:lnRef idx="0"/>
+    <cs:fillRef idx="0"/>
+    <cs:effectRef idx="0"/>
+    <cs:fontRef idx="minor">
+      <a:schemeClr val="tx1"/>
+    </cs:fontRef>
+    <cs:spPr>
+      <a:ln w="9525" cap="flat" cmpd="sng" algn="ctr">
+        <a:solidFill>
+          <a:schemeClr val="tx1">
+            <a:lumMod val="5000"/>
+            <a:lumOff val="95000"/>
+          </a:schemeClr>
+        </a:solidFill>
+        <a:round/>
+      </a:ln>
+    </cs:spPr>
+  </cs:gridlineMinor>
+  <cs:hiLoLine>
+    <cs:lnRef idx="0"/>
+    <cs:fillRef idx="0"/>
+    <cs:effectRef idx="0"/>
+    <cs:fontRef idx="minor">
+      <a:schemeClr val="tx1"/>
+    </cs:fontRef>
+    <cs:spPr>
+      <a:ln w="9525" cap="flat" cmpd="sng" algn="ctr">
+        <a:solidFill>
+          <a:schemeClr val="tx1">
+            <a:lumMod val="50000"/>
+            <a:lumOff val="50000"/>
+          </a:schemeClr>
+        </a:solidFill>
+        <a:round/>
+      </a:ln>
+    </cs:spPr>
+  </cs:hiLoLine>
+  <cs:leaderLine>
+    <cs:lnRef idx="0"/>
+    <cs:fillRef idx="0"/>
+    <cs:effectRef idx="0"/>
+    <cs:fontRef idx="minor">
+      <a:schemeClr val="tx1"/>
+    </cs:fontRef>
+    <cs:spPr>
+      <a:ln w="9525" cap="flat" cmpd="sng" algn="ctr">
+        <a:solidFill>
+          <a:schemeClr val="tx1">
+            <a:lumMod val="35000"/>
+            <a:lumOff val="65000"/>
+          </a:schemeClr>
+        </a:solidFill>
+        <a:round/>
+      </a:ln>
+    </cs:spPr>
+  </cs:leaderLine>
+  <cs:legend>
+    <cs:lnRef idx="0"/>
+    <cs:fillRef idx="0"/>
+    <cs:effectRef idx="0"/>
+    <cs:fontRef idx="minor">
+      <a:schemeClr val="tx1">
+        <a:lumMod val="65000"/>
+        <a:lumOff val="35000"/>
+      </a:schemeClr>
+    </cs:fontRef>
+    <cs:defRPr sz="900" kern="1200"/>
+  </cs:legend>
+  <cs:plotArea mods="allowNoFillOverride allowNoLineOverride">
+    <cs:lnRef idx="0"/>
+    <cs:fillRef idx="0"/>
+    <cs:effectRef idx="0"/>
+    <cs:fontRef idx="minor">
+      <a:schemeClr val="tx1"/>
+    </cs:fontRef>
+  </cs:plotArea>
+  <cs:plotArea3D mods="allowNoFillOverride allowNoLineOverride">
+    <cs:lnRef idx="0"/>
+    <cs:fillRef idx="0"/>
+    <cs:effectRef idx="0"/>
+    <cs:fontRef idx="minor">
+      <a:schemeClr val="tx1"/>
+    </cs:fontRef>
+  </cs:plotArea3D>
+  <cs:seriesAxis>
+    <cs:lnRef idx="0"/>
+    <cs:fillRef idx="0"/>
+    <cs:effectRef idx="0"/>
+    <cs:fontRef idx="minor">
+      <a:schemeClr val="tx1">
+        <a:lumMod val="65000"/>
+        <a:lumOff val="35000"/>
+      </a:schemeClr>
+    </cs:fontRef>
+    <cs:defRPr sz="900" kern="1200"/>
+  </cs:seriesAxis>
+  <cs:seriesLine>
+    <cs:lnRef idx="0"/>
+    <cs:fillRef idx="0"/>
+    <cs:effectRef idx="0"/>
+    <cs:fontRef idx="minor">
+      <a:schemeClr val="tx1"/>
+    </cs:fontRef>
+    <cs:spPr>
+      <a:ln w="9525" cap="flat" cmpd="sng" algn="ctr">
+        <a:solidFill>
+          <a:schemeClr val="tx1">
+            <a:lumMod val="35000"/>
+            <a:lumOff val="65000"/>
+          </a:schemeClr>
+        </a:solidFill>
+        <a:round/>
+      </a:ln>
+    </cs:spPr>
+  </cs:seriesLine>
+  <cs:title>
+    <cs:lnRef idx="0"/>
+    <cs:fillRef idx="0"/>
+    <cs:effectRef idx="0"/>
+    <cs:fontRef idx="minor">
+      <a:schemeClr val="tx1">
+        <a:lumMod val="65000"/>
+        <a:lumOff val="35000"/>
+      </a:schemeClr>
+    </cs:fontRef>
+    <cs:defRPr sz="1400" b="0" kern="1200" spc="0" baseline="0"/>
+  </cs:title>
+  <cs:trendline>
+    <cs:lnRef idx="0">
+      <cs:styleClr val="auto"/>
+    </cs:lnRef>
+    <cs:fillRef idx="0"/>
+    <cs:effectRef idx="0"/>
+    <cs:fontRef idx="minor">
+      <a:schemeClr val="tx1"/>
+    </cs:fontRef>
+    <cs:spPr>
+      <a:ln w="19050" cap="rnd">
+        <a:solidFill>
+          <a:schemeClr val="phClr"/>
+        </a:solidFill>
+        <a:prstDash val="sysDot"/>
+      </a:ln>
+    </cs:spPr>
+  </cs:trendline>
+  <cs:trendlineLabel>
+    <cs:lnRef idx="0"/>
+    <cs:fillRef idx="0"/>
+    <cs:effectRef idx="0"/>
+    <cs:fontRef idx="minor">
+      <a:schemeClr val="tx1">
+        <a:lumMod val="65000"/>
+        <a:lumOff val="35000"/>
+      </a:schemeClr>
+    </cs:fontRef>
+    <cs:defRPr sz="900" kern="1200"/>
+  </cs:trendlineLabel>
+  <cs:upBar>
+    <cs:lnRef idx="0"/>
+    <cs:fillRef idx="0"/>
+    <cs:effectRef idx="0"/>
+    <cs:fontRef idx="minor">
+      <a:schemeClr val="tx1"/>
+    </cs:fontRef>
+    <cs:spPr>
+      <a:solidFill>
+        <a:schemeClr val="lt1"/>
+      </a:solidFill>
+      <a:ln w="9525" cap="flat" cmpd="sng" algn="ctr">
+        <a:solidFill>
+          <a:schemeClr val="tx1">
+            <a:lumMod val="65000"/>
+            <a:lumOff val="35000"/>
+          </a:schemeClr>
+        </a:solidFill>
+        <a:round/>
+      </a:ln>
+    </cs:spPr>
+  </cs:upBar>
+  <cs:valueAxis>
+    <cs:lnRef idx="0"/>
+    <cs:fillRef idx="0"/>
+    <cs:effectRef idx="0"/>
+    <cs:fontRef idx="minor">
+      <a:schemeClr val="tx1">
+        <a:lumMod val="65000"/>
+        <a:lumOff val="35000"/>
+      </a:schemeClr>
+    </cs:fontRef>
+    <cs:spPr>
+      <a:ln w="9525" cap="flat" cmpd="sng" algn="ctr">
+        <a:solidFill>
+          <a:schemeClr val="tx1">
+            <a:lumMod val="25000"/>
+            <a:lumOff val="75000"/>
+          </a:schemeClr>
+        </a:solidFill>
+        <a:round/>
+      </a:ln>
+    </cs:spPr>
+    <cs:defRPr sz="900" kern="1200"/>
+  </cs:valueAxis>
+  <cs:wall>
+    <cs:lnRef idx="0"/>
+    <cs:fillRef idx="0"/>
+    <cs:effectRef idx="0"/>
+    <cs:fontRef idx="minor">
+      <a:schemeClr val="tx1"/>
+    </cs:fontRef>
+    <cs:spPr>
+      <a:noFill/>
+      <a:ln>
+        <a:noFill/>
+      </a:ln>
+    </cs:spPr>
+  </cs:wall>
+</cs:chartStyle>
+</file>
+
+<file path=ppt/charts/style13.xml><?xml version="1.0" encoding="utf-8"?>
+<cs:chartStyle xmlns:cs="http://schemas.microsoft.com/office/drawing/2012/chartStyle" xmlns:a="http://schemas.openxmlformats.org/drawingml/2006/main" id="240">
+  <cs:axisTitle>
+    <cs:lnRef idx="0"/>
+    <cs:fillRef idx="0"/>
+    <cs:effectRef idx="0"/>
+    <cs:fontRef idx="minor">
+      <a:schemeClr val="tx1">
+        <a:lumMod val="65000"/>
+        <a:lumOff val="35000"/>
+      </a:schemeClr>
+    </cs:fontRef>
+    <cs:defRPr sz="1000" kern="1200"/>
+  </cs:axisTitle>
+  <cs:categoryAxis>
+    <cs:lnRef idx="0"/>
+    <cs:fillRef idx="0"/>
+    <cs:effectRef idx="0"/>
+    <cs:fontRef idx="minor">
+      <a:schemeClr val="tx1">
+        <a:lumMod val="65000"/>
+        <a:lumOff val="35000"/>
+      </a:schemeClr>
+    </cs:fontRef>
+    <cs:spPr>
+      <a:ln w="9525" cap="flat" cmpd="sng" algn="ctr">
+        <a:solidFill>
+          <a:schemeClr val="tx1">
+            <a:lumMod val="25000"/>
+            <a:lumOff val="75000"/>
+          </a:schemeClr>
+        </a:solidFill>
+        <a:round/>
+      </a:ln>
+    </cs:spPr>
+    <cs:defRPr sz="900" kern="1200"/>
+  </cs:categoryAxis>
+  <cs:chartArea mods="allowNoFillOverride allowNoLineOverride">
+    <cs:lnRef idx="0"/>
+    <cs:fillRef idx="0"/>
+    <cs:effectRef idx="0"/>
+    <cs:fontRef idx="minor">
+      <a:schemeClr val="tx1"/>
+    </cs:fontRef>
+    <cs:spPr>
+      <a:solidFill>
+        <a:schemeClr val="bg1"/>
+      </a:solidFill>
+      <a:ln w="9525" cap="flat" cmpd="sng" algn="ctr">
+        <a:solidFill>
+          <a:schemeClr val="tx1">
+            <a:lumMod val="15000"/>
+            <a:lumOff val="85000"/>
+          </a:schemeClr>
+        </a:solidFill>
+        <a:round/>
+      </a:ln>
+    </cs:spPr>
+    <cs:defRPr sz="1000" kern="1200"/>
+  </cs:chartArea>
+  <cs:dataLabel>
+    <cs:lnRef idx="0"/>
+    <cs:fillRef idx="0"/>
+    <cs:effectRef idx="0"/>
+    <cs:fontRef idx="minor">
+      <a:schemeClr val="tx1">
+        <a:lumMod val="75000"/>
+        <a:lumOff val="25000"/>
+      </a:schemeClr>
+    </cs:fontRef>
+    <cs:defRPr sz="900" kern="1200"/>
+  </cs:dataLabel>
+  <cs:dataLabelCallout>
+    <cs:lnRef idx="0"/>
+    <cs:fillRef idx="0"/>
+    <cs:effectRef idx="0"/>
+    <cs:fontRef idx="minor">
+      <a:schemeClr val="dk1">
+        <a:lumMod val="65000"/>
+        <a:lumOff val="35000"/>
+      </a:schemeClr>
+    </cs:fontRef>
+    <cs:spPr>
+      <a:solidFill>
+        <a:schemeClr val="lt1"/>
+      </a:solidFill>
+      <a:ln>
+        <a:solidFill>
+          <a:schemeClr val="dk1">
+            <a:lumMod val="25000"/>
+            <a:lumOff val="75000"/>
+          </a:schemeClr>
+        </a:solidFill>
+      </a:ln>
+    </cs:spPr>
+    <cs:defRPr sz="900" kern="1200"/>
+    <cs:bodyPr rot="0" spcFirstLastPara="1" vertOverflow="clip" horzOverflow="clip" vert="horz" wrap="square" lIns="36576" tIns="18288" rIns="36576" bIns="18288" anchor="ctr" anchorCtr="1">
+      <a:spAutoFit/>
+    </cs:bodyPr>
+  </cs:dataLabelCallout>
+  <cs:dataPoint>
+    <cs:lnRef idx="0"/>
+    <cs:fillRef idx="1">
+      <cs:styleClr val="auto"/>
+    </cs:fillRef>
+    <cs:effectRef idx="0"/>
+    <cs:fontRef idx="minor">
+      <a:schemeClr val="tx1"/>
+    </cs:fontRef>
+  </cs:dataPoint>
+  <cs:dataPoint3D>
+    <cs:lnRef idx="0"/>
+    <cs:fillRef idx="1">
+      <cs:styleClr val="auto"/>
+    </cs:fillRef>
+    <cs:effectRef idx="0"/>
+    <cs:fontRef idx="minor">
+      <a:schemeClr val="tx1"/>
+    </cs:fontRef>
+  </cs:dataPoint3D>
+  <cs:dataPointLine>
+    <cs:lnRef idx="0">
+      <cs:styleClr val="auto"/>
+    </cs:lnRef>
+    <cs:fillRef idx="1"/>
+    <cs:effectRef idx="0"/>
+    <cs:fontRef idx="minor">
+      <a:schemeClr val="tx1"/>
+    </cs:fontRef>
+    <cs:spPr>
+      <a:ln w="19050" cap="rnd">
+        <a:solidFill>
+          <a:schemeClr val="phClr"/>
+        </a:solidFill>
+        <a:round/>
+      </a:ln>
+    </cs:spPr>
+  </cs:dataPointLine>
+  <cs:dataPointMarker>
+    <cs:lnRef idx="0">
+      <cs:styleClr val="auto"/>
+    </cs:lnRef>
+    <cs:fillRef idx="1">
+      <cs:styleClr val="auto"/>
+    </cs:fillRef>
+    <cs:effectRef idx="0"/>
+    <cs:fontRef idx="minor">
+      <a:schemeClr val="tx1"/>
+    </cs:fontRef>
+    <cs:spPr>
+      <a:ln w="9525">
+        <a:solidFill>
+          <a:schemeClr val="phClr"/>
+        </a:solidFill>
+      </a:ln>
+    </cs:spPr>
+  </cs:dataPointMarker>
+  <cs:dataPointMarkerLayout symbol="circle" size="5"/>
+  <cs:dataPointWireframe>
+    <cs:lnRef idx="0">
+      <cs:styleClr val="auto"/>
+    </cs:lnRef>
+    <cs:fillRef idx="0"/>
+    <cs:effectRef idx="0"/>
+    <cs:fontRef idx="minor">
+      <a:schemeClr val="dk1"/>
+    </cs:fontRef>
+    <cs:spPr>
+      <a:ln w="9525" cap="rnd">
+        <a:solidFill>
+          <a:schemeClr val="phClr"/>
+        </a:solidFill>
+        <a:round/>
+      </a:ln>
+    </cs:spPr>
+  </cs:dataPointWireframe>
+  <cs:dataTable>
+    <cs:lnRef idx="0"/>
+    <cs:fillRef idx="0"/>
+    <cs:effectRef idx="0"/>
+    <cs:fontRef idx="minor">
+      <a:schemeClr val="tx1">
+        <a:lumMod val="65000"/>
+        <a:lumOff val="35000"/>
+      </a:schemeClr>
+    </cs:fontRef>
+    <cs:spPr>
+      <a:noFill/>
+      <a:ln w="9525" cap="flat" cmpd="sng" algn="ctr">
+        <a:solidFill>
+          <a:schemeClr val="tx1">
+            <a:lumMod val="15000"/>
+            <a:lumOff val="85000"/>
+          </a:schemeClr>
+        </a:solidFill>
+        <a:round/>
+      </a:ln>
+    </cs:spPr>
+    <cs:defRPr sz="900" kern="1200"/>
+  </cs:dataTable>
+  <cs:downBar>
+    <cs:lnRef idx="0"/>
+    <cs:fillRef idx="0"/>
+    <cs:effectRef idx="0"/>
+    <cs:fontRef idx="minor">
+      <a:schemeClr val="tx1"/>
+    </cs:fontRef>
+    <cs:spPr>
+      <a:solidFill>
+        <a:schemeClr val="dk1">
+          <a:lumMod val="75000"/>
+          <a:lumOff val="25000"/>
+        </a:schemeClr>
+      </a:solidFill>
+      <a:ln w="9525" cap="flat" cmpd="sng" algn="ctr">
+        <a:solidFill>
+          <a:schemeClr val="tx1">
+            <a:lumMod val="65000"/>
+            <a:lumOff val="35000"/>
+          </a:schemeClr>
+        </a:solidFill>
+        <a:round/>
+      </a:ln>
+    </cs:spPr>
+  </cs:downBar>
+  <cs:dropLine>
+    <cs:lnRef idx="0"/>
+    <cs:fillRef idx="0"/>
+    <cs:effectRef idx="0"/>
+    <cs:fontRef idx="minor">
+      <a:schemeClr val="tx1"/>
+    </cs:fontRef>
+    <cs:spPr>
+      <a:ln w="9525" cap="flat" cmpd="sng" algn="ctr">
+        <a:solidFill>
+          <a:schemeClr val="tx1">
+            <a:lumMod val="35000"/>
+            <a:lumOff val="65000"/>
+          </a:schemeClr>
+        </a:solidFill>
+        <a:round/>
+      </a:ln>
+    </cs:spPr>
+  </cs:dropLine>
+  <cs:errorBar>
+    <cs:lnRef idx="0"/>
+    <cs:fillRef idx="0"/>
+    <cs:effectRef idx="0"/>
+    <cs:fontRef idx="minor">
+      <a:schemeClr val="tx1"/>
+    </cs:fontRef>
+    <cs:spPr>
+      <a:ln w="9525" cap="flat" cmpd="sng" algn="ctr">
+        <a:solidFill>
+          <a:schemeClr val="tx1">
+            <a:lumMod val="65000"/>
+            <a:lumOff val="35000"/>
+          </a:schemeClr>
+        </a:solidFill>
+        <a:round/>
+      </a:ln>
+    </cs:spPr>
+  </cs:errorBar>
+  <cs:floor>
+    <cs:lnRef idx="0"/>
+    <cs:fillRef idx="0"/>
+    <cs:effectRef idx="0"/>
+    <cs:fontRef idx="minor">
+      <a:schemeClr val="tx1"/>
+    </cs:fontRef>
+    <cs:spPr>
+      <a:noFill/>
+      <a:ln>
+        <a:noFill/>
+      </a:ln>
+    </cs:spPr>
+  </cs:floor>
+  <cs:gridlineMajor>
+    <cs:lnRef idx="0"/>
+    <cs:fillRef idx="0"/>
+    <cs:effectRef idx="0"/>
+    <cs:fontRef idx="minor">
+      <a:schemeClr val="tx1"/>
+    </cs:fontRef>
+    <cs:spPr>
+      <a:ln w="9525" cap="flat" cmpd="sng" algn="ctr">
+        <a:solidFill>
+          <a:schemeClr val="tx1">
+            <a:lumMod val="15000"/>
+            <a:lumOff val="85000"/>
+          </a:schemeClr>
+        </a:solidFill>
+        <a:round/>
+      </a:ln>
+    </cs:spPr>
+  </cs:gridlineMajor>
+  <cs:gridlineMinor>
+    <cs:lnRef idx="0"/>
+    <cs:fillRef idx="0"/>
+    <cs:effectRef idx="0"/>
+    <cs:fontRef idx="minor">
+      <a:schemeClr val="tx1"/>
+    </cs:fontRef>
+    <cs:spPr>
+      <a:ln w="9525" cap="flat" cmpd="sng" algn="ctr">
+        <a:solidFill>
+          <a:schemeClr val="tx1">
+            <a:lumMod val="5000"/>
+            <a:lumOff val="95000"/>
+          </a:schemeClr>
+        </a:solidFill>
+        <a:round/>
+      </a:ln>
+    </cs:spPr>
+  </cs:gridlineMinor>
+  <cs:hiLoLine>
+    <cs:lnRef idx="0"/>
+    <cs:fillRef idx="0"/>
+    <cs:effectRef idx="0"/>
+    <cs:fontRef idx="minor">
+      <a:schemeClr val="tx1"/>
+    </cs:fontRef>
+    <cs:spPr>
+      <a:ln w="9525" cap="flat" cmpd="sng" algn="ctr">
+        <a:solidFill>
+          <a:schemeClr val="tx1">
+            <a:lumMod val="50000"/>
+            <a:lumOff val="50000"/>
+          </a:schemeClr>
+        </a:solidFill>
+        <a:round/>
+      </a:ln>
+    </cs:spPr>
+  </cs:hiLoLine>
+  <cs:leaderLine>
+    <cs:lnRef idx="0"/>
+    <cs:fillRef idx="0"/>
+    <cs:effectRef idx="0"/>
+    <cs:fontRef idx="minor">
+      <a:schemeClr val="tx1"/>
+    </cs:fontRef>
+    <cs:spPr>
+      <a:ln w="9525" cap="flat" cmpd="sng" algn="ctr">
+        <a:solidFill>
+          <a:schemeClr val="tx1">
+            <a:lumMod val="35000"/>
+            <a:lumOff val="65000"/>
+          </a:schemeClr>
+        </a:solidFill>
+        <a:round/>
+      </a:ln>
+    </cs:spPr>
+  </cs:leaderLine>
+  <cs:legend>
+    <cs:lnRef idx="0"/>
+    <cs:fillRef idx="0"/>
+    <cs:effectRef idx="0"/>
+    <cs:fontRef idx="minor">
+      <a:schemeClr val="tx1">
+        <a:lumMod val="65000"/>
+        <a:lumOff val="35000"/>
+      </a:schemeClr>
+    </cs:fontRef>
+    <cs:defRPr sz="900" kern="1200"/>
+  </cs:legend>
+  <cs:plotArea mods="allowNoFillOverride allowNoLineOverride">
+    <cs:lnRef idx="0"/>
+    <cs:fillRef idx="0"/>
+    <cs:effectRef idx="0"/>
+    <cs:fontRef idx="minor">
+      <a:schemeClr val="tx1"/>
+    </cs:fontRef>
+  </cs:plotArea>
+  <cs:plotArea3D mods="allowNoFillOverride allowNoLineOverride">
+    <cs:lnRef idx="0"/>
+    <cs:fillRef idx="0"/>
+    <cs:effectRef idx="0"/>
+    <cs:fontRef idx="minor">
+      <a:schemeClr val="tx1"/>
+    </cs:fontRef>
+  </cs:plotArea3D>
+  <cs:seriesAxis>
+    <cs:lnRef idx="0"/>
+    <cs:fillRef idx="0"/>
+    <cs:effectRef idx="0"/>
+    <cs:fontRef idx="minor">
+      <a:schemeClr val="tx1">
+        <a:lumMod val="65000"/>
+        <a:lumOff val="35000"/>
+      </a:schemeClr>
+    </cs:fontRef>
+    <cs:defRPr sz="900" kern="1200"/>
+  </cs:seriesAxis>
+  <cs:seriesLine>
+    <cs:lnRef idx="0"/>
+    <cs:fillRef idx="0"/>
+    <cs:effectRef idx="0"/>
+    <cs:fontRef idx="minor">
+      <a:schemeClr val="tx1"/>
+    </cs:fontRef>
+    <cs:spPr>
+      <a:ln w="9525" cap="flat" cmpd="sng" algn="ctr">
+        <a:solidFill>
+          <a:schemeClr val="tx1">
+            <a:lumMod val="35000"/>
+            <a:lumOff val="65000"/>
+          </a:schemeClr>
+        </a:solidFill>
+        <a:round/>
+      </a:ln>
+    </cs:spPr>
+  </cs:seriesLine>
+  <cs:title>
+    <cs:lnRef idx="0"/>
+    <cs:fillRef idx="0"/>
+    <cs:effectRef idx="0"/>
+    <cs:fontRef idx="minor">
+      <a:schemeClr val="tx1">
+        <a:lumMod val="65000"/>
+        <a:lumOff val="35000"/>
+      </a:schemeClr>
+    </cs:fontRef>
+    <cs:defRPr sz="1400" b="0" kern="1200" spc="0" baseline="0"/>
+  </cs:title>
+  <cs:trendline>
+    <cs:lnRef idx="0">
+      <cs:styleClr val="auto"/>
+    </cs:lnRef>
+    <cs:fillRef idx="0"/>
+    <cs:effectRef idx="0"/>
+    <cs:fontRef idx="minor">
+      <a:schemeClr val="tx1"/>
+    </cs:fontRef>
+    <cs:spPr>
+      <a:ln w="19050" cap="rnd">
+        <a:solidFill>
+          <a:schemeClr val="phClr"/>
+        </a:solidFill>
+        <a:prstDash val="sysDot"/>
+      </a:ln>
+    </cs:spPr>
+  </cs:trendline>
+  <cs:trendlineLabel>
+    <cs:lnRef idx="0"/>
+    <cs:fillRef idx="0"/>
+    <cs:effectRef idx="0"/>
+    <cs:fontRef idx="minor">
+      <a:schemeClr val="tx1">
+        <a:lumMod val="65000"/>
+        <a:lumOff val="35000"/>
+      </a:schemeClr>
+    </cs:fontRef>
+    <cs:defRPr sz="900" kern="1200"/>
+  </cs:trendlineLabel>
+  <cs:upBar>
+    <cs:lnRef idx="0"/>
+    <cs:fillRef idx="0"/>
+    <cs:effectRef idx="0"/>
+    <cs:fontRef idx="minor">
+      <a:schemeClr val="tx1"/>
+    </cs:fontRef>
+    <cs:spPr>
+      <a:solidFill>
+        <a:schemeClr val="lt1"/>
+      </a:solidFill>
+      <a:ln w="9525" cap="flat" cmpd="sng" algn="ctr">
+        <a:solidFill>
+          <a:schemeClr val="tx1">
+            <a:lumMod val="65000"/>
+            <a:lumOff val="35000"/>
+          </a:schemeClr>
+        </a:solidFill>
+        <a:round/>
+      </a:ln>
+    </cs:spPr>
+  </cs:upBar>
+  <cs:valueAxis>
+    <cs:lnRef idx="0"/>
+    <cs:fillRef idx="0"/>
+    <cs:effectRef idx="0"/>
+    <cs:fontRef idx="minor">
+      <a:schemeClr val="tx1">
+        <a:lumMod val="65000"/>
+        <a:lumOff val="35000"/>
+      </a:schemeClr>
+    </cs:fontRef>
+    <cs:spPr>
+      <a:ln w="9525" cap="flat" cmpd="sng" algn="ctr">
+        <a:solidFill>
+          <a:schemeClr val="tx1">
+            <a:lumMod val="25000"/>
+            <a:lumOff val="75000"/>
+          </a:schemeClr>
+        </a:solidFill>
+        <a:round/>
+      </a:ln>
+    </cs:spPr>
+    <cs:defRPr sz="900" kern="1200"/>
+  </cs:valueAxis>
+  <cs:wall>
+    <cs:lnRef idx="0"/>
+    <cs:fillRef idx="0"/>
+    <cs:effectRef idx="0"/>
+    <cs:fontRef idx="minor">
+      <a:schemeClr val="tx1"/>
+    </cs:fontRef>
+    <cs:spPr>
+      <a:noFill/>
+      <a:ln>
+        <a:noFill/>
+      </a:ln>
+    </cs:spPr>
+  </cs:wall>
+</cs:chartStyle>
+</file>
+
+<file path=ppt/charts/style14.xml><?xml version="1.0" encoding="utf-8"?>
+<cs:chartStyle xmlns:cs="http://schemas.microsoft.com/office/drawing/2012/chartStyle" xmlns:a="http://schemas.openxmlformats.org/drawingml/2006/main" id="240">
+  <cs:axisTitle>
+    <cs:lnRef idx="0"/>
+    <cs:fillRef idx="0"/>
+    <cs:effectRef idx="0"/>
+    <cs:fontRef idx="minor">
+      <a:schemeClr val="tx1">
+        <a:lumMod val="65000"/>
+        <a:lumOff val="35000"/>
+      </a:schemeClr>
+    </cs:fontRef>
+    <cs:defRPr sz="1000" kern="1200"/>
+  </cs:axisTitle>
+  <cs:categoryAxis>
+    <cs:lnRef idx="0"/>
+    <cs:fillRef idx="0"/>
+    <cs:effectRef idx="0"/>
+    <cs:fontRef idx="minor">
+      <a:schemeClr val="tx1">
+        <a:lumMod val="65000"/>
+        <a:lumOff val="35000"/>
+      </a:schemeClr>
+    </cs:fontRef>
+    <cs:spPr>
+      <a:ln w="9525" cap="flat" cmpd="sng" algn="ctr">
+        <a:solidFill>
+          <a:schemeClr val="tx1">
+            <a:lumMod val="25000"/>
+            <a:lumOff val="75000"/>
+          </a:schemeClr>
+        </a:solidFill>
+        <a:round/>
+      </a:ln>
+    </cs:spPr>
+    <cs:defRPr sz="900" kern="1200"/>
+  </cs:categoryAxis>
+  <cs:chartArea mods="allowNoFillOverride allowNoLineOverride">
+    <cs:lnRef idx="0"/>
+    <cs:fillRef idx="0"/>
+    <cs:effectRef idx="0"/>
+    <cs:fontRef idx="minor">
+      <a:schemeClr val="tx1"/>
+    </cs:fontRef>
+    <cs:spPr>
+      <a:solidFill>
+        <a:schemeClr val="bg1"/>
+      </a:solidFill>
+      <a:ln w="9525" cap="flat" cmpd="sng" algn="ctr">
+        <a:solidFill>
+          <a:schemeClr val="tx1">
+            <a:lumMod val="15000"/>
+            <a:lumOff val="85000"/>
+          </a:schemeClr>
+        </a:solidFill>
+        <a:round/>
+      </a:ln>
+    </cs:spPr>
+    <cs:defRPr sz="1000" kern="1200"/>
+  </cs:chartArea>
+  <cs:dataLabel>
+    <cs:lnRef idx="0"/>
+    <cs:fillRef idx="0"/>
+    <cs:effectRef idx="0"/>
+    <cs:fontRef idx="minor">
+      <a:schemeClr val="tx1">
+        <a:lumMod val="75000"/>
+        <a:lumOff val="25000"/>
+      </a:schemeClr>
+    </cs:fontRef>
+    <cs:defRPr sz="900" kern="1200"/>
+  </cs:dataLabel>
+  <cs:dataLabelCallout>
+    <cs:lnRef idx="0"/>
+    <cs:fillRef idx="0"/>
+    <cs:effectRef idx="0"/>
+    <cs:fontRef idx="minor">
+      <a:schemeClr val="dk1">
+        <a:lumMod val="65000"/>
+        <a:lumOff val="35000"/>
+      </a:schemeClr>
+    </cs:fontRef>
+    <cs:spPr>
+      <a:solidFill>
+        <a:schemeClr val="lt1"/>
+      </a:solidFill>
+      <a:ln>
+        <a:solidFill>
+          <a:schemeClr val="dk1">
+            <a:lumMod val="25000"/>
+            <a:lumOff val="75000"/>
+          </a:schemeClr>
+        </a:solidFill>
+      </a:ln>
+    </cs:spPr>
+    <cs:defRPr sz="900" kern="1200"/>
+    <cs:bodyPr rot="0" spcFirstLastPara="1" vertOverflow="clip" horzOverflow="clip" vert="horz" wrap="square" lIns="36576" tIns="18288" rIns="36576" bIns="18288" anchor="ctr" anchorCtr="1">
+      <a:spAutoFit/>
+    </cs:bodyPr>
+  </cs:dataLabelCallout>
+  <cs:dataPoint>
+    <cs:lnRef idx="0"/>
+    <cs:fillRef idx="1">
+      <cs:styleClr val="auto"/>
+    </cs:fillRef>
+    <cs:effectRef idx="0"/>
+    <cs:fontRef idx="minor">
+      <a:schemeClr val="tx1"/>
+    </cs:fontRef>
+  </cs:dataPoint>
+  <cs:dataPoint3D>
+    <cs:lnRef idx="0"/>
+    <cs:fillRef idx="1">
+      <cs:styleClr val="auto"/>
+    </cs:fillRef>
+    <cs:effectRef idx="0"/>
+    <cs:fontRef idx="minor">
+      <a:schemeClr val="tx1"/>
+    </cs:fontRef>
+  </cs:dataPoint3D>
+  <cs:dataPointLine>
+    <cs:lnRef idx="0">
+      <cs:styleClr val="auto"/>
+    </cs:lnRef>
+    <cs:fillRef idx="1"/>
+    <cs:effectRef idx="0"/>
+    <cs:fontRef idx="minor">
+      <a:schemeClr val="tx1"/>
+    </cs:fontRef>
+    <cs:spPr>
+      <a:ln w="19050" cap="rnd">
+        <a:solidFill>
+          <a:schemeClr val="phClr"/>
+        </a:solidFill>
+        <a:round/>
+      </a:ln>
+    </cs:spPr>
+  </cs:dataPointLine>
+  <cs:dataPointMarker>
+    <cs:lnRef idx="0">
+      <cs:styleClr val="auto"/>
+    </cs:lnRef>
+    <cs:fillRef idx="1">
+      <cs:styleClr val="auto"/>
+    </cs:fillRef>
+    <cs:effectRef idx="0"/>
+    <cs:fontRef idx="minor">
+      <a:schemeClr val="tx1"/>
+    </cs:fontRef>
+    <cs:spPr>
+      <a:ln w="9525">
+        <a:solidFill>
+          <a:schemeClr val="phClr"/>
+        </a:solidFill>
+      </a:ln>
+    </cs:spPr>
+  </cs:dataPointMarker>
+  <cs:dataPointMarkerLayout symbol="circle" size="5"/>
+  <cs:dataPointWireframe>
+    <cs:lnRef idx="0">
+      <cs:styleClr val="auto"/>
+    </cs:lnRef>
+    <cs:fillRef idx="0"/>
+    <cs:effectRef idx="0"/>
+    <cs:fontRef idx="minor">
+      <a:schemeClr val="dk1"/>
+    </cs:fontRef>
+    <cs:spPr>
+      <a:ln w="9525" cap="rnd">
+        <a:solidFill>
+          <a:schemeClr val="phClr"/>
+        </a:solidFill>
+        <a:round/>
+      </a:ln>
+    </cs:spPr>
+  </cs:dataPointWireframe>
+  <cs:dataTable>
+    <cs:lnRef idx="0"/>
+    <cs:fillRef idx="0"/>
+    <cs:effectRef idx="0"/>
+    <cs:fontRef idx="minor">
+      <a:schemeClr val="tx1">
+        <a:lumMod val="65000"/>
+        <a:lumOff val="35000"/>
+      </a:schemeClr>
+    </cs:fontRef>
+    <cs:spPr>
+      <a:noFill/>
+      <a:ln w="9525" cap="flat" cmpd="sng" algn="ctr">
+        <a:solidFill>
+          <a:schemeClr val="tx1">
+            <a:lumMod val="15000"/>
+            <a:lumOff val="85000"/>
+          </a:schemeClr>
+        </a:solidFill>
+        <a:round/>
+      </a:ln>
+    </cs:spPr>
+    <cs:defRPr sz="900" kern="1200"/>
+  </cs:dataTable>
+  <cs:downBar>
+    <cs:lnRef idx="0"/>
+    <cs:fillRef idx="0"/>
+    <cs:effectRef idx="0"/>
+    <cs:fontRef idx="minor">
+      <a:schemeClr val="tx1"/>
+    </cs:fontRef>
+    <cs:spPr>
+      <a:solidFill>
+        <a:schemeClr val="dk1">
+          <a:lumMod val="75000"/>
+          <a:lumOff val="25000"/>
+        </a:schemeClr>
+      </a:solidFill>
+      <a:ln w="9525" cap="flat" cmpd="sng" algn="ctr">
+        <a:solidFill>
+          <a:schemeClr val="tx1">
+            <a:lumMod val="65000"/>
+            <a:lumOff val="35000"/>
+          </a:schemeClr>
+        </a:solidFill>
+        <a:round/>
+      </a:ln>
+    </cs:spPr>
+  </cs:downBar>
+  <cs:dropLine>
+    <cs:lnRef idx="0"/>
+    <cs:fillRef idx="0"/>
+    <cs:effectRef idx="0"/>
+    <cs:fontRef idx="minor">
+      <a:schemeClr val="tx1"/>
+    </cs:fontRef>
+    <cs:spPr>
+      <a:ln w="9525" cap="flat" cmpd="sng" algn="ctr">
+        <a:solidFill>
+          <a:schemeClr val="tx1">
+            <a:lumMod val="35000"/>
+            <a:lumOff val="65000"/>
+          </a:schemeClr>
+        </a:solidFill>
+        <a:round/>
+      </a:ln>
+    </cs:spPr>
+  </cs:dropLine>
+  <cs:errorBar>
+    <cs:lnRef idx="0"/>
+    <cs:fillRef idx="0"/>
+    <cs:effectRef idx="0"/>
+    <cs:fontRef idx="minor">
+      <a:schemeClr val="tx1"/>
+    </cs:fontRef>
+    <cs:spPr>
+      <a:ln w="9525" cap="flat" cmpd="sng" algn="ctr">
+        <a:solidFill>
+          <a:schemeClr val="tx1">
+            <a:lumMod val="65000"/>
+            <a:lumOff val="35000"/>
+          </a:schemeClr>
+        </a:solidFill>
+        <a:round/>
+      </a:ln>
+    </cs:spPr>
+  </cs:errorBar>
+  <cs:floor>
+    <cs:lnRef idx="0"/>
+    <cs:fillRef idx="0"/>
+    <cs:effectRef idx="0"/>
+    <cs:fontRef idx="minor">
+      <a:schemeClr val="tx1"/>
+    </cs:fontRef>
+    <cs:spPr>
+      <a:noFill/>
+      <a:ln>
+        <a:noFill/>
+      </a:ln>
+    </cs:spPr>
+  </cs:floor>
+  <cs:gridlineMajor>
+    <cs:lnRef idx="0"/>
+    <cs:fillRef idx="0"/>
+    <cs:effectRef idx="0"/>
+    <cs:fontRef idx="minor">
+      <a:schemeClr val="tx1"/>
+    </cs:fontRef>
+    <cs:spPr>
+      <a:ln w="9525" cap="flat" cmpd="sng" algn="ctr">
+        <a:solidFill>
+          <a:schemeClr val="tx1">
+            <a:lumMod val="15000"/>
+            <a:lumOff val="85000"/>
+          </a:schemeClr>
+        </a:solidFill>
+        <a:round/>
+      </a:ln>
+    </cs:spPr>
+  </cs:gridlineMajor>
+  <cs:gridlineMinor>
+    <cs:lnRef idx="0"/>
+    <cs:fillRef idx="0"/>
+    <cs:effectRef idx="0"/>
+    <cs:fontRef idx="minor">
+      <a:schemeClr val="tx1"/>
+    </cs:fontRef>
+    <cs:spPr>
+      <a:ln w="9525" cap="flat" cmpd="sng" algn="ctr">
+        <a:solidFill>
+          <a:schemeClr val="tx1">
+            <a:lumMod val="5000"/>
+            <a:lumOff val="95000"/>
+          </a:schemeClr>
+        </a:solidFill>
+        <a:round/>
+      </a:ln>
+    </cs:spPr>
+  </cs:gridlineMinor>
+  <cs:hiLoLine>
+    <cs:lnRef idx="0"/>
+    <cs:fillRef idx="0"/>
+    <cs:effectRef idx="0"/>
+    <cs:fontRef idx="minor">
+      <a:schemeClr val="tx1"/>
+    </cs:fontRef>
+    <cs:spPr>
+      <a:ln w="9525" cap="flat" cmpd="sng" algn="ctr">
+        <a:solidFill>
+          <a:schemeClr val="tx1">
+            <a:lumMod val="50000"/>
+            <a:lumOff val="50000"/>
+          </a:schemeClr>
+        </a:solidFill>
+        <a:round/>
+      </a:ln>
+    </cs:spPr>
+  </cs:hiLoLine>
+  <cs:leaderLine>
+    <cs:lnRef idx="0"/>
+    <cs:fillRef idx="0"/>
+    <cs:effectRef idx="0"/>
+    <cs:fontRef idx="minor">
+      <a:schemeClr val="tx1"/>
+    </cs:fontRef>
+    <cs:spPr>
+      <a:ln w="9525" cap="flat" cmpd="sng" algn="ctr">
+        <a:solidFill>
+          <a:schemeClr val="tx1">
+            <a:lumMod val="35000"/>
+            <a:lumOff val="65000"/>
+          </a:schemeClr>
+        </a:solidFill>
+        <a:round/>
+      </a:ln>
+    </cs:spPr>
+  </cs:leaderLine>
+  <cs:legend>
+    <cs:lnRef idx="0"/>
+    <cs:fillRef idx="0"/>
+    <cs:effectRef idx="0"/>
+    <cs:fontRef idx="minor">
+      <a:schemeClr val="tx1">
+        <a:lumMod val="65000"/>
+        <a:lumOff val="35000"/>
+      </a:schemeClr>
+    </cs:fontRef>
+    <cs:defRPr sz="900" kern="1200"/>
+  </cs:legend>
+  <cs:plotArea mods="allowNoFillOverride allowNoLineOverride">
+    <cs:lnRef idx="0"/>
+    <cs:fillRef idx="0"/>
+    <cs:effectRef idx="0"/>
+    <cs:fontRef idx="minor">
+      <a:schemeClr val="tx1"/>
+    </cs:fontRef>
+  </cs:plotArea>
+  <cs:plotArea3D mods="allowNoFillOverride allowNoLineOverride">
+    <cs:lnRef idx="0"/>
+    <cs:fillRef idx="0"/>
+    <cs:effectRef idx="0"/>
+    <cs:fontRef idx="minor">
+      <a:schemeClr val="tx1"/>
+    </cs:fontRef>
+  </cs:plotArea3D>
+  <cs:seriesAxis>
+    <cs:lnRef idx="0"/>
+    <cs:fillRef idx="0"/>
+    <cs:effectRef idx="0"/>
+    <cs:fontRef idx="minor">
+      <a:schemeClr val="tx1">
+        <a:lumMod val="65000"/>
+        <a:lumOff val="35000"/>
+      </a:schemeClr>
+    </cs:fontRef>
+    <cs:defRPr sz="900" kern="1200"/>
+  </cs:seriesAxis>
+  <cs:seriesLine>
+    <cs:lnRef idx="0"/>
+    <cs:fillRef idx="0"/>
+    <cs:effectRef idx="0"/>
+    <cs:fontRef idx="minor">
+      <a:schemeClr val="tx1"/>
+    </cs:fontRef>
+    <cs:spPr>
+      <a:ln w="9525" cap="flat" cmpd="sng" algn="ctr">
+        <a:solidFill>
+          <a:schemeClr val="tx1">
+            <a:lumMod val="35000"/>
+            <a:lumOff val="65000"/>
+          </a:schemeClr>
+        </a:solidFill>
+        <a:round/>
+      </a:ln>
+    </cs:spPr>
+  </cs:seriesLine>
+  <cs:title>
+    <cs:lnRef idx="0"/>
+    <cs:fillRef idx="0"/>
+    <cs:effectRef idx="0"/>
+    <cs:fontRef idx="minor">
+      <a:schemeClr val="tx1">
+        <a:lumMod val="65000"/>
+        <a:lumOff val="35000"/>
+      </a:schemeClr>
+    </cs:fontRef>
+    <cs:defRPr sz="1400" b="0" kern="1200" spc="0" baseline="0"/>
+  </cs:title>
+  <cs:trendline>
+    <cs:lnRef idx="0">
+      <cs:styleClr val="auto"/>
+    </cs:lnRef>
+    <cs:fillRef idx="0"/>
+    <cs:effectRef idx="0"/>
+    <cs:fontRef idx="minor">
+      <a:schemeClr val="tx1"/>
+    </cs:fontRef>
+    <cs:spPr>
+      <a:ln w="19050" cap="rnd">
+        <a:solidFill>
+          <a:schemeClr val="phClr"/>
+        </a:solidFill>
+        <a:prstDash val="sysDot"/>
+      </a:ln>
+    </cs:spPr>
+  </cs:trendline>
+  <cs:trendlineLabel>
+    <cs:lnRef idx="0"/>
+    <cs:fillRef idx="0"/>
+    <cs:effectRef idx="0"/>
+    <cs:fontRef idx="minor">
+      <a:schemeClr val="tx1">
+        <a:lumMod val="65000"/>
+        <a:lumOff val="35000"/>
+      </a:schemeClr>
+    </cs:fontRef>
+    <cs:defRPr sz="900" kern="1200"/>
+  </cs:trendlineLabel>
+  <cs:upBar>
+    <cs:lnRef idx="0"/>
+    <cs:fillRef idx="0"/>
+    <cs:effectRef idx="0"/>
+    <cs:fontRef idx="minor">
+      <a:schemeClr val="tx1"/>
+    </cs:fontRef>
+    <cs:spPr>
+      <a:solidFill>
+        <a:schemeClr val="lt1"/>
+      </a:solidFill>
+      <a:ln w="9525" cap="flat" cmpd="sng" algn="ctr">
+        <a:solidFill>
+          <a:schemeClr val="tx1">
+            <a:lumMod val="65000"/>
+            <a:lumOff val="35000"/>
+          </a:schemeClr>
+        </a:solidFill>
+        <a:round/>
+      </a:ln>
+    </cs:spPr>
+  </cs:upBar>
+  <cs:valueAxis>
+    <cs:lnRef idx="0"/>
+    <cs:fillRef idx="0"/>
+    <cs:effectRef idx="0"/>
+    <cs:fontRef idx="minor">
+      <a:schemeClr val="tx1">
+        <a:lumMod val="65000"/>
+        <a:lumOff val="35000"/>
+      </a:schemeClr>
+    </cs:fontRef>
+    <cs:spPr>
+      <a:ln w="9525" cap="flat" cmpd="sng" algn="ctr">
+        <a:solidFill>
+          <a:schemeClr val="tx1">
+            <a:lumMod val="25000"/>
+            <a:lumOff val="75000"/>
+          </a:schemeClr>
+        </a:solidFill>
+        <a:round/>
+      </a:ln>
+    </cs:spPr>
+    <cs:defRPr sz="900" kern="1200"/>
+  </cs:valueAxis>
+  <cs:wall>
+    <cs:lnRef idx="0"/>
+    <cs:fillRef idx="0"/>
+    <cs:effectRef idx="0"/>
+    <cs:fontRef idx="minor">
+      <a:schemeClr val="tx1"/>
+    </cs:fontRef>
+    <cs:spPr>
+      <a:noFill/>
+      <a:ln>
+        <a:noFill/>
+      </a:ln>
+    </cs:spPr>
+  </cs:wall>
+</cs:chartStyle>
+</file>
+
+<file path=ppt/charts/style15.xml><?xml version="1.0" encoding="utf-8"?>
 <cs:chartStyle xmlns:cs="http://schemas.microsoft.com/office/drawing/2012/chartStyle" xmlns:a="http://schemas.openxmlformats.org/drawingml/2006/main" id="240">
   <cs:axisTitle>
     <cs:lnRef idx="0"/>
@@ -32746,7 +39941,7 @@
           <a:p>
             <a:fld id="{6EA6E902-5EF2-483D-936E-8D99D2FEC797}" type="datetimeFigureOut">
               <a:rPr lang="en-AU" smtClean="0"/>
-              <a:t>1/12/2024</a:t>
+              <a:t>2/01/2025</a:t>
             </a:fld>
             <a:endParaRPr lang="en-AU"/>
           </a:p>
@@ -33247,7 +40442,7 @@
           <a:p>
             <a:fld id="{763871C2-E1E2-4868-9E66-FEFE29AC3DBE}" type="datetimeFigureOut">
               <a:rPr lang="en-AU" smtClean="0"/>
-              <a:t>1/12/2024</a:t>
+              <a:t>2/01/2025</a:t>
             </a:fld>
             <a:endParaRPr lang="en-AU"/>
           </a:p>
@@ -33447,7 +40642,7 @@
           <a:p>
             <a:fld id="{763871C2-E1E2-4868-9E66-FEFE29AC3DBE}" type="datetimeFigureOut">
               <a:rPr lang="en-AU" smtClean="0"/>
-              <a:t>1/12/2024</a:t>
+              <a:t>2/01/2025</a:t>
             </a:fld>
             <a:endParaRPr lang="en-AU"/>
           </a:p>
@@ -33657,7 +40852,7 @@
           <a:p>
             <a:fld id="{763871C2-E1E2-4868-9E66-FEFE29AC3DBE}" type="datetimeFigureOut">
               <a:rPr lang="en-AU" smtClean="0"/>
-              <a:t>1/12/2024</a:t>
+              <a:t>2/01/2025</a:t>
             </a:fld>
             <a:endParaRPr lang="en-AU"/>
           </a:p>
@@ -33857,7 +41052,7 @@
           <a:p>
             <a:fld id="{763871C2-E1E2-4868-9E66-FEFE29AC3DBE}" type="datetimeFigureOut">
               <a:rPr lang="en-AU" smtClean="0"/>
-              <a:t>1/12/2024</a:t>
+              <a:t>2/01/2025</a:t>
             </a:fld>
             <a:endParaRPr lang="en-AU"/>
           </a:p>
@@ -34133,7 +41328,7 @@
           <a:p>
             <a:fld id="{763871C2-E1E2-4868-9E66-FEFE29AC3DBE}" type="datetimeFigureOut">
               <a:rPr lang="en-AU" smtClean="0"/>
-              <a:t>1/12/2024</a:t>
+              <a:t>2/01/2025</a:t>
             </a:fld>
             <a:endParaRPr lang="en-AU"/>
           </a:p>
@@ -34401,7 +41596,7 @@
           <a:p>
             <a:fld id="{763871C2-E1E2-4868-9E66-FEFE29AC3DBE}" type="datetimeFigureOut">
               <a:rPr lang="en-AU" smtClean="0"/>
-              <a:t>1/12/2024</a:t>
+              <a:t>2/01/2025</a:t>
             </a:fld>
             <a:endParaRPr lang="en-AU"/>
           </a:p>
@@ -34816,7 +42011,7 @@
           <a:p>
             <a:fld id="{763871C2-E1E2-4868-9E66-FEFE29AC3DBE}" type="datetimeFigureOut">
               <a:rPr lang="en-AU" smtClean="0"/>
-              <a:t>1/12/2024</a:t>
+              <a:t>2/01/2025</a:t>
             </a:fld>
             <a:endParaRPr lang="en-AU"/>
           </a:p>
@@ -34958,7 +42153,7 @@
           <a:p>
             <a:fld id="{763871C2-E1E2-4868-9E66-FEFE29AC3DBE}" type="datetimeFigureOut">
               <a:rPr lang="en-AU" smtClean="0"/>
-              <a:t>1/12/2024</a:t>
+              <a:t>2/01/2025</a:t>
             </a:fld>
             <a:endParaRPr lang="en-AU"/>
           </a:p>
@@ -35071,7 +42266,7 @@
           <a:p>
             <a:fld id="{763871C2-E1E2-4868-9E66-FEFE29AC3DBE}" type="datetimeFigureOut">
               <a:rPr lang="en-AU" smtClean="0"/>
-              <a:t>1/12/2024</a:t>
+              <a:t>2/01/2025</a:t>
             </a:fld>
             <a:endParaRPr lang="en-AU"/>
           </a:p>
@@ -35384,7 +42579,7 @@
           <a:p>
             <a:fld id="{763871C2-E1E2-4868-9E66-FEFE29AC3DBE}" type="datetimeFigureOut">
               <a:rPr lang="en-AU" smtClean="0"/>
-              <a:t>1/12/2024</a:t>
+              <a:t>2/01/2025</a:t>
             </a:fld>
             <a:endParaRPr lang="en-AU"/>
           </a:p>
@@ -35673,7 +42868,7 @@
           <a:p>
             <a:fld id="{763871C2-E1E2-4868-9E66-FEFE29AC3DBE}" type="datetimeFigureOut">
               <a:rPr lang="en-AU" smtClean="0"/>
-              <a:t>1/12/2024</a:t>
+              <a:t>2/01/2025</a:t>
             </a:fld>
             <a:endParaRPr lang="en-AU"/>
           </a:p>
@@ -35916,7 +43111,7 @@
           <a:p>
             <a:fld id="{763871C2-E1E2-4868-9E66-FEFE29AC3DBE}" type="datetimeFigureOut">
               <a:rPr lang="en-AU" smtClean="0"/>
-              <a:t>1/12/2024</a:t>
+              <a:t>2/01/2025</a:t>
             </a:fld>
             <a:endParaRPr lang="en-AU"/>
           </a:p>
@@ -37809,6 +45004,167 @@
     <p:extLst>
       <p:ext uri="{BB962C8B-B14F-4D97-AF65-F5344CB8AC3E}">
         <p14:creationId xmlns:p14="http://schemas.microsoft.com/office/powerpoint/2010/main" val="1770949689"/>
+      </p:ext>
+    </p:extLst>
+  </p:cSld>
+  <p:clrMapOvr>
+    <a:masterClrMapping/>
+  </p:clrMapOvr>
+</p:sld>
+</file>
+
+<file path=ppt/slides/slide10.xml><?xml version="1.0" encoding="utf-8"?>
+<p:sld xmlns:a="http://schemas.openxmlformats.org/drawingml/2006/main" xmlns:r="http://schemas.openxmlformats.org/officeDocument/2006/relationships" xmlns:p="http://schemas.openxmlformats.org/presentationml/2006/main">
+  <p:cSld>
+    <p:spTree>
+      <p:nvGrpSpPr>
+        <p:cNvPr id="1" name=""/>
+        <p:cNvGrpSpPr/>
+        <p:nvPr/>
+      </p:nvGrpSpPr>
+      <p:grpSpPr>
+        <a:xfrm>
+          <a:off x="0" y="0"/>
+          <a:ext cx="0" cy="0"/>
+          <a:chOff x="0" y="0"/>
+          <a:chExt cx="0" cy="0"/>
+        </a:xfrm>
+      </p:grpSpPr>
+      <p:graphicFrame>
+        <p:nvGraphicFramePr>
+          <p:cNvPr id="3" name="Chart 2">
+            <a:extLst>
+              <a:ext uri="{FF2B5EF4-FFF2-40B4-BE49-F238E27FC236}">
+                <a16:creationId xmlns:a16="http://schemas.microsoft.com/office/drawing/2014/main" id="{FFDE45F1-5B58-4FE7-9F42-095F799BD5B7}"/>
+              </a:ext>
+            </a:extLst>
+          </p:cNvPr>
+          <p:cNvGraphicFramePr>
+            <a:graphicFrameLocks/>
+          </p:cNvGraphicFramePr>
+          <p:nvPr>
+            <p:extLst>
+              <p:ext uri="{D42A27DB-BD31-4B8C-83A1-F6EECF244321}">
+                <p14:modId xmlns:p14="http://schemas.microsoft.com/office/powerpoint/2010/main" val="1789859762"/>
+              </p:ext>
+            </p:extLst>
+          </p:nvPr>
+        </p:nvGraphicFramePr>
+        <p:xfrm>
+          <a:off x="125691" y="70700"/>
+          <a:ext cx="11940618" cy="6716600"/>
+        </p:xfrm>
+        <a:graphic>
+          <a:graphicData uri="http://schemas.openxmlformats.org/drawingml/2006/chart">
+            <c:chart xmlns:c="http://schemas.openxmlformats.org/drawingml/2006/chart" xmlns:r="http://schemas.openxmlformats.org/officeDocument/2006/relationships" r:id="rId2"/>
+          </a:graphicData>
+        </a:graphic>
+      </p:graphicFrame>
+    </p:spTree>
+    <p:extLst>
+      <p:ext uri="{BB962C8B-B14F-4D97-AF65-F5344CB8AC3E}">
+        <p14:creationId xmlns:p14="http://schemas.microsoft.com/office/powerpoint/2010/main" val="3760699636"/>
+      </p:ext>
+    </p:extLst>
+  </p:cSld>
+  <p:clrMapOvr>
+    <a:masterClrMapping/>
+  </p:clrMapOvr>
+</p:sld>
+</file>
+
+<file path=ppt/slides/slide11.xml><?xml version="1.0" encoding="utf-8"?>
+<p:sld xmlns:a="http://schemas.openxmlformats.org/drawingml/2006/main" xmlns:r="http://schemas.openxmlformats.org/officeDocument/2006/relationships" xmlns:p="http://schemas.openxmlformats.org/presentationml/2006/main">
+  <p:cSld>
+    <p:spTree>
+      <p:nvGrpSpPr>
+        <p:cNvPr id="1" name="">
+          <a:extLst>
+            <a:ext uri="{FF2B5EF4-FFF2-40B4-BE49-F238E27FC236}">
+              <a16:creationId xmlns:a16="http://schemas.microsoft.com/office/drawing/2014/main" id="{C546AF11-84FA-B106-DC27-D13D658111ED}"/>
+            </a:ext>
+          </a:extLst>
+        </p:cNvPr>
+        <p:cNvGrpSpPr/>
+        <p:nvPr/>
+      </p:nvGrpSpPr>
+      <p:grpSpPr>
+        <a:xfrm>
+          <a:off x="0" y="0"/>
+          <a:ext cx="0" cy="0"/>
+          <a:chOff x="0" y="0"/>
+          <a:chExt cx="0" cy="0"/>
+        </a:xfrm>
+      </p:grpSpPr>
+      <p:pic>
+        <p:nvPicPr>
+          <p:cNvPr id="5" name="Picture 4">
+            <a:extLst>
+              <a:ext uri="{FF2B5EF4-FFF2-40B4-BE49-F238E27FC236}">
+                <a16:creationId xmlns:a16="http://schemas.microsoft.com/office/drawing/2014/main" id="{9403A8E4-CF4C-F8F4-E451-60002CA40A64}"/>
+              </a:ext>
+            </a:extLst>
+          </p:cNvPr>
+          <p:cNvPicPr>
+            <a:picLocks noChangeAspect="1"/>
+          </p:cNvPicPr>
+          <p:nvPr/>
+        </p:nvPicPr>
+        <p:blipFill>
+          <a:blip r:embed="rId2"/>
+          <a:srcRect t="5812" b="-1"/>
+          <a:stretch/>
+        </p:blipFill>
+        <p:spPr>
+          <a:xfrm>
+            <a:off x="7249885" y="1036320"/>
+            <a:ext cx="4812058" cy="5598160"/>
+          </a:xfrm>
+          <a:prstGeom prst="rect">
+            <a:avLst/>
+          </a:prstGeom>
+        </p:spPr>
+      </p:pic>
+      <p:sp>
+        <p:nvSpPr>
+          <p:cNvPr id="8" name="TextBox 7">
+            <a:extLst>
+              <a:ext uri="{FF2B5EF4-FFF2-40B4-BE49-F238E27FC236}">
+                <a16:creationId xmlns:a16="http://schemas.microsoft.com/office/drawing/2014/main" id="{546650B9-A14F-006C-4817-DD71C5A45F46}"/>
+              </a:ext>
+            </a:extLst>
+          </p:cNvPr>
+          <p:cNvSpPr txBox="1"/>
+          <p:nvPr/>
+        </p:nvSpPr>
+        <p:spPr>
+          <a:xfrm>
+            <a:off x="7524205" y="223520"/>
+            <a:ext cx="4263420" cy="646331"/>
+          </a:xfrm>
+          <a:prstGeom prst="rect">
+            <a:avLst/>
+          </a:prstGeom>
+          <a:noFill/>
+        </p:spPr>
+        <p:txBody>
+          <a:bodyPr wrap="square" rtlCol="0">
+            <a:spAutoFit/>
+          </a:bodyPr>
+          <a:lstStyle/>
+          <a:p>
+            <a:pPr algn="ctr"/>
+            <a:r>
+              <a:rPr lang="en-AU" dirty="0"/>
+              <a:t>Example Gas Chromatograph Mass Spectrometer Output</a:t>
+            </a:r>
+          </a:p>
+        </p:txBody>
+      </p:sp>
+    </p:spTree>
+    <p:extLst>
+      <p:ext uri="{BB962C8B-B14F-4D97-AF65-F5344CB8AC3E}">
+        <p14:creationId xmlns:p14="http://schemas.microsoft.com/office/powerpoint/2010/main" val="3151503846"/>
       </p:ext>
     </p:extLst>
   </p:cSld>
@@ -42348,7 +49704,7 @@
           <p:nvPr>
             <p:extLst>
               <p:ext uri="{D42A27DB-BD31-4B8C-83A1-F6EECF244321}">
-                <p14:modId xmlns:p14="http://schemas.microsoft.com/office/powerpoint/2010/main" val="1374076652"/>
+                <p14:modId xmlns:p14="http://schemas.microsoft.com/office/powerpoint/2010/main" val="1944808848"/>
               </p:ext>
             </p:extLst>
           </p:nvPr>
@@ -42468,13 +49824,7 @@
   <p:cSld>
     <p:spTree>
       <p:nvGrpSpPr>
-        <p:cNvPr id="1" name="">
-          <a:extLst>
-            <a:ext uri="{FF2B5EF4-FFF2-40B4-BE49-F238E27FC236}">
-              <a16:creationId xmlns:a16="http://schemas.microsoft.com/office/drawing/2014/main" id="{C546AF11-84FA-B106-DC27-D13D658111ED}"/>
-            </a:ext>
-          </a:extLst>
-        </p:cNvPr>
+        <p:cNvPr id="1" name=""/>
         <p:cNvGrpSpPr/>
         <p:nvPr/>
       </p:nvGrpSpPr>
@@ -42486,75 +49836,70 @@
           <a:chExt cx="0" cy="0"/>
         </a:xfrm>
       </p:grpSpPr>
-      <p:pic>
-        <p:nvPicPr>
-          <p:cNvPr id="5" name="Picture 4">
+      <p:graphicFrame>
+        <p:nvGraphicFramePr>
+          <p:cNvPr id="2" name="Chart 1">
             <a:extLst>
               <a:ext uri="{FF2B5EF4-FFF2-40B4-BE49-F238E27FC236}">
-                <a16:creationId xmlns:a16="http://schemas.microsoft.com/office/drawing/2014/main" id="{9403A8E4-CF4C-F8F4-E451-60002CA40A64}"/>
+                <a16:creationId xmlns:a16="http://schemas.microsoft.com/office/drawing/2014/main" id="{D40FD1B5-AEF0-4E84-A263-1CA6EDAED5C4}"/>
               </a:ext>
             </a:extLst>
           </p:cNvPr>
-          <p:cNvPicPr>
-            <a:picLocks noChangeAspect="1"/>
-          </p:cNvPicPr>
-          <p:nvPr/>
-        </p:nvPicPr>
-        <p:blipFill>
-          <a:blip r:embed="rId2"/>
-          <a:srcRect t="5812" b="-1"/>
-          <a:stretch/>
-        </p:blipFill>
-        <p:spPr>
-          <a:xfrm>
-            <a:off x="7249885" y="1036320"/>
-            <a:ext cx="4812058" cy="5598160"/>
-          </a:xfrm>
-          <a:prstGeom prst="rect">
-            <a:avLst/>
-          </a:prstGeom>
-        </p:spPr>
-      </p:pic>
-      <p:sp>
-        <p:nvSpPr>
-          <p:cNvPr id="8" name="TextBox 7">
+          <p:cNvGraphicFramePr>
+            <a:graphicFrameLocks/>
+          </p:cNvGraphicFramePr>
+          <p:nvPr>
+            <p:extLst>
+              <p:ext uri="{D42A27DB-BD31-4B8C-83A1-F6EECF244321}">
+                <p14:modId xmlns:p14="http://schemas.microsoft.com/office/powerpoint/2010/main" val="4044057569"/>
+              </p:ext>
+            </p:extLst>
+          </p:nvPr>
+        </p:nvGraphicFramePr>
+        <p:xfrm>
+          <a:off x="0" y="0"/>
+          <a:ext cx="6096000" cy="6858000"/>
+        </p:xfrm>
+        <a:graphic>
+          <a:graphicData uri="http://schemas.openxmlformats.org/drawingml/2006/chart">
+            <c:chart xmlns:c="http://schemas.openxmlformats.org/drawingml/2006/chart" xmlns:r="http://schemas.openxmlformats.org/officeDocument/2006/relationships" r:id="rId2"/>
+          </a:graphicData>
+        </a:graphic>
+      </p:graphicFrame>
+      <p:graphicFrame>
+        <p:nvGraphicFramePr>
+          <p:cNvPr id="3" name="Chart 2">
             <a:extLst>
               <a:ext uri="{FF2B5EF4-FFF2-40B4-BE49-F238E27FC236}">
-                <a16:creationId xmlns:a16="http://schemas.microsoft.com/office/drawing/2014/main" id="{546650B9-A14F-006C-4817-DD71C5A45F46}"/>
+                <a16:creationId xmlns:a16="http://schemas.microsoft.com/office/drawing/2014/main" id="{C658476F-37F8-4BB6-82B9-8BBD3E431D5A}"/>
               </a:ext>
             </a:extLst>
           </p:cNvPr>
-          <p:cNvSpPr txBox="1"/>
-          <p:nvPr/>
-        </p:nvSpPr>
-        <p:spPr>
-          <a:xfrm>
-            <a:off x="7524205" y="223520"/>
-            <a:ext cx="4263420" cy="646331"/>
-          </a:xfrm>
-          <a:prstGeom prst="rect">
-            <a:avLst/>
-          </a:prstGeom>
-          <a:noFill/>
-        </p:spPr>
-        <p:txBody>
-          <a:bodyPr wrap="square" rtlCol="0">
-            <a:spAutoFit/>
-          </a:bodyPr>
-          <a:lstStyle/>
-          <a:p>
-            <a:pPr algn="ctr"/>
-            <a:r>
-              <a:rPr lang="en-AU" dirty="0"/>
-              <a:t>Example Gas Chromatograph Mass Spectrometer Output</a:t>
-            </a:r>
-          </a:p>
-        </p:txBody>
-      </p:sp>
+          <p:cNvGraphicFramePr>
+            <a:graphicFrameLocks/>
+          </p:cNvGraphicFramePr>
+          <p:nvPr>
+            <p:extLst>
+              <p:ext uri="{D42A27DB-BD31-4B8C-83A1-F6EECF244321}">
+                <p14:modId xmlns:p14="http://schemas.microsoft.com/office/powerpoint/2010/main" val="3011725451"/>
+              </p:ext>
+            </p:extLst>
+          </p:nvPr>
+        </p:nvGraphicFramePr>
+        <p:xfrm>
+          <a:off x="6096000" y="0"/>
+          <a:ext cx="6096000" cy="6858000"/>
+        </p:xfrm>
+        <a:graphic>
+          <a:graphicData uri="http://schemas.openxmlformats.org/drawingml/2006/chart">
+            <c:chart xmlns:c="http://schemas.openxmlformats.org/drawingml/2006/chart" xmlns:r="http://schemas.openxmlformats.org/officeDocument/2006/relationships" r:id="rId3"/>
+          </a:graphicData>
+        </a:graphic>
+      </p:graphicFrame>
     </p:spTree>
     <p:extLst>
       <p:ext uri="{BB962C8B-B14F-4D97-AF65-F5344CB8AC3E}">
-        <p14:creationId xmlns:p14="http://schemas.microsoft.com/office/powerpoint/2010/main" val="3151503846"/>
+        <p14:creationId xmlns:p14="http://schemas.microsoft.com/office/powerpoint/2010/main" val="3470472565"/>
       </p:ext>
     </p:extLst>
   </p:cSld>
